--- a/presentation.pptx
+++ b/presentation.pptx
@@ -16,25 +16,24 @@
     <p:sldId id="261" r:id="rId9"/>
     <p:sldId id="262" r:id="rId10"/>
     <p:sldId id="263" r:id="rId11"/>
-    <p:sldId id="264" r:id="rId12"/>
-    <p:sldId id="265" r:id="rId13"/>
+    <p:sldId id="265" r:id="rId12"/>
   </p:sldIdLst>
   <p:sldSz cx="12192000" cy="6858000"/>
   <p:notesSz cx="12192000" cy="6858000"/>
   <p:embeddedFontLst>
     <p:embeddedFont>
       <p:font typeface="Calibri" panose="020F0502020204030204"/>
-      <p:regular r:id="rId17"/>
-      <p:bold r:id="rId18"/>
-      <p:italic r:id="rId19"/>
-      <p:boldItalic r:id="rId20"/>
+      <p:regular r:id="rId16"/>
+      <p:bold r:id="rId17"/>
+      <p:italic r:id="rId18"/>
+      <p:boldItalic r:id="rId19"/>
     </p:embeddedFont>
     <p:embeddedFont>
       <p:font typeface="Roboto" panose="02000000000000000000"/>
-      <p:regular r:id="rId21"/>
-      <p:bold r:id="rId22"/>
-      <p:italic r:id="rId23"/>
-      <p:boldItalic r:id="rId24"/>
+      <p:regular r:id="rId20"/>
+      <p:bold r:id="rId21"/>
+      <p:italic r:id="rId22"/>
+      <p:boldItalic r:id="rId23"/>
     </p:embeddedFont>
   </p:embeddedFontLst>
   <p:defaultTextStyle>
@@ -803,105 +802,6 @@
 </p:notes>
 </file>
 
-<file path=ppt/notesSlides/notesSlide10.xml><?xml version="1.0" encoding="utf-8"?>
-<p:notes xmlns:a="http://schemas.openxmlformats.org/drawingml/2006/main" xmlns:r="http://schemas.openxmlformats.org/officeDocument/2006/relationships" xmlns:p="http://schemas.openxmlformats.org/presentationml/2006/main" showMasterPhAnim="0" showMasterSp="0">
-  <p:cSld>
-    <p:spTree>
-      <p:nvGrpSpPr>
-        <p:cNvPr id="300" name="Shape 300"/>
-        <p:cNvGrpSpPr/>
-        <p:nvPr/>
-      </p:nvGrpSpPr>
-      <p:grpSpPr>
-        <a:xfrm>
-          <a:off x="0" y="0"/>
-          <a:ext cx="0" cy="0"/>
-          <a:chOff x="0" y="0"/>
-          <a:chExt cx="0" cy="0"/>
-        </a:xfrm>
-      </p:grpSpPr>
-      <p:sp>
-        <p:nvSpPr>
-          <p:cNvPr id="301" name="Google Shape;301;p10:notes"/>
-          <p:cNvSpPr txBox="1"/>
-          <p:nvPr>
-            <p:ph type="body" idx="1"/>
-          </p:nvPr>
-        </p:nvSpPr>
-        <p:spPr>
-          <a:xfrm>
-            <a:off x="1219200" y="3257550"/>
-            <a:ext cx="9753600" cy="3086100"/>
-          </a:xfrm>
-          <a:prstGeom prst="rect">
-            <a:avLst/>
-          </a:prstGeom>
-        </p:spPr>
-        <p:txBody>
-          <a:bodyPr spcFirstLastPara="1" wrap="square" lIns="91425" tIns="91425" rIns="91425" bIns="91425" anchor="t" anchorCtr="0">
-            <a:noAutofit/>
-          </a:bodyPr>
-          <a:lstStyle/>
-          <a:p>
-            <a:pPr marL="0" lvl="0" indent="0" algn="l" rtl="0">
-              <a:spcBef>
-                <a:spcPts val="0"/>
-              </a:spcBef>
-              <a:spcAft>
-                <a:spcPts val="0"/>
-              </a:spcAft>
-              <a:buNone/>
-            </a:pPr>
-          </a:p>
-        </p:txBody>
-      </p:sp>
-      <p:sp>
-        <p:nvSpPr>
-          <p:cNvPr id="302" name="Google Shape;302;p10:notes"/>
-          <p:cNvSpPr/>
-          <p:nvPr>
-            <p:ph type="sldImg" idx="2"/>
-          </p:nvPr>
-        </p:nvSpPr>
-        <p:spPr>
-          <a:xfrm>
-            <a:off x="2032400" y="514350"/>
-            <a:ext cx="8128400" cy="2571750"/>
-          </a:xfrm>
-          <a:custGeom>
-            <a:avLst/>
-            <a:gdLst/>
-            <a:ahLst/>
-            <a:cxnLst/>
-            <a:rect l="l" t="t" r="r" b="b"/>
-            <a:pathLst>
-              <a:path w="120000" h="120000" extrusionOk="0">
-                <a:moveTo>
-                  <a:pt x="0" y="0"/>
-                </a:moveTo>
-                <a:lnTo>
-                  <a:pt x="120000" y="0"/>
-                </a:lnTo>
-                <a:lnTo>
-                  <a:pt x="120000" y="120000"/>
-                </a:lnTo>
-                <a:lnTo>
-                  <a:pt x="0" y="120000"/>
-                </a:lnTo>
-                <a:close/>
-              </a:path>
-            </a:pathLst>
-          </a:custGeom>
-        </p:spPr>
-      </p:sp>
-    </p:spTree>
-  </p:cSld>
-  <p:clrMapOvr>
-    <a:masterClrMapping/>
-  </p:clrMapOvr>
-</p:notes>
-</file>
-
 <file path=ppt/notesSlides/notesSlide2.xml><?xml version="1.0" encoding="utf-8"?>
 <p:notes xmlns:a="http://schemas.openxmlformats.org/drawingml/2006/main" xmlns:r="http://schemas.openxmlformats.org/officeDocument/2006/relationships" xmlns:p="http://schemas.openxmlformats.org/presentationml/2006/main" showMasterPhAnim="0" showMasterSp="0">
   <p:cSld>
@@ -1600,7 +1500,7 @@
   <p:cSld>
     <p:spTree>
       <p:nvGrpSpPr>
-        <p:cNvPr id="270" name="Shape 270"/>
+        <p:cNvPr id="300" name="Shape 300"/>
         <p:cNvGrpSpPr/>
         <p:nvPr/>
       </p:nvGrpSpPr>
@@ -1614,7 +1514,7 @@
       </p:grpSpPr>
       <p:sp>
         <p:nvSpPr>
-          <p:cNvPr id="271" name="Google Shape;271;g247f382fd86_0_106:notes"/>
+          <p:cNvPr id="301" name="Google Shape;301;p10:notes"/>
           <p:cNvSpPr txBox="1"/>
           <p:nvPr>
             <p:ph type="body" idx="1"/>
@@ -1649,7 +1549,7 @@
       </p:sp>
       <p:sp>
         <p:nvSpPr>
-          <p:cNvPr id="272" name="Google Shape;272;g247f382fd86_0_106:notes"/>
+          <p:cNvPr id="302" name="Google Shape;302;p10:notes"/>
           <p:cNvSpPr/>
           <p:nvPr>
             <p:ph type="sldImg" idx="2"/>
@@ -1658,7 +1558,7 @@
         <p:spPr>
           <a:xfrm>
             <a:off x="2032400" y="514350"/>
-            <a:ext cx="8128500" cy="2571900"/>
+            <a:ext cx="8128400" cy="2571750"/>
           </a:xfrm>
           <a:custGeom>
             <a:avLst/>
@@ -8818,7 +8718,6 @@
             </a:pPr>
             <a:r>
               <a:rPr lang="ru-RU" altLang="en-US" sz="2500" b="0">
-                <a:ln/>
                 <a:solidFill>
                   <a:schemeClr val="tx1"/>
                 </a:solidFill>
@@ -8833,7 +8732,6 @@
               <a:t>Южный федеральный округ</a:t>
             </a:r>
             <a:endParaRPr sz="6000" b="0">
-              <a:ln/>
               <a:solidFill>
                 <a:schemeClr val="tx1"/>
               </a:solidFill>
@@ -8860,7 +8758,6 @@
               <a:buNone/>
             </a:pPr>
             <a:endParaRPr sz="6000" b="0">
-              <a:ln/>
               <a:solidFill>
                 <a:schemeClr val="tx1"/>
               </a:solidFill>
@@ -8872,363 +8769,6 @@
                 </a:outerShdw>
               </a:effectLst>
             </a:endParaRPr>
-          </a:p>
-        </p:txBody>
-      </p:sp>
-    </p:spTree>
-  </p:cSld>
-  <p:clrMapOvr>
-    <a:masterClrMapping/>
-  </p:clrMapOvr>
-</p:sld>
-</file>
-
-<file path=ppt/slides/slide10.xml><?xml version="1.0" encoding="utf-8"?>
-<p:sld xmlns:a="http://schemas.openxmlformats.org/drawingml/2006/main" xmlns:r="http://schemas.openxmlformats.org/officeDocument/2006/relationships" xmlns:p="http://schemas.openxmlformats.org/presentationml/2006/main">
-  <p:cSld>
-    <p:spTree>
-      <p:nvGrpSpPr>
-        <p:cNvPr id="303" name="Shape 303"/>
-        <p:cNvGrpSpPr/>
-        <p:nvPr/>
-      </p:nvGrpSpPr>
-      <p:grpSpPr>
-        <a:xfrm>
-          <a:off x="0" y="0"/>
-          <a:ext cx="0" cy="0"/>
-          <a:chOff x="0" y="0"/>
-          <a:chExt cx="0" cy="0"/>
-        </a:xfrm>
-      </p:grpSpPr>
-      <p:pic>
-        <p:nvPicPr>
-          <p:cNvPr id="304" name="Google Shape;304;p10"/>
-          <p:cNvPicPr preferRelativeResize="0"/>
-          <p:nvPr/>
-        </p:nvPicPr>
-        <p:blipFill rotWithShape="1">
-          <a:blip r:embed="rId1"/>
-          <a:srcRect/>
-          <a:stretch>
-            <a:fillRect/>
-          </a:stretch>
-        </p:blipFill>
-        <p:spPr>
-          <a:xfrm>
-            <a:off x="8528304" y="5666232"/>
-            <a:ext cx="734568" cy="804672"/>
-          </a:xfrm>
-          <a:prstGeom prst="rect">
-            <a:avLst/>
-          </a:prstGeom>
-          <a:noFill/>
-          <a:ln>
-            <a:noFill/>
-          </a:ln>
-        </p:spPr>
-      </p:pic>
-      <p:pic>
-        <p:nvPicPr>
-          <p:cNvPr id="305" name="Google Shape;305;p10"/>
-          <p:cNvPicPr preferRelativeResize="0"/>
-          <p:nvPr/>
-        </p:nvPicPr>
-        <p:blipFill rotWithShape="1">
-          <a:blip r:embed="rId2"/>
-          <a:srcRect/>
-          <a:stretch>
-            <a:fillRect/>
-          </a:stretch>
-        </p:blipFill>
-        <p:spPr>
-          <a:xfrm>
-            <a:off x="4538104" y="258098"/>
-            <a:ext cx="3215640" cy="1944624"/>
-          </a:xfrm>
-          <a:prstGeom prst="rect">
-            <a:avLst/>
-          </a:prstGeom>
-          <a:noFill/>
-          <a:ln>
-            <a:noFill/>
-          </a:ln>
-        </p:spPr>
-      </p:pic>
-      <p:pic>
-        <p:nvPicPr>
-          <p:cNvPr id="306" name="Google Shape;306;p10"/>
-          <p:cNvPicPr preferRelativeResize="0"/>
-          <p:nvPr/>
-        </p:nvPicPr>
-        <p:blipFill rotWithShape="1">
-          <a:blip r:embed="rId1"/>
-          <a:srcRect/>
-          <a:stretch>
-            <a:fillRect/>
-          </a:stretch>
-        </p:blipFill>
-        <p:spPr>
-          <a:xfrm>
-            <a:off x="2813304" y="5666232"/>
-            <a:ext cx="736092" cy="804672"/>
-          </a:xfrm>
-          <a:prstGeom prst="rect">
-            <a:avLst/>
-          </a:prstGeom>
-          <a:noFill/>
-          <a:ln>
-            <a:noFill/>
-          </a:ln>
-        </p:spPr>
-      </p:pic>
-      <p:pic>
-        <p:nvPicPr>
-          <p:cNvPr id="307" name="Google Shape;307;p10"/>
-          <p:cNvPicPr preferRelativeResize="0"/>
-          <p:nvPr/>
-        </p:nvPicPr>
-        <p:blipFill rotWithShape="1">
-          <a:blip r:embed="rId1"/>
-          <a:srcRect/>
-          <a:stretch>
-            <a:fillRect/>
-          </a:stretch>
-        </p:blipFill>
-        <p:spPr>
-          <a:xfrm>
-            <a:off x="1865376" y="5666232"/>
-            <a:ext cx="734568" cy="804672"/>
-          </a:xfrm>
-          <a:prstGeom prst="rect">
-            <a:avLst/>
-          </a:prstGeom>
-          <a:noFill/>
-          <a:ln>
-            <a:noFill/>
-          </a:ln>
-        </p:spPr>
-      </p:pic>
-      <p:pic>
-        <p:nvPicPr>
-          <p:cNvPr id="308" name="Google Shape;308;p10"/>
-          <p:cNvPicPr preferRelativeResize="0"/>
-          <p:nvPr/>
-        </p:nvPicPr>
-        <p:blipFill rotWithShape="1">
-          <a:blip r:embed="rId3"/>
-          <a:srcRect/>
-          <a:stretch>
-            <a:fillRect/>
-          </a:stretch>
-        </p:blipFill>
-        <p:spPr>
-          <a:xfrm>
-            <a:off x="9473183" y="5745479"/>
-            <a:ext cx="539496" cy="556260"/>
-          </a:xfrm>
-          <a:prstGeom prst="rect">
-            <a:avLst/>
-          </a:prstGeom>
-          <a:noFill/>
-          <a:ln>
-            <a:noFill/>
-          </a:ln>
-        </p:spPr>
-      </p:pic>
-      <p:pic>
-        <p:nvPicPr>
-          <p:cNvPr id="309" name="Google Shape;309;p10"/>
-          <p:cNvPicPr preferRelativeResize="0"/>
-          <p:nvPr/>
-        </p:nvPicPr>
-        <p:blipFill rotWithShape="1">
-          <a:blip r:embed="rId3"/>
-          <a:srcRect/>
-          <a:stretch>
-            <a:fillRect/>
-          </a:stretch>
-        </p:blipFill>
-        <p:spPr>
-          <a:xfrm>
-            <a:off x="10143743" y="5745479"/>
-            <a:ext cx="539496" cy="556260"/>
-          </a:xfrm>
-          <a:prstGeom prst="rect">
-            <a:avLst/>
-          </a:prstGeom>
-          <a:noFill/>
-          <a:ln>
-            <a:noFill/>
-          </a:ln>
-        </p:spPr>
-      </p:pic>
-      <p:pic>
-        <p:nvPicPr>
-          <p:cNvPr id="310" name="Google Shape;310;p10"/>
-          <p:cNvPicPr preferRelativeResize="0"/>
-          <p:nvPr/>
-        </p:nvPicPr>
-        <p:blipFill rotWithShape="1">
-          <a:blip r:embed="rId3"/>
-          <a:srcRect/>
-          <a:stretch>
-            <a:fillRect/>
-          </a:stretch>
-        </p:blipFill>
-        <p:spPr>
-          <a:xfrm>
-            <a:off x="1130808" y="5745479"/>
-            <a:ext cx="539496" cy="556260"/>
-          </a:xfrm>
-          <a:prstGeom prst="rect">
-            <a:avLst/>
-          </a:prstGeom>
-          <a:noFill/>
-          <a:ln>
-            <a:noFill/>
-          </a:ln>
-        </p:spPr>
-      </p:pic>
-      <p:pic>
-        <p:nvPicPr>
-          <p:cNvPr id="311" name="Google Shape;311;p10"/>
-          <p:cNvPicPr preferRelativeResize="0"/>
-          <p:nvPr/>
-        </p:nvPicPr>
-        <p:blipFill rotWithShape="1">
-          <a:blip r:embed="rId4"/>
-          <a:srcRect/>
-          <a:stretch>
-            <a:fillRect/>
-          </a:stretch>
-        </p:blipFill>
-        <p:spPr>
-          <a:xfrm>
-            <a:off x="6376415" y="5673852"/>
-            <a:ext cx="1751076" cy="769620"/>
-          </a:xfrm>
-          <a:prstGeom prst="rect">
-            <a:avLst/>
-          </a:prstGeom>
-          <a:noFill/>
-          <a:ln>
-            <a:noFill/>
-          </a:ln>
-        </p:spPr>
-      </p:pic>
-      <p:pic>
-        <p:nvPicPr>
-          <p:cNvPr id="312" name="Google Shape;312;p10"/>
-          <p:cNvPicPr preferRelativeResize="0"/>
-          <p:nvPr/>
-        </p:nvPicPr>
-        <p:blipFill rotWithShape="1">
-          <a:blip r:embed="rId5"/>
-          <a:srcRect/>
-          <a:stretch>
-            <a:fillRect/>
-          </a:stretch>
-        </p:blipFill>
-        <p:spPr>
-          <a:xfrm>
-            <a:off x="4114800" y="5672328"/>
-            <a:ext cx="2033016" cy="719328"/>
-          </a:xfrm>
-          <a:prstGeom prst="rect">
-            <a:avLst/>
-          </a:prstGeom>
-          <a:noFill/>
-          <a:ln>
-            <a:noFill/>
-          </a:ln>
-        </p:spPr>
-      </p:pic>
-      <p:sp>
-        <p:nvSpPr>
-          <p:cNvPr id="313" name="Google Shape;313;p10"/>
-          <p:cNvSpPr txBox="1"/>
-          <p:nvPr>
-            <p:ph type="title" idx="4294967295"/>
-          </p:nvPr>
-        </p:nvSpPr>
-        <p:spPr>
-          <a:xfrm>
-            <a:off x="1537300" y="2955100"/>
-            <a:ext cx="9323700" cy="2090700"/>
-          </a:xfrm>
-          <a:prstGeom prst="rect">
-            <a:avLst/>
-          </a:prstGeom>
-          <a:noFill/>
-          <a:ln>
-            <a:noFill/>
-          </a:ln>
-        </p:spPr>
-        <p:txBody>
-          <a:bodyPr spcFirstLastPara="1" wrap="square" lIns="0" tIns="12700" rIns="0" bIns="0" anchor="t" anchorCtr="0">
-            <a:spAutoFit/>
-          </a:bodyPr>
-          <a:lstStyle/>
-          <a:p>
-            <a:pPr marL="12700" lvl="0" indent="0" algn="ctr" rtl="0">
-              <a:lnSpc>
-                <a:spcPct val="100000"/>
-              </a:lnSpc>
-              <a:spcBef>
-                <a:spcPts val="0"/>
-              </a:spcBef>
-              <a:spcAft>
-                <a:spcPts val="0"/>
-              </a:spcAft>
-              <a:buNone/>
-            </a:pPr>
-            <a:r>
-              <a:rPr lang="en-US" sz="4500">
-                <a:solidFill>
-                  <a:schemeClr val="lt1"/>
-                </a:solidFill>
-              </a:rPr>
-              <a:t>СПАСИБО ЗА ВНИМАНИЕ!</a:t>
-            </a:r>
-            <a:endParaRPr sz="4500">
-              <a:solidFill>
-                <a:schemeClr val="lt1"/>
-              </a:solidFill>
-            </a:endParaRPr>
-          </a:p>
-          <a:p>
-            <a:pPr marL="12700" lvl="0" indent="0" algn="ctr" rtl="0">
-              <a:lnSpc>
-                <a:spcPct val="100000"/>
-              </a:lnSpc>
-              <a:spcBef>
-                <a:spcPts val="0"/>
-              </a:spcBef>
-              <a:spcAft>
-                <a:spcPts val="0"/>
-              </a:spcAft>
-              <a:buNone/>
-            </a:pPr>
-            <a:endParaRPr sz="4500"/>
-          </a:p>
-          <a:p>
-            <a:pPr marL="12700" lvl="0" indent="0" algn="ctr" rtl="0">
-              <a:lnSpc>
-                <a:spcPct val="100000"/>
-              </a:lnSpc>
-              <a:spcBef>
-                <a:spcPts val="0"/>
-              </a:spcBef>
-              <a:spcAft>
-                <a:spcPts val="0"/>
-              </a:spcAft>
-              <a:buNone/>
-            </a:pPr>
-            <a:r>
-              <a:rPr lang="en-US" sz="4500"/>
-              <a:t>EXTREME DS</a:t>
-            </a:r>
-            <a:endParaRPr sz="4500"/>
           </a:p>
         </p:txBody>
       </p:sp>
@@ -11559,33 +11099,6 @@
           <a:chExt cx="0" cy="0"/>
         </a:xfrm>
       </p:grpSpPr>
-      <p:pic>
-        <p:nvPicPr>
-          <p:cNvPr id="95" name="Google Shape;95;p3"/>
-          <p:cNvPicPr preferRelativeResize="0"/>
-          <p:nvPr/>
-        </p:nvPicPr>
-        <p:blipFill rotWithShape="1">
-          <a:blip r:embed="rId1"/>
-          <a:srcRect l="42778"/>
-          <a:stretch>
-            <a:fillRect/>
-          </a:stretch>
-        </p:blipFill>
-        <p:spPr>
-          <a:xfrm>
-            <a:off x="6029450" y="1650"/>
-            <a:ext cx="6162551" cy="6858000"/>
-          </a:xfrm>
-          <a:prstGeom prst="rect">
-            <a:avLst/>
-          </a:prstGeom>
-          <a:noFill/>
-          <a:ln>
-            <a:noFill/>
-          </a:ln>
-        </p:spPr>
-      </p:pic>
       <p:sp>
         <p:nvSpPr>
           <p:cNvPr id="96" name="Google Shape;96;p3"/>
@@ -11595,7 +11108,7 @@
         <p:spPr>
           <a:xfrm>
             <a:off x="0" y="0"/>
-            <a:ext cx="6309312" cy="6858000"/>
+            <a:ext cx="12192635" cy="6858000"/>
           </a:xfrm>
           <a:custGeom>
             <a:avLst/>
@@ -11747,8 +11260,8 @@
         </p:nvSpPr>
         <p:spPr>
           <a:xfrm>
-            <a:off x="462175" y="1172725"/>
-            <a:ext cx="5447400" cy="8783320"/>
+            <a:off x="462280" y="1172845"/>
+            <a:ext cx="11411585" cy="4319905"/>
           </a:xfrm>
           <a:prstGeom prst="rect">
             <a:avLst/>
@@ -11800,7 +11313,7 @@
               </a:rPr>
               <a:t>: </a:t>
             </a:r>
-            <a:endParaRPr sz="2000">
+            <a:endParaRPr lang="en-US" sz="2000">
               <a:solidFill>
                 <a:srgbClr val="FFFFFF"/>
               </a:solidFill>
@@ -11823,6 +11336,29 @@
               </a:spcAft>
               <a:buNone/>
             </a:pPr>
+            <a:endParaRPr sz="800">
+              <a:solidFill>
+                <a:srgbClr val="FFFFFF"/>
+              </a:solidFill>
+              <a:latin typeface="Calibri" panose="020F0502020204030204"/>
+              <a:ea typeface="Calibri" panose="020F0502020204030204"/>
+              <a:cs typeface="Calibri" panose="020F0502020204030204"/>
+              <a:sym typeface="Calibri" panose="020F0502020204030204"/>
+            </a:endParaRPr>
+          </a:p>
+          <a:p>
+            <a:pPr marL="12700" marR="633730" lvl="0" indent="0" algn="just" rtl="0">
+              <a:lnSpc>
+                <a:spcPct val="100000"/>
+              </a:lnSpc>
+              <a:spcBef>
+                <a:spcPts val="0"/>
+              </a:spcBef>
+              <a:spcAft>
+                <a:spcPts val="0"/>
+              </a:spcAft>
+              <a:buNone/>
+            </a:pPr>
             <a:r>
               <a:rPr lang="en-US" sz="1700">
                 <a:solidFill>
@@ -11833,9 +11369,32 @@
                 <a:cs typeface="Calibri" panose="020F0502020204030204"/>
                 <a:sym typeface="Calibri" panose="020F0502020204030204"/>
               </a:rPr>
-              <a:t>Структурные макроэкономические модели являются неотъемлемым инструментом построения прогнозов центральными банками. Они приобрели такую популярность за счет возможности простого и интуитивного способа моделирования широкого набора макроэкономических сценариев и различного рода мер экономической политики. В рамках хакатона участникам предлагается предобучить нейронные сети, которые по набору наблюдаемых данных будут предсказывать наиболее релевантные для этого набора регионы параметров моделей. Командам предлагается поучаствовать в использовании симуляционных алгоритмов на основе нейронных сетей, которые не опираются на специфичные свойства моделей и могут работать как с оригинальными их версиями, так и с аппроксимациями. Решение кейса представляет собой алгоритм, которой принимает на вход набор наблюдаемый макроэкономических временных рядов (прирост ВВП, инфляция и процентная ставка) и выдает на выходе вероятностное распределение оценок параметров (с возможностью сэмплирования).</a:t>
+              <a:t>Структурные макроэкономические модели являются неотъемлемым инструментом построения прогнозов центральными банками. Они приобрели такую популярность за счет возможности простого и интуитивного способа моделирования широкого набора макроэкономических сценариев и различного рода мер экономической политики. В рамках хакатона участникам предлагается предобучить нейронные сети, которые по набору наблюдаемых данных будут предсказывать наиболее релевантные для этого набора регионы параметров моделей. Командам предлагается поучаствовать в использовании симуляционных алгоритмов на основе нейронных сетей, которые не опираются на специфичные свойства моделей и могут работать как с оригинальными их версиями, так и с аппроксимациями. </a:t>
             </a:r>
             <a:endParaRPr lang="en-US" sz="1700">
+              <a:solidFill>
+                <a:srgbClr val="FFFFFF"/>
+              </a:solidFill>
+              <a:latin typeface="Calibri" panose="020F0502020204030204"/>
+              <a:ea typeface="Calibri" panose="020F0502020204030204"/>
+              <a:cs typeface="Calibri" panose="020F0502020204030204"/>
+              <a:sym typeface="Calibri" panose="020F0502020204030204"/>
+            </a:endParaRPr>
+          </a:p>
+          <a:p>
+            <a:pPr marL="12700" marR="633730" lvl="0" indent="0" algn="just" rtl="0">
+              <a:lnSpc>
+                <a:spcPct val="100000"/>
+              </a:lnSpc>
+              <a:spcBef>
+                <a:spcPts val="0"/>
+              </a:spcBef>
+              <a:spcAft>
+                <a:spcPts val="0"/>
+              </a:spcAft>
+              <a:buNone/>
+            </a:pPr>
+            <a:endParaRPr lang="en-US" sz="800">
               <a:solidFill>
                 <a:srgbClr val="FFFFFF"/>
               </a:solidFill>
@@ -11882,6 +11441,29 @@
               </a:rPr>
               <a:t> </a:t>
             </a:r>
+            <a:endParaRPr lang="en-US" sz="2000">
+              <a:solidFill>
+                <a:srgbClr val="FFFFFF"/>
+              </a:solidFill>
+              <a:latin typeface="Calibri" panose="020F0502020204030204"/>
+              <a:ea typeface="Calibri" panose="020F0502020204030204"/>
+              <a:cs typeface="Calibri" panose="020F0502020204030204"/>
+              <a:sym typeface="Calibri" panose="020F0502020204030204"/>
+            </a:endParaRPr>
+          </a:p>
+          <a:p>
+            <a:pPr marL="0" marR="12700" lvl="0" indent="0" algn="just" rtl="0">
+              <a:lnSpc>
+                <a:spcPct val="100000"/>
+              </a:lnSpc>
+              <a:spcBef>
+                <a:spcPts val="0"/>
+              </a:spcBef>
+              <a:spcAft>
+                <a:spcPts val="0"/>
+              </a:spcAft>
+              <a:buNone/>
+            </a:pPr>
             <a:endParaRPr sz="2000">
               <a:solidFill>
                 <a:srgbClr val="FFFFFF"/>
@@ -11915,30 +11497,9 @@
                 <a:cs typeface="Calibri" panose="020F0502020204030204"/>
                 <a:sym typeface="Calibri" panose="020F0502020204030204"/>
               </a:rPr>
-              <a:t>Приложение</a:t>
+              <a:t>Решение кейса представляет собой алгоритм, которой принимает на вход набор наблюдаемый макроэкономических временных рядов (прирост ВВП, инфляция и процентная ставка) и выдает на выходе вероятностное распределение оценок параметров (с возможностью сэмплирования).</a:t>
             </a:r>
-            <a:r>
-              <a:rPr lang="en-US" sz="1700">
-                <a:latin typeface="Calibri" panose="020F0502020204030204"/>
-                <a:ea typeface="Calibri" panose="020F0502020204030204"/>
-                <a:cs typeface="Calibri" panose="020F0502020204030204"/>
-                <a:sym typeface="Calibri" panose="020F0502020204030204"/>
-              </a:rPr>
-              <a:t> </a:t>
-            </a:r>
-            <a:r>
-              <a:rPr lang="en-US" sz="1700">
-                <a:solidFill>
-                  <a:srgbClr val="FFFFFF"/>
-                </a:solidFill>
-                <a:latin typeface="Calibri" panose="020F0502020204030204"/>
-                <a:ea typeface="Calibri" panose="020F0502020204030204"/>
-                <a:cs typeface="Calibri" panose="020F0502020204030204"/>
-                <a:sym typeface="Calibri" panose="020F0502020204030204"/>
-              </a:rPr>
-              <a:t>структурирующее информацию о лекарственных  растениях.</a:t>
-            </a:r>
-            <a:endParaRPr sz="1700">
+            <a:endParaRPr lang="en-US" sz="1700">
               <a:solidFill>
                 <a:srgbClr val="FFFFFF"/>
               </a:solidFill>
@@ -11961,120 +11522,6 @@
               </a:spcAft>
               <a:buNone/>
             </a:pPr>
-            <a:endParaRPr sz="1700">
-              <a:solidFill>
-                <a:srgbClr val="FFFFFF"/>
-              </a:solidFill>
-              <a:latin typeface="Calibri" panose="020F0502020204030204"/>
-              <a:ea typeface="Calibri" panose="020F0502020204030204"/>
-              <a:cs typeface="Calibri" panose="020F0502020204030204"/>
-              <a:sym typeface="Calibri" panose="020F0502020204030204"/>
-            </a:endParaRPr>
-          </a:p>
-          <a:p>
-            <a:pPr marL="0" marR="12700" lvl="0" indent="0" algn="just" rtl="0">
-              <a:lnSpc>
-                <a:spcPct val="100000"/>
-              </a:lnSpc>
-              <a:spcBef>
-                <a:spcPts val="0"/>
-              </a:spcBef>
-              <a:spcAft>
-                <a:spcPts val="0"/>
-              </a:spcAft>
-              <a:buNone/>
-            </a:pPr>
-            <a:r>
-              <a:rPr lang="en-US" sz="2000" b="1">
-                <a:solidFill>
-                  <a:srgbClr val="FFFFFF"/>
-                </a:solidFill>
-                <a:latin typeface="Calibri" panose="020F0502020204030204"/>
-                <a:ea typeface="Calibri" panose="020F0502020204030204"/>
-                <a:cs typeface="Calibri" panose="020F0502020204030204"/>
-                <a:sym typeface="Calibri" panose="020F0502020204030204"/>
-              </a:rPr>
-              <a:t>Бизнес э</a:t>
-            </a:r>
-            <a:r>
-              <a:rPr lang="en-US" sz="2000" b="1">
-                <a:solidFill>
-                  <a:srgbClr val="FFFFFF"/>
-                </a:solidFill>
-                <a:latin typeface="Calibri" panose="020F0502020204030204"/>
-                <a:ea typeface="Calibri" panose="020F0502020204030204"/>
-                <a:cs typeface="Calibri" panose="020F0502020204030204"/>
-                <a:sym typeface="Calibri" panose="020F0502020204030204"/>
-              </a:rPr>
-              <a:t>ффект:</a:t>
-            </a:r>
-            <a:endParaRPr sz="2000" b="1">
-              <a:solidFill>
-                <a:srgbClr val="FFFFFF"/>
-              </a:solidFill>
-              <a:latin typeface="Calibri" panose="020F0502020204030204"/>
-              <a:ea typeface="Calibri" panose="020F0502020204030204"/>
-              <a:cs typeface="Calibri" panose="020F0502020204030204"/>
-              <a:sym typeface="Calibri" panose="020F0502020204030204"/>
-            </a:endParaRPr>
-          </a:p>
-          <a:p>
-            <a:pPr marL="12700" marR="0" lvl="0" indent="0" algn="l" rtl="0">
-              <a:lnSpc>
-                <a:spcPct val="100000"/>
-              </a:lnSpc>
-              <a:spcBef>
-                <a:spcPts val="0"/>
-              </a:spcBef>
-              <a:spcAft>
-                <a:spcPts val="0"/>
-              </a:spcAft>
-              <a:buNone/>
-            </a:pPr>
-            <a:r>
-              <a:rPr lang="en-US" sz="1700">
-                <a:solidFill>
-                  <a:srgbClr val="FFFFFF"/>
-                </a:solidFill>
-                <a:latin typeface="Calibri" panose="020F0502020204030204"/>
-                <a:ea typeface="Calibri" panose="020F0502020204030204"/>
-                <a:cs typeface="Calibri" panose="020F0502020204030204"/>
-                <a:sym typeface="Calibri" panose="020F0502020204030204"/>
-              </a:rPr>
-              <a:t>Данное решение будет способствовать устранению</a:t>
-            </a:r>
-            <a:endParaRPr sz="1700">
-              <a:latin typeface="Calibri" panose="020F0502020204030204"/>
-              <a:ea typeface="Calibri" panose="020F0502020204030204"/>
-              <a:cs typeface="Calibri" panose="020F0502020204030204"/>
-              <a:sym typeface="Calibri" panose="020F0502020204030204"/>
-            </a:endParaRPr>
-          </a:p>
-          <a:p>
-            <a:pPr marL="12700" marR="0" lvl="0" indent="0" algn="l" rtl="0">
-              <a:lnSpc>
-                <a:spcPct val="100000"/>
-              </a:lnSpc>
-              <a:spcBef>
-                <a:spcPts val="0"/>
-              </a:spcBef>
-              <a:spcAft>
-                <a:spcPts val="0"/>
-              </a:spcAft>
-              <a:buNone/>
-            </a:pPr>
-            <a:r>
-              <a:rPr lang="en-US" sz="1700">
-                <a:solidFill>
-                  <a:srgbClr val="FFFFFF"/>
-                </a:solidFill>
-                <a:latin typeface="Calibri" panose="020F0502020204030204"/>
-                <a:ea typeface="Calibri" panose="020F0502020204030204"/>
-                <a:cs typeface="Calibri" panose="020F0502020204030204"/>
-                <a:sym typeface="Calibri" panose="020F0502020204030204"/>
-              </a:rPr>
-              <a:t>проблемы нехватки консолидированной информации по возделыванию лекарственных культур.</a:t>
-            </a:r>
             <a:endParaRPr sz="1700">
               <a:latin typeface="Calibri" panose="020F0502020204030204"/>
               <a:ea typeface="Calibri" panose="020F0502020204030204"/>
@@ -12105,7 +11552,7 @@
             <p:nvPr/>
           </p:nvPicPr>
           <p:blipFill rotWithShape="1">
-            <a:blip r:embed="rId2"/>
+            <a:blip r:embed="rId1"/>
             <a:srcRect/>
             <a:stretch>
               <a:fillRect/>
@@ -12132,7 +11579,7 @@
             <p:nvPr/>
           </p:nvPicPr>
           <p:blipFill rotWithShape="1">
-            <a:blip r:embed="rId3"/>
+            <a:blip r:embed="rId2"/>
             <a:srcRect/>
             <a:stretch>
               <a:fillRect/>
@@ -12159,7 +11606,7 @@
             <p:nvPr/>
           </p:nvPicPr>
           <p:blipFill rotWithShape="1">
-            <a:blip r:embed="rId4"/>
+            <a:blip r:embed="rId3"/>
             <a:srcRect/>
             <a:stretch>
               <a:fillRect/>
@@ -12186,7 +11633,7 @@
             <p:nvPr/>
           </p:nvPicPr>
           <p:blipFill rotWithShape="1">
-            <a:blip r:embed="rId5"/>
+            <a:blip r:embed="rId4"/>
             <a:srcRect/>
             <a:stretch>
               <a:fillRect/>
@@ -12213,7 +11660,7 @@
             <p:nvPr/>
           </p:nvPicPr>
           <p:blipFill rotWithShape="1">
-            <a:blip r:embed="rId5"/>
+            <a:blip r:embed="rId4"/>
             <a:srcRect/>
             <a:stretch>
               <a:fillRect/>
@@ -12240,7 +11687,7 @@
             <p:nvPr/>
           </p:nvPicPr>
           <p:blipFill rotWithShape="1">
-            <a:blip r:embed="rId5"/>
+            <a:blip r:embed="rId4"/>
             <a:srcRect/>
             <a:stretch>
               <a:fillRect/>
@@ -12267,7 +11714,7 @@
             <p:nvPr/>
           </p:nvPicPr>
           <p:blipFill rotWithShape="1">
-            <a:blip r:embed="rId5"/>
+            <a:blip r:embed="rId4"/>
             <a:srcRect/>
             <a:stretch>
               <a:fillRect/>
@@ -12294,7 +11741,7 @@
             <p:nvPr/>
           </p:nvPicPr>
           <p:blipFill rotWithShape="1">
-            <a:blip r:embed="rId5"/>
+            <a:blip r:embed="rId4"/>
             <a:srcRect/>
             <a:stretch>
               <a:fillRect/>
@@ -12321,7 +11768,7 @@
             <p:nvPr/>
           </p:nvPicPr>
           <p:blipFill rotWithShape="1">
-            <a:blip r:embed="rId5"/>
+            <a:blip r:embed="rId4"/>
             <a:srcRect/>
             <a:stretch>
               <a:fillRect/>
@@ -12348,7 +11795,7 @@
             <p:nvPr/>
           </p:nvPicPr>
           <p:blipFill rotWithShape="1">
-            <a:blip r:embed="rId5"/>
+            <a:blip r:embed="rId4"/>
             <a:srcRect/>
             <a:stretch>
               <a:fillRect/>
@@ -12375,7 +11822,7 @@
             <p:nvPr/>
           </p:nvPicPr>
           <p:blipFill rotWithShape="1">
-            <a:blip r:embed="rId5"/>
+            <a:blip r:embed="rId4"/>
             <a:srcRect/>
             <a:stretch>
               <a:fillRect/>
@@ -12402,7 +11849,7 @@
             <p:nvPr/>
           </p:nvPicPr>
           <p:blipFill rotWithShape="1">
-            <a:blip r:embed="rId5"/>
+            <a:blip r:embed="rId4"/>
             <a:srcRect/>
             <a:stretch>
               <a:fillRect/>
@@ -12429,7 +11876,7 @@
             <p:nvPr/>
           </p:nvPicPr>
           <p:blipFill rotWithShape="1">
-            <a:blip r:embed="rId5"/>
+            <a:blip r:embed="rId4"/>
             <a:srcRect/>
             <a:stretch>
               <a:fillRect/>
@@ -12456,7 +11903,7 @@
             <p:nvPr/>
           </p:nvPicPr>
           <p:blipFill rotWithShape="1">
-            <a:blip r:embed="rId5"/>
+            <a:blip r:embed="rId4"/>
             <a:srcRect/>
             <a:stretch>
               <a:fillRect/>
@@ -12483,7 +11930,7 @@
             <p:nvPr/>
           </p:nvPicPr>
           <p:blipFill rotWithShape="1">
-            <a:blip r:embed="rId5"/>
+            <a:blip r:embed="rId4"/>
             <a:srcRect/>
             <a:stretch>
               <a:fillRect/>
@@ -12510,7 +11957,7 @@
             <p:nvPr/>
           </p:nvPicPr>
           <p:blipFill rotWithShape="1">
-            <a:blip r:embed="rId5"/>
+            <a:blip r:embed="rId4"/>
             <a:srcRect/>
             <a:stretch>
               <a:fillRect/>
@@ -12749,120 +12196,7 @@
   <p:timing>
     <p:tnLst>
       <p:par>
-        <p:cTn id="1" dur="indefinite" restart="never" nodeType="tmRoot">
-          <p:childTnLst>
-            <p:seq concurrent="1" nextAc="seek">
-              <p:cTn id="2" dur="indefinite" nodeType="mainSeq">
-                <p:childTnLst>
-                  <p:par>
-                    <p:cTn id="3" fill="hold">
-                      <p:stCondLst>
-                        <p:cond delay="indefinite"/>
-                      </p:stCondLst>
-                      <p:childTnLst>
-                        <p:par>
-                          <p:cTn id="4" fill="hold">
-                            <p:stCondLst>
-                              <p:cond delay="0"/>
-                            </p:stCondLst>
-                            <p:childTnLst>
-                              <p:par>
-                                <p:cTn id="5" presetID="1" presetClass="entr" presetSubtype="0" fill="hold" nodeType="clickEffect">
-                                  <p:stCondLst>
-                                    <p:cond delay="0"/>
-                                  </p:stCondLst>
-                                  <p:childTnLst>
-                                    <p:set>
-                                      <p:cBhvr>
-                                        <p:cTn id="6" dur="1" fill="hold">
-                                          <p:stCondLst>
-                                            <p:cond delay="0"/>
-                                          </p:stCondLst>
-                                        </p:cTn>
-                                        <p:tgtEl>
-                                          <p:spTgt spid="95"/>
-                                        </p:tgtEl>
-                                        <p:attrNameLst>
-                                          <p:attrName>style.visibility</p:attrName>
-                                        </p:attrNameLst>
-                                      </p:cBhvr>
-                                      <p:to>
-                                        <p:strVal val="visible"/>
-                                      </p:to>
-                                    </p:set>
-                                  </p:childTnLst>
-                                </p:cTn>
-                              </p:par>
-                            </p:childTnLst>
-                          </p:cTn>
-                        </p:par>
-                      </p:childTnLst>
-                    </p:cTn>
-                  </p:par>
-                  <p:par>
-                    <p:cTn id="7" fill="hold">
-                      <p:stCondLst>
-                        <p:cond delay="indefinite"/>
-                      </p:stCondLst>
-                      <p:childTnLst>
-                        <p:par>
-                          <p:cTn id="8" fill="hold">
-                            <p:stCondLst>
-                              <p:cond delay="0"/>
-                            </p:stCondLst>
-                            <p:childTnLst>
-                              <p:par>
-                                <p:cTn id="9" presetID="1" presetClass="entr" presetSubtype="0" fill="hold" nodeType="clickEffect">
-                                  <p:stCondLst>
-                                    <p:cond delay="0"/>
-                                  </p:stCondLst>
-                                  <p:childTnLst>
-                                    <p:set>
-                                      <p:cBhvr>
-                                        <p:cTn id="10" dur="1" fill="hold">
-                                          <p:stCondLst>
-                                            <p:cond delay="0"/>
-                                          </p:stCondLst>
-                                        </p:cTn>
-                                        <p:tgtEl>
-                                          <p:spTgt spid="95"/>
-                                        </p:tgtEl>
-                                        <p:attrNameLst>
-                                          <p:attrName>style.visibility</p:attrName>
-                                        </p:attrNameLst>
-                                      </p:cBhvr>
-                                      <p:to>
-                                        <p:strVal val="visible"/>
-                                      </p:to>
-                                    </p:set>
-                                  </p:childTnLst>
-                                </p:cTn>
-                              </p:par>
-                            </p:childTnLst>
-                          </p:cTn>
-                        </p:par>
-                      </p:childTnLst>
-                    </p:cTn>
-                  </p:par>
-                </p:childTnLst>
-              </p:cTn>
-              <p:prevCondLst>
-                <p:cond evt="onPrev">
-                  <p:tgtEl>
-                    <p:sldTgt/>
-                  </p:tgtEl>
-                </p:cond>
-              </p:prevCondLst>
-              <p:nextCondLst>
-                <p:cond evt="onNext">
-                  <p:tgtEl>
-                    <p:sldTgt/>
-                  </p:tgtEl>
-                </p:cond>
-              </p:nextCondLst>
-            </p:seq>
-          </p:childTnLst>
-        </p:cTn>
+        <p:cTn id="1" dur="indefinite" restart="never" nodeType="tmRoot"/>
       </p:par>
     </p:tnLst>
   </p:timing>
@@ -13113,7 +12447,7 @@
         <p:spPr>
           <a:xfrm>
             <a:off x="426821" y="312165"/>
-            <a:ext cx="4497000" cy="1398000"/>
+            <a:ext cx="4497000" cy="704850"/>
           </a:xfrm>
           <a:prstGeom prst="rect">
             <a:avLst/>
@@ -13129,20 +12463,11 @@
           </a:bodyPr>
           <a:lstStyle/>
           <a:p>
-            <a:pPr marL="46355" marR="0" lvl="0" indent="0" algn="l" rtl="0">
-              <a:lnSpc>
-                <a:spcPct val="100000"/>
-              </a:lnSpc>
-              <a:spcBef>
-                <a:spcPts val="0"/>
-              </a:spcBef>
-              <a:spcAft>
-                <a:spcPts val="0"/>
-              </a:spcAft>
+            <a:pPr marL="46355" indent="0">
               <a:buNone/>
             </a:pPr>
             <a:r>
-              <a:rPr lang="en-US" sz="4500" b="1">
+              <a:rPr lang="ru-RU" altLang="en-US" sz="4500" b="1">
                 <a:solidFill>
                   <a:srgbClr val="01FF2F"/>
                 </a:solidFill>
@@ -13151,9 +12476,12 @@
                 <a:cs typeface="Calibri" panose="020F0502020204030204"/>
                 <a:sym typeface="Calibri" panose="020F0502020204030204"/>
               </a:rPr>
-              <a:t>Приложение ‘GREEN’</a:t>
+              <a:t>Стек технологий</a:t>
             </a:r>
-            <a:endParaRPr sz="4500">
+            <a:endParaRPr lang="ru-RU" altLang="en-US" sz="4500" b="1">
+              <a:solidFill>
+                <a:srgbClr val="01FF2F"/>
+              </a:solidFill>
               <a:latin typeface="Calibri" panose="020F0502020204030204"/>
               <a:ea typeface="Calibri" panose="020F0502020204030204"/>
               <a:cs typeface="Calibri" panose="020F0502020204030204"/>
@@ -13164,234 +12492,14 @@
       </p:sp>
       <p:sp>
         <p:nvSpPr>
-          <p:cNvPr id="126" name="Google Shape;126;p2"/>
-          <p:cNvSpPr/>
-          <p:nvPr/>
-        </p:nvSpPr>
-        <p:spPr>
-          <a:xfrm>
-            <a:off x="327659" y="3314700"/>
-            <a:ext cx="5579745" cy="2642870"/>
-          </a:xfrm>
-          <a:custGeom>
-            <a:avLst/>
-            <a:gdLst/>
-            <a:ahLst/>
-            <a:cxnLst/>
-            <a:rect l="l" t="t" r="r" b="b"/>
-            <a:pathLst>
-              <a:path w="5579745" h="2642870" extrusionOk="0">
-                <a:moveTo>
-                  <a:pt x="5200523" y="0"/>
-                </a:moveTo>
-                <a:lnTo>
-                  <a:pt x="378790" y="0"/>
-                </a:lnTo>
-                <a:lnTo>
-                  <a:pt x="331276" y="2950"/>
-                </a:lnTo>
-                <a:lnTo>
-                  <a:pt x="285524" y="11566"/>
-                </a:lnTo>
-                <a:lnTo>
-                  <a:pt x="241887" y="25491"/>
-                </a:lnTo>
-                <a:lnTo>
-                  <a:pt x="200721" y="44373"/>
-                </a:lnTo>
-                <a:lnTo>
-                  <a:pt x="162381" y="67857"/>
-                </a:lnTo>
-                <a:lnTo>
-                  <a:pt x="127222" y="95587"/>
-                </a:lnTo>
-                <a:lnTo>
-                  <a:pt x="95599" y="127210"/>
-                </a:lnTo>
-                <a:lnTo>
-                  <a:pt x="67868" y="162371"/>
-                </a:lnTo>
-                <a:lnTo>
-                  <a:pt x="44382" y="200715"/>
-                </a:lnTo>
-                <a:lnTo>
-                  <a:pt x="25497" y="241889"/>
-                </a:lnTo>
-                <a:lnTo>
-                  <a:pt x="11568" y="285538"/>
-                </a:lnTo>
-                <a:lnTo>
-                  <a:pt x="2951" y="331306"/>
-                </a:lnTo>
-                <a:lnTo>
-                  <a:pt x="0" y="378840"/>
-                </a:lnTo>
-                <a:lnTo>
-                  <a:pt x="0" y="2263775"/>
-                </a:lnTo>
-                <a:lnTo>
-                  <a:pt x="2951" y="2311299"/>
-                </a:lnTo>
-                <a:lnTo>
-                  <a:pt x="11568" y="2357061"/>
-                </a:lnTo>
-                <a:lnTo>
-                  <a:pt x="25497" y="2400705"/>
-                </a:lnTo>
-                <a:lnTo>
-                  <a:pt x="44382" y="2441877"/>
-                </a:lnTo>
-                <a:lnTo>
-                  <a:pt x="67868" y="2480222"/>
-                </a:lnTo>
-                <a:lnTo>
-                  <a:pt x="95599" y="2515385"/>
-                </a:lnTo>
-                <a:lnTo>
-                  <a:pt x="127222" y="2547011"/>
-                </a:lnTo>
-                <a:lnTo>
-                  <a:pt x="162381" y="2574744"/>
-                </a:lnTo>
-                <a:lnTo>
-                  <a:pt x="200721" y="2598232"/>
-                </a:lnTo>
-                <a:lnTo>
-                  <a:pt x="241887" y="2617117"/>
-                </a:lnTo>
-                <a:lnTo>
-                  <a:pt x="285524" y="2631046"/>
-                </a:lnTo>
-                <a:lnTo>
-                  <a:pt x="331276" y="2639664"/>
-                </a:lnTo>
-                <a:lnTo>
-                  <a:pt x="378790" y="2642616"/>
-                </a:lnTo>
-                <a:lnTo>
-                  <a:pt x="5200523" y="2642616"/>
-                </a:lnTo>
-                <a:lnTo>
-                  <a:pt x="5248057" y="2639664"/>
-                </a:lnTo>
-                <a:lnTo>
-                  <a:pt x="5293825" y="2631046"/>
-                </a:lnTo>
-                <a:lnTo>
-                  <a:pt x="5337474" y="2617117"/>
-                </a:lnTo>
-                <a:lnTo>
-                  <a:pt x="5378648" y="2598232"/>
-                </a:lnTo>
-                <a:lnTo>
-                  <a:pt x="5416992" y="2574744"/>
-                </a:lnTo>
-                <a:lnTo>
-                  <a:pt x="5452153" y="2547011"/>
-                </a:lnTo>
-                <a:lnTo>
-                  <a:pt x="5483776" y="2515385"/>
-                </a:lnTo>
-                <a:lnTo>
-                  <a:pt x="5511506" y="2480222"/>
-                </a:lnTo>
-                <a:lnTo>
-                  <a:pt x="5534990" y="2441877"/>
-                </a:lnTo>
-                <a:lnTo>
-                  <a:pt x="5553872" y="2400705"/>
-                </a:lnTo>
-                <a:lnTo>
-                  <a:pt x="5567797" y="2357061"/>
-                </a:lnTo>
-                <a:lnTo>
-                  <a:pt x="5576413" y="2311299"/>
-                </a:lnTo>
-                <a:lnTo>
-                  <a:pt x="5579364" y="2263775"/>
-                </a:lnTo>
-                <a:lnTo>
-                  <a:pt x="5579364" y="378840"/>
-                </a:lnTo>
-                <a:lnTo>
-                  <a:pt x="5576413" y="331306"/>
-                </a:lnTo>
-                <a:lnTo>
-                  <a:pt x="5567797" y="285538"/>
-                </a:lnTo>
-                <a:lnTo>
-                  <a:pt x="5553872" y="241889"/>
-                </a:lnTo>
-                <a:lnTo>
-                  <a:pt x="5534990" y="200715"/>
-                </a:lnTo>
-                <a:lnTo>
-                  <a:pt x="5511506" y="162371"/>
-                </a:lnTo>
-                <a:lnTo>
-                  <a:pt x="5483776" y="127210"/>
-                </a:lnTo>
-                <a:lnTo>
-                  <a:pt x="5452153" y="95587"/>
-                </a:lnTo>
-                <a:lnTo>
-                  <a:pt x="5416992" y="67857"/>
-                </a:lnTo>
-                <a:lnTo>
-                  <a:pt x="5378648" y="44373"/>
-                </a:lnTo>
-                <a:lnTo>
-                  <a:pt x="5337474" y="25491"/>
-                </a:lnTo>
-                <a:lnTo>
-                  <a:pt x="5293825" y="11566"/>
-                </a:lnTo>
-                <a:lnTo>
-                  <a:pt x="5248057" y="2950"/>
-                </a:lnTo>
-                <a:lnTo>
-                  <a:pt x="5200523" y="0"/>
-                </a:lnTo>
-                <a:close/>
-              </a:path>
-            </a:pathLst>
-          </a:custGeom>
-          <a:solidFill>
-            <a:srgbClr val="F1F1F1"/>
-          </a:solidFill>
-          <a:ln>
-            <a:noFill/>
-          </a:ln>
-        </p:spPr>
-        <p:txBody>
-          <a:bodyPr spcFirstLastPara="1" wrap="square" lIns="0" tIns="0" rIns="0" bIns="0" anchor="t" anchorCtr="0">
-            <a:noAutofit/>
-          </a:bodyPr>
-          <a:lstStyle/>
-          <a:p>
-            <a:pPr marL="0" marR="0" lvl="0" indent="0" algn="l" rtl="0">
-              <a:spcBef>
-                <a:spcPts val="0"/>
-              </a:spcBef>
-              <a:spcAft>
-                <a:spcPts val="0"/>
-              </a:spcAft>
-              <a:buNone/>
-            </a:pPr>
-            <a:endParaRPr sz="1800"/>
-          </a:p>
-        </p:txBody>
-      </p:sp>
-      <p:sp>
-        <p:nvSpPr>
           <p:cNvPr id="127" name="Google Shape;127;p2"/>
           <p:cNvSpPr/>
           <p:nvPr/>
         </p:nvSpPr>
         <p:spPr>
           <a:xfrm>
-            <a:off x="6342900" y="0"/>
-            <a:ext cx="5521959" cy="3855530"/>
+            <a:off x="6343015" y="0"/>
+            <a:ext cx="5521960" cy="5948680"/>
           </a:xfrm>
           <a:custGeom>
             <a:avLst/>
@@ -13556,14 +12664,14 @@
       </p:sp>
       <p:sp>
         <p:nvSpPr>
-          <p:cNvPr id="128" name="Google Shape;128;p2"/>
+          <p:cNvPr id="129" name="Google Shape;129;p2"/>
           <p:cNvSpPr txBox="1"/>
           <p:nvPr/>
         </p:nvSpPr>
         <p:spPr>
           <a:xfrm>
-            <a:off x="7592694" y="300354"/>
-            <a:ext cx="3253800" cy="320700"/>
+            <a:off x="7592694" y="1036701"/>
+            <a:ext cx="3917400" cy="289800"/>
           </a:xfrm>
           <a:prstGeom prst="rect">
             <a:avLst/>
@@ -13579,71 +12687,7 @@
           </a:bodyPr>
           <a:lstStyle/>
           <a:p>
-            <a:pPr marL="12700" marR="0" lvl="0" indent="0" algn="l" rtl="0">
-              <a:lnSpc>
-                <a:spcPct val="100000"/>
-              </a:lnSpc>
-              <a:spcBef>
-                <a:spcPts val="0"/>
-              </a:spcBef>
-              <a:spcAft>
-                <a:spcPts val="0"/>
-              </a:spcAft>
-              <a:buNone/>
-            </a:pPr>
-            <a:r>
-              <a:rPr lang="en-US" sz="2000" b="1">
-                <a:latin typeface="Calibri" panose="020F0502020204030204"/>
-                <a:ea typeface="Calibri" panose="020F0502020204030204"/>
-                <a:cs typeface="Calibri" panose="020F0502020204030204"/>
-                <a:sym typeface="Calibri" panose="020F0502020204030204"/>
-              </a:rPr>
-              <a:t>QR код приложения:</a:t>
-            </a:r>
-            <a:endParaRPr sz="2000">
-              <a:latin typeface="Calibri" panose="020F0502020204030204"/>
-              <a:ea typeface="Calibri" panose="020F0502020204030204"/>
-              <a:cs typeface="Calibri" panose="020F0502020204030204"/>
-              <a:sym typeface="Calibri" panose="020F0502020204030204"/>
-            </a:endParaRPr>
-          </a:p>
-        </p:txBody>
-      </p:sp>
-      <p:sp>
-        <p:nvSpPr>
-          <p:cNvPr id="129" name="Google Shape;129;p2"/>
-          <p:cNvSpPr txBox="1"/>
-          <p:nvPr/>
-        </p:nvSpPr>
-        <p:spPr>
-          <a:xfrm>
-            <a:off x="7592694" y="1036701"/>
-            <a:ext cx="3917400" cy="289800"/>
-          </a:xfrm>
-          <a:prstGeom prst="rect">
-            <a:avLst/>
-          </a:prstGeom>
-          <a:noFill/>
-          <a:ln>
-            <a:noFill/>
-          </a:ln>
-        </p:spPr>
-        <p:txBody>
-          <a:bodyPr spcFirstLastPara="1" wrap="square" lIns="0" tIns="12700" rIns="0" bIns="0" anchor="t" anchorCtr="0">
-            <a:spAutoFit/>
-          </a:bodyPr>
-          <a:lstStyle/>
-          <a:p>
-            <a:pPr marL="12700" marR="5080" lvl="0" indent="0" algn="l" rtl="0">
-              <a:lnSpc>
-                <a:spcPct val="100000"/>
-              </a:lnSpc>
-              <a:spcBef>
-                <a:spcPts val="0"/>
-              </a:spcBef>
-              <a:spcAft>
-                <a:spcPts val="0"/>
-              </a:spcAft>
+            <a:pPr marL="12700" marR="5080" indent="0">
               <a:buNone/>
             </a:pPr>
             <a:endParaRPr sz="1800">
@@ -13663,8 +12707,8 @@
         </p:nvSpPr>
         <p:spPr>
           <a:xfrm>
-            <a:off x="6190488" y="4303776"/>
-            <a:ext cx="6002020" cy="1548765"/>
+            <a:off x="57785" y="3221355"/>
+            <a:ext cx="6002020" cy="2727960"/>
           </a:xfrm>
           <a:custGeom>
             <a:avLst/>
@@ -13800,7 +12844,7 @@
         <p:spPr>
           <a:xfrm>
             <a:off x="1503674" y="3689100"/>
-            <a:ext cx="3686400" cy="320700"/>
+            <a:ext cx="3686400" cy="320040"/>
           </a:xfrm>
           <a:prstGeom prst="rect">
             <a:avLst/>
@@ -13816,74 +12860,19 @@
           </a:bodyPr>
           <a:lstStyle/>
           <a:p>
-            <a:pPr marL="12700" marR="0" lvl="0" indent="0" algn="l" rtl="0">
-              <a:lnSpc>
-                <a:spcPct val="100000"/>
-              </a:lnSpc>
-              <a:spcBef>
-                <a:spcPts val="0"/>
-              </a:spcBef>
-              <a:spcAft>
-                <a:spcPts val="0"/>
-              </a:spcAft>
-              <a:buNone/>
-            </a:pPr>
-            <a:endParaRPr sz="2000">
-              <a:latin typeface="Calibri" panose="020F0502020204030204"/>
-              <a:ea typeface="Calibri" panose="020F0502020204030204"/>
-              <a:cs typeface="Calibri" panose="020F0502020204030204"/>
-              <a:sym typeface="Calibri" panose="020F0502020204030204"/>
-            </a:endParaRPr>
-          </a:p>
-        </p:txBody>
-      </p:sp>
-      <p:sp>
-        <p:nvSpPr>
-          <p:cNvPr id="132" name="Google Shape;132;p2"/>
-          <p:cNvSpPr txBox="1"/>
-          <p:nvPr/>
-        </p:nvSpPr>
-        <p:spPr>
-          <a:xfrm>
-            <a:off x="1427475" y="3620525"/>
-            <a:ext cx="3820500" cy="627900"/>
-          </a:xfrm>
-          <a:prstGeom prst="rect">
-            <a:avLst/>
-          </a:prstGeom>
-          <a:noFill/>
-          <a:ln>
-            <a:noFill/>
-          </a:ln>
-        </p:spPr>
-        <p:txBody>
-          <a:bodyPr spcFirstLastPara="1" wrap="square" lIns="0" tIns="12050" rIns="0" bIns="0" anchor="t" anchorCtr="0">
-            <a:spAutoFit/>
-          </a:bodyPr>
-          <a:lstStyle/>
-          <a:p>
-            <a:pPr marL="12700" marR="0" lvl="0" indent="0" algn="l" rtl="0">
-              <a:lnSpc>
-                <a:spcPct val="100000"/>
-              </a:lnSpc>
-              <a:spcBef>
-                <a:spcPts val="0"/>
-              </a:spcBef>
-              <a:spcAft>
-                <a:spcPts val="0"/>
-              </a:spcAft>
+            <a:pPr marL="12700" indent="0">
               <a:buNone/>
             </a:pPr>
             <a:r>
-              <a:rPr lang="en-US" sz="2000" b="1">
+              <a:rPr lang="ru-RU" sz="2000">
                 <a:latin typeface="Calibri" panose="020F0502020204030204"/>
                 <a:ea typeface="Calibri" panose="020F0502020204030204"/>
                 <a:cs typeface="Calibri" panose="020F0502020204030204"/>
                 <a:sym typeface="Calibri" panose="020F0502020204030204"/>
               </a:rPr>
-              <a:t>Приложение реализовано в WEB интерфейсе с помощью:</a:t>
+              <a:t>Решение задачи</a:t>
             </a:r>
-            <a:endParaRPr sz="2000" b="1">
+            <a:endParaRPr lang="ru-RU" sz="2000">
               <a:latin typeface="Calibri" panose="020F0502020204030204"/>
               <a:ea typeface="Calibri" panose="020F0502020204030204"/>
               <a:cs typeface="Calibri" panose="020F0502020204030204"/>
@@ -13965,16 +12954,7 @@
           </a:bodyPr>
           <a:lstStyle/>
           <a:p>
-            <a:pPr marL="12700" marR="0" lvl="0" indent="0" algn="l" rtl="0">
-              <a:lnSpc>
-                <a:spcPct val="100000"/>
-              </a:lnSpc>
-              <a:spcBef>
-                <a:spcPts val="0"/>
-              </a:spcBef>
-              <a:spcAft>
-                <a:spcPts val="0"/>
-              </a:spcAft>
+            <a:pPr marL="12700" indent="0">
               <a:buNone/>
             </a:pPr>
             <a:r>
@@ -14006,8 +12986,8 @@
         </p:nvSpPr>
         <p:spPr>
           <a:xfrm>
-            <a:off x="7440305" y="4674225"/>
-            <a:ext cx="4345800" cy="628500"/>
+            <a:off x="1334780" y="4503410"/>
+            <a:ext cx="4345800" cy="628015"/>
           </a:xfrm>
           <a:prstGeom prst="rect">
             <a:avLst/>
@@ -14023,16 +13003,7 @@
           </a:bodyPr>
           <a:lstStyle/>
           <a:p>
-            <a:pPr marL="12700" marR="0" lvl="0" indent="0" algn="l" rtl="0">
-              <a:lnSpc>
-                <a:spcPct val="100000"/>
-              </a:lnSpc>
-              <a:spcBef>
-                <a:spcPts val="0"/>
-              </a:spcBef>
-              <a:spcAft>
-                <a:spcPts val="0"/>
-              </a:spcAft>
+            <a:pPr marL="12700" indent="0">
               <a:buNone/>
             </a:pPr>
             <a:r>
@@ -14052,16 +13023,7 @@
             </a:endParaRPr>
           </a:p>
           <a:p>
-            <a:pPr marL="12700" marR="0" lvl="0" indent="0" algn="l" rtl="0">
-              <a:lnSpc>
-                <a:spcPct val="100000"/>
-              </a:lnSpc>
-              <a:spcBef>
-                <a:spcPts val="0"/>
-              </a:spcBef>
-              <a:spcAft>
-                <a:spcPts val="0"/>
-              </a:spcAft>
+            <a:pPr marL="12700" indent="0">
               <a:buNone/>
             </a:pPr>
             <a:r>
@@ -14080,7 +13042,7 @@
                 <a:cs typeface="Calibri" panose="020F0502020204030204"/>
                 <a:sym typeface="Calibri" panose="020F0502020204030204"/>
               </a:rPr>
-              <a:t>https://github.com/RuslanLat/green</a:t>
+              <a:t>https://github.com/RuslanLat/sochi</a:t>
             </a:r>
             <a:endParaRPr sz="1600">
               <a:latin typeface="Calibri" panose="020F0502020204030204"/>
@@ -14106,7 +13068,7 @@
         </p:blipFill>
         <p:spPr>
           <a:xfrm>
-            <a:off x="6626352" y="4619244"/>
+            <a:off x="489077" y="4567809"/>
             <a:ext cx="547116" cy="563880"/>
           </a:xfrm>
           <a:prstGeom prst="rect">
@@ -14598,7 +13560,7 @@
       </p:sp>
       <p:pic>
         <p:nvPicPr>
-          <p:cNvPr id="154" name="Google Shape;154;p2"/>
+          <p:cNvPr id="156" name="Google Shape;156;p2"/>
           <p:cNvPicPr preferRelativeResize="0"/>
           <p:nvPr/>
         </p:nvPicPr>
@@ -14610,8 +13572,8 @@
         </p:blipFill>
         <p:spPr>
           <a:xfrm>
-            <a:off x="7592700" y="759025"/>
-            <a:ext cx="2819400" cy="2819400"/>
+            <a:off x="8101965" y="612765"/>
+            <a:ext cx="2408786" cy="713950"/>
           </a:xfrm>
           <a:prstGeom prst="rect">
             <a:avLst/>
@@ -14624,8 +13586,8 @@
       </p:pic>
       <p:pic>
         <p:nvPicPr>
-          <p:cNvPr id="155" name="Google Shape;155;p2"/>
-          <p:cNvPicPr preferRelativeResize="0"/>
+          <p:cNvPr id="100" name="Picture 99"/>
+          <p:cNvPicPr/>
           <p:nvPr/>
         </p:nvPicPr>
         <p:blipFill>
@@ -14636,22 +13598,22 @@
         </p:blipFill>
         <p:spPr>
           <a:xfrm>
-            <a:off x="3124200" y="4599825"/>
-            <a:ext cx="2705425" cy="751800"/>
+            <a:off x="7519035" y="1474470"/>
+            <a:ext cx="3463925" cy="1951355"/>
           </a:xfrm>
           <a:prstGeom prst="rect">
             <a:avLst/>
           </a:prstGeom>
           <a:noFill/>
-          <a:ln>
+          <a:ln w="9525">
             <a:noFill/>
           </a:ln>
         </p:spPr>
       </p:pic>
       <p:pic>
         <p:nvPicPr>
-          <p:cNvPr id="156" name="Google Shape;156;p2"/>
-          <p:cNvPicPr preferRelativeResize="0"/>
+          <p:cNvPr id="101" name="Picture 100"/>
+          <p:cNvPicPr/>
           <p:nvPr/>
         </p:nvPicPr>
         <p:blipFill>
@@ -14662,14 +13624,14 @@
         </p:blipFill>
         <p:spPr>
           <a:xfrm>
-            <a:off x="685800" y="4674225"/>
-            <a:ext cx="2408786" cy="713950"/>
+            <a:off x="7617143" y="3689033"/>
+            <a:ext cx="3267075" cy="1400175"/>
           </a:xfrm>
           <a:prstGeom prst="rect">
             <a:avLst/>
           </a:prstGeom>
           <a:noFill/>
-          <a:ln>
+          <a:ln w="9525">
             <a:noFill/>
           </a:ln>
         </p:spPr>
@@ -14888,8 +13850,8 @@
         </p:nvSpPr>
         <p:spPr>
           <a:xfrm>
-            <a:off x="463099" y="856025"/>
-            <a:ext cx="4498200" cy="4717800"/>
+            <a:off x="462915" y="855980"/>
+            <a:ext cx="10987405" cy="3820160"/>
           </a:xfrm>
           <a:prstGeom prst="rect">
             <a:avLst/>
@@ -15001,35 +13963,21 @@
               <a:buChar char="-"/>
             </a:pPr>
             <a:r>
-              <a:rPr lang="en-US" sz="1700" b="0">
+              <a:rPr lang="ru-RU" sz="2000" b="0">
                 <a:solidFill>
                   <a:schemeClr val="dk1"/>
                 </a:solidFill>
               </a:rPr>
-              <a:t>Поиск необходимой информации (книги, сайты и прочие источники)</a:t>
+              <a:t>Спроектирована нейронная сеть на основе трансформеров</a:t>
             </a:r>
-            <a:endParaRPr sz="1700" b="0">
-              <a:solidFill>
-                <a:schemeClr val="dk1"/>
-              </a:solidFill>
-            </a:endParaRPr>
-          </a:p>
-          <a:p>
-            <a:pPr marL="457200" lvl="0" indent="0" algn="l" rtl="0">
-              <a:spcBef>
-                <a:spcPts val="5"/>
-              </a:spcBef>
-              <a:spcAft>
-                <a:spcPts val="0"/>
-              </a:spcAft>
-              <a:buClr>
-                <a:schemeClr val="dk1"/>
-              </a:buClr>
-              <a:buSzPts val="1100"/>
-              <a:buFont typeface="Arial" panose="020B0604020202020204"/>
-              <a:buNone/>
-            </a:pPr>
-            <a:endParaRPr sz="1700" b="0">
+            <a:br>
+              <a:rPr lang="ru-RU" sz="2000" b="0">
+                <a:solidFill>
+                  <a:schemeClr val="dk1"/>
+                </a:solidFill>
+              </a:rPr>
+            </a:br>
+            <a:endParaRPr sz="2000" b="0">
               <a:solidFill>
                 <a:schemeClr val="dk1"/>
               </a:solidFill>
@@ -15051,14 +13999,14 @@
               <a:buChar char="-"/>
             </a:pPr>
             <a:r>
-              <a:rPr lang="en-US" sz="1700" b="0">
+              <a:rPr lang="ru-RU" altLang="en-US" sz="2000" b="0">
                 <a:solidFill>
                   <a:schemeClr val="dk1"/>
                 </a:solidFill>
               </a:rPr>
-              <a:t>Сбор найденной информации с помощью парсинга</a:t>
+              <a:t>На вход подаеться тензер размера 200 х 3 </a:t>
             </a:r>
-            <a:endParaRPr sz="1700" b="0">
+            <a:endParaRPr sz="2000" b="0">
               <a:solidFill>
                 <a:schemeClr val="dk1"/>
               </a:solidFill>
@@ -15079,7 +14027,7 @@
               <a:buFont typeface="Arial" panose="020B0604020202020204"/>
               <a:buNone/>
             </a:pPr>
-            <a:endParaRPr sz="1700" b="0">
+            <a:endParaRPr sz="2000" b="0">
               <a:solidFill>
                 <a:schemeClr val="dk1"/>
               </a:solidFill>
@@ -15101,14 +14049,14 @@
               <a:buChar char="-"/>
             </a:pPr>
             <a:r>
-              <a:rPr lang="en-US" sz="1700" b="0">
+              <a:rPr lang="ru-RU" altLang="en-US" sz="2000" b="0">
                 <a:solidFill>
                   <a:schemeClr val="dk1"/>
                 </a:solidFill>
               </a:rPr>
-              <a:t>Заполнения базы данных SQLight</a:t>
+              <a:t>В результирующем слое на выходе получаем тензер размера 15 х 1</a:t>
             </a:r>
-            <a:endParaRPr sz="1700" b="0">
+            <a:endParaRPr sz="2000" b="0">
               <a:solidFill>
                 <a:schemeClr val="dk1"/>
               </a:solidFill>
@@ -15129,34 +14077,13 @@
               <a:buFont typeface="Arial" panose="020B0604020202020204"/>
               <a:buNone/>
             </a:pPr>
-            <a:endParaRPr sz="1700" b="0">
-              <a:solidFill>
-                <a:schemeClr val="dk1"/>
-              </a:solidFill>
-            </a:endParaRPr>
-          </a:p>
-          <a:p>
-            <a:pPr marL="457200" lvl="0" indent="-368300" algn="l" rtl="0">
-              <a:spcBef>
-                <a:spcPts val="5"/>
-              </a:spcBef>
-              <a:spcAft>
-                <a:spcPts val="0"/>
-              </a:spcAft>
-              <a:buClr>
-                <a:schemeClr val="dk1"/>
-              </a:buClr>
-              <a:buSzPts val="2200"/>
-              <a:buFont typeface="Calibri" panose="020F0502020204030204"/>
-              <a:buChar char="-"/>
-            </a:pPr>
             <a:r>
               <a:rPr lang="en-US" sz="1700" b="0">
                 <a:solidFill>
                   <a:schemeClr val="dk1"/>
                 </a:solidFill>
               </a:rPr>
-              <a:t>Получение необходимых данных пользователем с помощью web интерфейса </a:t>
+              <a:t> </a:t>
             </a:r>
             <a:r>
               <a:rPr lang="en-US" sz="2200" b="0">
@@ -15671,101 +14598,6 @@
           </a:p>
         </p:txBody>
       </p:sp>
-      <p:sp>
-        <p:nvSpPr>
-          <p:cNvPr id="181" name="Google Shape;181;p6"/>
-          <p:cNvSpPr txBox="1"/>
-          <p:nvPr>
-            <p:ph type="title"/>
-          </p:nvPr>
-        </p:nvSpPr>
-        <p:spPr>
-          <a:xfrm>
-            <a:off x="6711507" y="779825"/>
-            <a:ext cx="4551900" cy="998700"/>
-          </a:xfrm>
-          <a:prstGeom prst="rect">
-            <a:avLst/>
-          </a:prstGeom>
-          <a:noFill/>
-          <a:ln>
-            <a:noFill/>
-          </a:ln>
-        </p:spPr>
-        <p:txBody>
-          <a:bodyPr spcFirstLastPara="1" wrap="square" lIns="0" tIns="257175" rIns="0" bIns="0" anchor="t" anchorCtr="0">
-            <a:spAutoFit/>
-          </a:bodyPr>
-          <a:lstStyle/>
-          <a:p>
-            <a:pPr marL="12700" lvl="0" indent="0" algn="l" rtl="0">
-              <a:lnSpc>
-                <a:spcPct val="100000"/>
-              </a:lnSpc>
-              <a:spcBef>
-                <a:spcPts val="0"/>
-              </a:spcBef>
-              <a:spcAft>
-                <a:spcPts val="0"/>
-              </a:spcAft>
-              <a:buNone/>
-            </a:pPr>
-            <a:r>
-              <a:rPr lang="en-US"/>
-              <a:t>02</a:t>
-            </a:r>
-            <a:r>
-              <a:rPr lang="en-US" sz="1600" b="0">
-                <a:solidFill>
-                  <a:srgbClr val="000000"/>
-                </a:solidFill>
-              </a:rPr>
-              <a:t>   </a:t>
-            </a:r>
-            <a:r>
-              <a:rPr lang="en-US" sz="2000">
-                <a:solidFill>
-                  <a:srgbClr val="000000"/>
-                </a:solidFill>
-              </a:rPr>
-              <a:t>СТРУКТУРА ПРОЕКТА:</a:t>
-            </a:r>
-            <a:endParaRPr sz="2000">
-              <a:latin typeface="Calibri" panose="020F0502020204030204"/>
-              <a:ea typeface="Calibri" panose="020F0502020204030204"/>
-              <a:cs typeface="Calibri" panose="020F0502020204030204"/>
-              <a:sym typeface="Calibri" panose="020F0502020204030204"/>
-            </a:endParaRPr>
-          </a:p>
-        </p:txBody>
-      </p:sp>
-      <p:pic>
-        <p:nvPicPr>
-          <p:cNvPr id="182" name="Google Shape;182;p6"/>
-          <p:cNvPicPr preferRelativeResize="0"/>
-          <p:nvPr/>
-        </p:nvPicPr>
-        <p:blipFill rotWithShape="1">
-          <a:blip r:embed="rId5"/>
-          <a:srcRect r="1156"/>
-          <a:stretch>
-            <a:fillRect/>
-          </a:stretch>
-        </p:blipFill>
-        <p:spPr>
-          <a:xfrm>
-            <a:off x="7219025" y="1906925"/>
-            <a:ext cx="3769750" cy="4114299"/>
-          </a:xfrm>
-          <a:prstGeom prst="rect">
-            <a:avLst/>
-          </a:prstGeom>
-          <a:noFill/>
-          <a:ln>
-            <a:noFill/>
-          </a:ln>
-        </p:spPr>
-      </p:pic>
     </p:spTree>
   </p:cSld>
   <p:clrMapOvr>
@@ -15800,7 +14632,7 @@
         <p:spPr>
           <a:xfrm>
             <a:off x="426825" y="232675"/>
-            <a:ext cx="11268300" cy="704700"/>
+            <a:ext cx="11268300" cy="703580"/>
           </a:xfrm>
           <a:prstGeom prst="rect">
             <a:avLst/>
@@ -15829,15 +14661,15 @@
               <a:buNone/>
             </a:pPr>
             <a:r>
-              <a:rPr lang="en-US" sz="4500" b="1">
+              <a:rPr lang="ru-RU" altLang="en-US" sz="4500" b="1">
                 <a:latin typeface="Calibri" panose="020F0502020204030204"/>
                 <a:ea typeface="Calibri" panose="020F0502020204030204"/>
                 <a:cs typeface="Calibri" panose="020F0502020204030204"/>
                 <a:sym typeface="Calibri" panose="020F0502020204030204"/>
               </a:rPr>
-              <a:t>Используемые источники информации</a:t>
+              <a:t>Полученые метрики на валидации</a:t>
             </a:r>
-            <a:endParaRPr sz="4500" b="1">
+            <a:endParaRPr lang="ru-RU" altLang="en-US" sz="4500" b="1">
               <a:latin typeface="Calibri" panose="020F0502020204030204"/>
               <a:ea typeface="Calibri" panose="020F0502020204030204"/>
               <a:cs typeface="Calibri" panose="020F0502020204030204"/>
@@ -16380,659 +15212,6 @@
           </a:p>
         </p:txBody>
       </p:sp>
-      <p:sp>
-        <p:nvSpPr>
-          <p:cNvPr id="192" name="Google Shape;192;p8"/>
-          <p:cNvSpPr txBox="1"/>
-          <p:nvPr>
-            <p:ph type="title"/>
-          </p:nvPr>
-        </p:nvSpPr>
-        <p:spPr>
-          <a:xfrm>
-            <a:off x="470175" y="1225050"/>
-            <a:ext cx="4252500" cy="751800"/>
-          </a:xfrm>
-          <a:prstGeom prst="rect">
-            <a:avLst/>
-          </a:prstGeom>
-          <a:noFill/>
-          <a:ln>
-            <a:noFill/>
-          </a:ln>
-        </p:spPr>
-        <p:txBody>
-          <a:bodyPr spcFirstLastPara="1" wrap="square" lIns="0" tIns="12700" rIns="0" bIns="0" anchor="t" anchorCtr="0">
-            <a:spAutoFit/>
-          </a:bodyPr>
-          <a:lstStyle/>
-          <a:p>
-            <a:pPr marL="269875" lvl="0" indent="0" algn="l" rtl="0">
-              <a:lnSpc>
-                <a:spcPct val="100000"/>
-              </a:lnSpc>
-              <a:spcBef>
-                <a:spcPts val="0"/>
-              </a:spcBef>
-              <a:spcAft>
-                <a:spcPts val="0"/>
-              </a:spcAft>
-              <a:buNone/>
-            </a:pPr>
-            <a:r>
-              <a:rPr lang="en-US"/>
-              <a:t>01 </a:t>
-            </a:r>
-            <a:r>
-              <a:rPr lang="en-US" sz="2000">
-                <a:solidFill>
-                  <a:schemeClr val="dk1"/>
-                </a:solidFill>
-              </a:rPr>
-              <a:t>КНИГИ:</a:t>
-            </a:r>
-            <a:endParaRPr lang="en-US" sz="2000">
-              <a:solidFill>
-                <a:schemeClr val="dk1"/>
-              </a:solidFill>
-            </a:endParaRPr>
-          </a:p>
-        </p:txBody>
-      </p:sp>
-      <p:sp>
-        <p:nvSpPr>
-          <p:cNvPr id="193" name="Google Shape;193;p8"/>
-          <p:cNvSpPr txBox="1"/>
-          <p:nvPr/>
-        </p:nvSpPr>
-        <p:spPr>
-          <a:xfrm>
-            <a:off x="789524" y="2041016"/>
-            <a:ext cx="3863100" cy="2157000"/>
-          </a:xfrm>
-          <a:prstGeom prst="rect">
-            <a:avLst/>
-          </a:prstGeom>
-          <a:noFill/>
-          <a:ln>
-            <a:noFill/>
-          </a:ln>
-        </p:spPr>
-        <p:txBody>
-          <a:bodyPr spcFirstLastPara="1" wrap="square" lIns="0" tIns="12700" rIns="0" bIns="0" anchor="t" anchorCtr="0">
-            <a:spAutoFit/>
-          </a:bodyPr>
-          <a:lstStyle/>
-          <a:p>
-            <a:pPr marL="269875" lvl="0" indent="-184150" algn="l" rtl="0">
-              <a:lnSpc>
-                <a:spcPct val="115000"/>
-              </a:lnSpc>
-              <a:spcBef>
-                <a:spcPts val="1200"/>
-              </a:spcBef>
-              <a:spcAft>
-                <a:spcPts val="0"/>
-              </a:spcAft>
-              <a:buClr>
-                <a:schemeClr val="dk1"/>
-              </a:buClr>
-              <a:buSzPts val="1400"/>
-              <a:buAutoNum type="arabicPeriod"/>
-            </a:pPr>
-            <a:r>
-              <a:rPr lang="en-US" sz="1700">
-                <a:solidFill>
-                  <a:schemeClr val="dk1"/>
-                </a:solidFill>
-                <a:latin typeface="Times New Roman" panose="02020603050405020304"/>
-                <a:ea typeface="Times New Roman" panose="02020603050405020304"/>
-                <a:cs typeface="Times New Roman" panose="02020603050405020304"/>
-                <a:sym typeface="Times New Roman" panose="02020603050405020304"/>
-              </a:rPr>
-              <a:t>Основной источник информации – Атлас 2021</a:t>
-            </a:r>
-            <a:endParaRPr sz="1700">
-              <a:solidFill>
-                <a:schemeClr val="dk1"/>
-              </a:solidFill>
-              <a:latin typeface="Times New Roman" panose="02020603050405020304"/>
-              <a:ea typeface="Times New Roman" panose="02020603050405020304"/>
-              <a:cs typeface="Times New Roman" panose="02020603050405020304"/>
-              <a:sym typeface="Times New Roman" panose="02020603050405020304"/>
-            </a:endParaRPr>
-          </a:p>
-          <a:p>
-            <a:pPr marL="269875" lvl="0" indent="-184150" algn="l" rtl="0">
-              <a:lnSpc>
-                <a:spcPct val="115000"/>
-              </a:lnSpc>
-              <a:spcBef>
-                <a:spcPts val="0"/>
-              </a:spcBef>
-              <a:spcAft>
-                <a:spcPts val="0"/>
-              </a:spcAft>
-              <a:buClr>
-                <a:schemeClr val="dk1"/>
-              </a:buClr>
-              <a:buSzPts val="1400"/>
-              <a:buFont typeface="Times New Roman" panose="02020603050405020304"/>
-              <a:buAutoNum type="arabicPeriod"/>
-            </a:pPr>
-            <a:r>
-              <a:rPr lang="en-US" sz="1700">
-                <a:solidFill>
-                  <a:schemeClr val="dk1"/>
-                </a:solidFill>
-                <a:latin typeface="Times New Roman" panose="02020603050405020304"/>
-                <a:ea typeface="Times New Roman" panose="02020603050405020304"/>
-                <a:cs typeface="Times New Roman" panose="02020603050405020304"/>
-                <a:sym typeface="Times New Roman" panose="02020603050405020304"/>
-              </a:rPr>
-              <a:t>Дикорастущие лекарственные растения СССР</a:t>
-            </a:r>
-            <a:endParaRPr sz="1700">
-              <a:solidFill>
-                <a:schemeClr val="dk1"/>
-              </a:solidFill>
-              <a:latin typeface="Times New Roman" panose="02020603050405020304"/>
-              <a:ea typeface="Times New Roman" panose="02020603050405020304"/>
-              <a:cs typeface="Times New Roman" panose="02020603050405020304"/>
-              <a:sym typeface="Times New Roman" panose="02020603050405020304"/>
-            </a:endParaRPr>
-          </a:p>
-          <a:p>
-            <a:pPr marL="269875" lvl="0" indent="-184150" algn="l" rtl="0">
-              <a:lnSpc>
-                <a:spcPct val="115000"/>
-              </a:lnSpc>
-              <a:spcBef>
-                <a:spcPts val="0"/>
-              </a:spcBef>
-              <a:spcAft>
-                <a:spcPts val="0"/>
-              </a:spcAft>
-              <a:buClr>
-                <a:schemeClr val="dk1"/>
-              </a:buClr>
-              <a:buSzPts val="1400"/>
-              <a:buFont typeface="Times New Roman" panose="02020603050405020304"/>
-              <a:buAutoNum type="arabicPeriod"/>
-            </a:pPr>
-            <a:r>
-              <a:rPr lang="en-US" sz="1700">
-                <a:solidFill>
-                  <a:schemeClr val="dk1"/>
-                </a:solidFill>
-                <a:latin typeface="Times New Roman" panose="02020603050405020304"/>
-                <a:ea typeface="Times New Roman" panose="02020603050405020304"/>
-                <a:cs typeface="Times New Roman" panose="02020603050405020304"/>
-                <a:sym typeface="Times New Roman" panose="02020603050405020304"/>
-              </a:rPr>
-              <a:t>Лекарственные_и_эфирномасличные_растения_Маланкина_Е_,_Цицилин_А</a:t>
-            </a:r>
-            <a:endParaRPr sz="1700">
-              <a:solidFill>
-                <a:schemeClr val="dk1"/>
-              </a:solidFill>
-              <a:latin typeface="Times New Roman" panose="02020603050405020304"/>
-              <a:ea typeface="Times New Roman" panose="02020603050405020304"/>
-              <a:cs typeface="Times New Roman" panose="02020603050405020304"/>
-              <a:sym typeface="Times New Roman" panose="02020603050405020304"/>
-            </a:endParaRPr>
-          </a:p>
-          <a:p>
-            <a:pPr marL="12700" marR="175895" lvl="0" indent="0" algn="l" rtl="0">
-              <a:lnSpc>
-                <a:spcPct val="100000"/>
-              </a:lnSpc>
-              <a:spcBef>
-                <a:spcPts val="1200"/>
-              </a:spcBef>
-              <a:spcAft>
-                <a:spcPts val="0"/>
-              </a:spcAft>
-              <a:buNone/>
-            </a:pPr>
-            <a:endParaRPr sz="1200">
-              <a:latin typeface="Calibri" panose="020F0502020204030204"/>
-              <a:ea typeface="Calibri" panose="020F0502020204030204"/>
-              <a:cs typeface="Calibri" panose="020F0502020204030204"/>
-              <a:sym typeface="Calibri" panose="020F0502020204030204"/>
-            </a:endParaRPr>
-          </a:p>
-        </p:txBody>
-      </p:sp>
-      <p:sp>
-        <p:nvSpPr>
-          <p:cNvPr id="194" name="Google Shape;194;p8"/>
-          <p:cNvSpPr txBox="1"/>
-          <p:nvPr/>
-        </p:nvSpPr>
-        <p:spPr>
-          <a:xfrm>
-            <a:off x="6185866" y="923725"/>
-            <a:ext cx="5084700" cy="5017800"/>
-          </a:xfrm>
-          <a:prstGeom prst="rect">
-            <a:avLst/>
-          </a:prstGeom>
-          <a:noFill/>
-          <a:ln>
-            <a:noFill/>
-          </a:ln>
-        </p:spPr>
-        <p:txBody>
-          <a:bodyPr spcFirstLastPara="1" wrap="square" lIns="0" tIns="350500" rIns="0" bIns="0" anchor="t" anchorCtr="0">
-            <a:spAutoFit/>
-          </a:bodyPr>
-          <a:lstStyle/>
-          <a:p>
-            <a:pPr marL="12700" marR="0" lvl="0" indent="0" algn="l" rtl="0">
-              <a:lnSpc>
-                <a:spcPct val="100000"/>
-              </a:lnSpc>
-              <a:spcBef>
-                <a:spcPts val="0"/>
-              </a:spcBef>
-              <a:spcAft>
-                <a:spcPts val="0"/>
-              </a:spcAft>
-              <a:buNone/>
-            </a:pPr>
-            <a:r>
-              <a:rPr lang="en-US" sz="4800" b="1">
-                <a:solidFill>
-                  <a:srgbClr val="01FF2F"/>
-                </a:solidFill>
-                <a:latin typeface="Calibri" panose="020F0502020204030204"/>
-                <a:ea typeface="Calibri" panose="020F0502020204030204"/>
-                <a:cs typeface="Calibri" panose="020F0502020204030204"/>
-                <a:sym typeface="Calibri" panose="020F0502020204030204"/>
-              </a:rPr>
-              <a:t>02 </a:t>
-            </a:r>
-            <a:r>
-              <a:rPr lang="en-US" sz="2000" b="1">
-                <a:solidFill>
-                  <a:schemeClr val="dk1"/>
-                </a:solidFill>
-                <a:latin typeface="Calibri" panose="020F0502020204030204"/>
-                <a:ea typeface="Calibri" panose="020F0502020204030204"/>
-                <a:cs typeface="Calibri" panose="020F0502020204030204"/>
-                <a:sym typeface="Calibri" panose="020F0502020204030204"/>
-              </a:rPr>
-              <a:t>ИНФОРМАЦИОННЫЕ САЙТЫ</a:t>
-            </a:r>
-            <a:endParaRPr sz="2000" b="1">
-              <a:solidFill>
-                <a:schemeClr val="dk1"/>
-              </a:solidFill>
-              <a:latin typeface="Calibri" panose="020F0502020204030204"/>
-              <a:ea typeface="Calibri" panose="020F0502020204030204"/>
-              <a:cs typeface="Calibri" panose="020F0502020204030204"/>
-              <a:sym typeface="Calibri" panose="020F0502020204030204"/>
-            </a:endParaRPr>
-          </a:p>
-          <a:p>
-            <a:pPr marL="12700" marR="0" lvl="0" indent="0" algn="l" rtl="0">
-              <a:lnSpc>
-                <a:spcPct val="100000"/>
-              </a:lnSpc>
-              <a:spcBef>
-                <a:spcPts val="0"/>
-              </a:spcBef>
-              <a:spcAft>
-                <a:spcPts val="0"/>
-              </a:spcAft>
-              <a:buNone/>
-            </a:pPr>
-            <a:endParaRPr sz="2000" b="1">
-              <a:solidFill>
-                <a:schemeClr val="dk1"/>
-              </a:solidFill>
-              <a:latin typeface="Calibri" panose="020F0502020204030204"/>
-              <a:ea typeface="Calibri" panose="020F0502020204030204"/>
-              <a:cs typeface="Calibri" panose="020F0502020204030204"/>
-              <a:sym typeface="Calibri" panose="020F0502020204030204"/>
-            </a:endParaRPr>
-          </a:p>
-          <a:p>
-            <a:pPr marL="12700" marR="0" lvl="0" indent="444500" algn="l" rtl="0">
-              <a:lnSpc>
-                <a:spcPct val="100000"/>
-              </a:lnSpc>
-              <a:spcBef>
-                <a:spcPts val="0"/>
-              </a:spcBef>
-              <a:spcAft>
-                <a:spcPts val="0"/>
-              </a:spcAft>
-              <a:buNone/>
-            </a:pPr>
-            <a:r>
-              <a:rPr lang="en-US" sz="1700">
-                <a:solidFill>
-                  <a:schemeClr val="dk1"/>
-                </a:solidFill>
-                <a:latin typeface="Times New Roman" panose="02020603050405020304"/>
-                <a:ea typeface="Times New Roman" panose="02020603050405020304"/>
-                <a:cs typeface="Times New Roman" panose="02020603050405020304"/>
-                <a:sym typeface="Times New Roman" panose="02020603050405020304"/>
-              </a:rPr>
-              <a:t>Долгота дня и кол-во световых дней: </a:t>
-            </a:r>
-            <a:endParaRPr sz="1700">
-              <a:solidFill>
-                <a:schemeClr val="dk1"/>
-              </a:solidFill>
-              <a:latin typeface="Times New Roman" panose="02020603050405020304"/>
-              <a:ea typeface="Times New Roman" panose="02020603050405020304"/>
-              <a:cs typeface="Times New Roman" panose="02020603050405020304"/>
-              <a:sym typeface="Times New Roman" panose="02020603050405020304"/>
-            </a:endParaRPr>
-          </a:p>
-          <a:p>
-            <a:pPr marL="12700" lvl="0" indent="444500" algn="l" rtl="0">
-              <a:spcBef>
-                <a:spcPts val="0"/>
-              </a:spcBef>
-              <a:spcAft>
-                <a:spcPts val="0"/>
-              </a:spcAft>
-              <a:buNone/>
-            </a:pPr>
-            <a:r>
-              <a:rPr lang="en-US" sz="1700">
-                <a:solidFill>
-                  <a:schemeClr val="dk1"/>
-                </a:solidFill>
-                <a:latin typeface="Times New Roman" panose="02020603050405020304"/>
-                <a:ea typeface="Times New Roman" panose="02020603050405020304"/>
-                <a:cs typeface="Times New Roman" panose="02020603050405020304"/>
-                <a:sym typeface="Times New Roman" panose="02020603050405020304"/>
-              </a:rPr>
-              <a:t>https://dateandtime.info/</a:t>
-            </a:r>
-            <a:endParaRPr sz="1700">
-              <a:solidFill>
-                <a:schemeClr val="dk1"/>
-              </a:solidFill>
-              <a:latin typeface="Times New Roman" panose="02020603050405020304"/>
-              <a:ea typeface="Times New Roman" panose="02020603050405020304"/>
-              <a:cs typeface="Times New Roman" panose="02020603050405020304"/>
-              <a:sym typeface="Times New Roman" panose="02020603050405020304"/>
-            </a:endParaRPr>
-          </a:p>
-          <a:p>
-            <a:pPr marL="12700" lvl="0" indent="0" algn="l" rtl="0">
-              <a:spcBef>
-                <a:spcPts val="0"/>
-              </a:spcBef>
-              <a:spcAft>
-                <a:spcPts val="0"/>
-              </a:spcAft>
-              <a:buNone/>
-            </a:pPr>
-            <a:endParaRPr sz="1700">
-              <a:solidFill>
-                <a:schemeClr val="dk1"/>
-              </a:solidFill>
-              <a:latin typeface="Times New Roman" panose="02020603050405020304"/>
-              <a:ea typeface="Times New Roman" panose="02020603050405020304"/>
-              <a:cs typeface="Times New Roman" panose="02020603050405020304"/>
-              <a:sym typeface="Times New Roman" panose="02020603050405020304"/>
-            </a:endParaRPr>
-          </a:p>
-          <a:p>
-            <a:pPr marL="406400" lvl="0" indent="50800" algn="l" rtl="0">
-              <a:lnSpc>
-                <a:spcPct val="10000"/>
-              </a:lnSpc>
-              <a:spcBef>
-                <a:spcPts val="1200"/>
-              </a:spcBef>
-              <a:spcAft>
-                <a:spcPts val="0"/>
-              </a:spcAft>
-              <a:buSzPts val="1100"/>
-              <a:buNone/>
-            </a:pPr>
-            <a:r>
-              <a:rPr lang="en-US" sz="1700">
-                <a:solidFill>
-                  <a:schemeClr val="dk1"/>
-                </a:solidFill>
-                <a:latin typeface="Times New Roman" panose="02020603050405020304"/>
-                <a:ea typeface="Times New Roman" panose="02020603050405020304"/>
-                <a:cs typeface="Times New Roman" panose="02020603050405020304"/>
-                <a:sym typeface="Times New Roman" panose="02020603050405020304"/>
-              </a:rPr>
-              <a:t>Красная книга: </a:t>
-            </a:r>
-            <a:endParaRPr sz="1700">
-              <a:solidFill>
-                <a:schemeClr val="dk1"/>
-              </a:solidFill>
-              <a:latin typeface="Times New Roman" panose="02020603050405020304"/>
-              <a:ea typeface="Times New Roman" panose="02020603050405020304"/>
-              <a:cs typeface="Times New Roman" panose="02020603050405020304"/>
-              <a:sym typeface="Times New Roman" panose="02020603050405020304"/>
-            </a:endParaRPr>
-          </a:p>
-          <a:p>
-            <a:pPr marL="406400" lvl="0" indent="50800" algn="l" rtl="0">
-              <a:lnSpc>
-                <a:spcPct val="10000"/>
-              </a:lnSpc>
-              <a:spcBef>
-                <a:spcPts val="1200"/>
-              </a:spcBef>
-              <a:spcAft>
-                <a:spcPts val="0"/>
-              </a:spcAft>
-              <a:buSzPts val="1100"/>
-              <a:buNone/>
-            </a:pPr>
-            <a:r>
-              <a:rPr lang="en-US" sz="1700">
-                <a:latin typeface="Times New Roman" panose="02020603050405020304"/>
-                <a:ea typeface="Times New Roman" panose="02020603050405020304"/>
-                <a:cs typeface="Times New Roman" panose="02020603050405020304"/>
-                <a:sym typeface="Times New Roman" panose="02020603050405020304"/>
-              </a:rPr>
-              <a:t>https://www.plantarium.ru/</a:t>
-            </a:r>
-            <a:r>
-              <a:rPr lang="en-US" sz="1700">
-                <a:solidFill>
-                  <a:srgbClr val="F1F1F1"/>
-                </a:solidFill>
-                <a:latin typeface="Times New Roman" panose="02020603050405020304"/>
-                <a:ea typeface="Times New Roman" panose="02020603050405020304"/>
-                <a:cs typeface="Times New Roman" panose="02020603050405020304"/>
-                <a:sym typeface="Times New Roman" panose="02020603050405020304"/>
-              </a:rPr>
-              <a:t>едицинские препараты:</a:t>
-            </a:r>
-            <a:endParaRPr sz="1700">
-              <a:solidFill>
-                <a:srgbClr val="F1F1F1"/>
-              </a:solidFill>
-              <a:latin typeface="Times New Roman" panose="02020603050405020304"/>
-              <a:ea typeface="Times New Roman" panose="02020603050405020304"/>
-              <a:cs typeface="Times New Roman" panose="02020603050405020304"/>
-              <a:sym typeface="Times New Roman" panose="02020603050405020304"/>
-            </a:endParaRPr>
-          </a:p>
-          <a:p>
-            <a:pPr marL="0" lvl="0" indent="0" algn="l" rtl="0">
-              <a:lnSpc>
-                <a:spcPct val="10000"/>
-              </a:lnSpc>
-              <a:spcBef>
-                <a:spcPts val="1200"/>
-              </a:spcBef>
-              <a:spcAft>
-                <a:spcPts val="0"/>
-              </a:spcAft>
-              <a:buSzPts val="1100"/>
-              <a:buNone/>
-            </a:pPr>
-            <a:endParaRPr sz="1700">
-              <a:solidFill>
-                <a:schemeClr val="dk1"/>
-              </a:solidFill>
-              <a:latin typeface="Times New Roman" panose="02020603050405020304"/>
-              <a:ea typeface="Times New Roman" panose="02020603050405020304"/>
-              <a:cs typeface="Times New Roman" panose="02020603050405020304"/>
-              <a:sym typeface="Times New Roman" panose="02020603050405020304"/>
-            </a:endParaRPr>
-          </a:p>
-          <a:p>
-            <a:pPr marL="406400" lvl="0" indent="50800" algn="l" rtl="0">
-              <a:lnSpc>
-                <a:spcPct val="10000"/>
-              </a:lnSpc>
-              <a:spcBef>
-                <a:spcPts val="1200"/>
-              </a:spcBef>
-              <a:spcAft>
-                <a:spcPts val="0"/>
-              </a:spcAft>
-              <a:buSzPts val="1100"/>
-              <a:buNone/>
-            </a:pPr>
-            <a:r>
-              <a:rPr lang="en-US" sz="1700">
-                <a:solidFill>
-                  <a:schemeClr val="dk1"/>
-                </a:solidFill>
-                <a:latin typeface="Times New Roman" panose="02020603050405020304"/>
-                <a:ea typeface="Times New Roman" panose="02020603050405020304"/>
-                <a:cs typeface="Times New Roman" panose="02020603050405020304"/>
-                <a:sym typeface="Times New Roman" panose="02020603050405020304"/>
-              </a:rPr>
-              <a:t>Медицинские</a:t>
-            </a:r>
-            <a:r>
-              <a:rPr lang="en-US" sz="1700">
-                <a:solidFill>
-                  <a:schemeClr val="dk1"/>
-                </a:solidFill>
-                <a:latin typeface="Times New Roman" panose="02020603050405020304"/>
-                <a:ea typeface="Times New Roman" panose="02020603050405020304"/>
-                <a:cs typeface="Times New Roman" panose="02020603050405020304"/>
-                <a:sym typeface="Times New Roman" panose="02020603050405020304"/>
-              </a:rPr>
-              <a:t> препараты:</a:t>
-            </a:r>
-            <a:endParaRPr sz="1700">
-              <a:solidFill>
-                <a:schemeClr val="dk1"/>
-              </a:solidFill>
-              <a:latin typeface="Times New Roman" panose="02020603050405020304"/>
-              <a:ea typeface="Times New Roman" panose="02020603050405020304"/>
-              <a:cs typeface="Times New Roman" panose="02020603050405020304"/>
-              <a:sym typeface="Times New Roman" panose="02020603050405020304"/>
-            </a:endParaRPr>
-          </a:p>
-          <a:p>
-            <a:pPr marL="406400" lvl="0" indent="50800" algn="l" rtl="0">
-              <a:lnSpc>
-                <a:spcPct val="10000"/>
-              </a:lnSpc>
-              <a:spcBef>
-                <a:spcPts val="1200"/>
-              </a:spcBef>
-              <a:spcAft>
-                <a:spcPts val="0"/>
-              </a:spcAft>
-              <a:buSzPts val="1100"/>
-              <a:buNone/>
-            </a:pPr>
-            <a:r>
-              <a:rPr lang="en-US" sz="1700">
-                <a:solidFill>
-                  <a:schemeClr val="dk1"/>
-                </a:solidFill>
-                <a:latin typeface="Times New Roman" panose="02020603050405020304"/>
-                <a:ea typeface="Times New Roman" panose="02020603050405020304"/>
-                <a:cs typeface="Times New Roman" panose="02020603050405020304"/>
-                <a:sym typeface="Times New Roman" panose="02020603050405020304"/>
-              </a:rPr>
-              <a:t>https://www.vidal.ru</a:t>
-            </a:r>
-            <a:endParaRPr sz="1700">
-              <a:solidFill>
-                <a:schemeClr val="dk1"/>
-              </a:solidFill>
-              <a:latin typeface="Times New Roman" panose="02020603050405020304"/>
-              <a:ea typeface="Times New Roman" panose="02020603050405020304"/>
-              <a:cs typeface="Times New Roman" panose="02020603050405020304"/>
-              <a:sym typeface="Times New Roman" panose="02020603050405020304"/>
-            </a:endParaRPr>
-          </a:p>
-          <a:p>
-            <a:pPr marL="406400" lvl="0" indent="50800" algn="l" rtl="0">
-              <a:lnSpc>
-                <a:spcPct val="10000"/>
-              </a:lnSpc>
-              <a:spcBef>
-                <a:spcPts val="1200"/>
-              </a:spcBef>
-              <a:spcAft>
-                <a:spcPts val="0"/>
-              </a:spcAft>
-              <a:buSzPts val="1100"/>
-              <a:buNone/>
-            </a:pPr>
-            <a:r>
-              <a:rPr lang="en-US" sz="1700">
-                <a:solidFill>
-                  <a:schemeClr val="dk1"/>
-                </a:solidFill>
-                <a:latin typeface="Times New Roman" panose="02020603050405020304"/>
-                <a:ea typeface="Times New Roman" panose="02020603050405020304"/>
-                <a:cs typeface="Times New Roman" panose="02020603050405020304"/>
-                <a:sym typeface="Times New Roman" panose="02020603050405020304"/>
-              </a:rPr>
-              <a:t>https://grls.rosminzdrav.ru/</a:t>
-            </a:r>
-            <a:endParaRPr sz="1700">
-              <a:solidFill>
-                <a:schemeClr val="dk1"/>
-              </a:solidFill>
-              <a:latin typeface="Times New Roman" panose="02020603050405020304"/>
-              <a:ea typeface="Times New Roman" panose="02020603050405020304"/>
-              <a:cs typeface="Times New Roman" panose="02020603050405020304"/>
-              <a:sym typeface="Times New Roman" panose="02020603050405020304"/>
-            </a:endParaRPr>
-          </a:p>
-          <a:p>
-            <a:pPr marL="0" lvl="0" indent="0" algn="l" rtl="0">
-              <a:lnSpc>
-                <a:spcPct val="10000"/>
-              </a:lnSpc>
-              <a:spcBef>
-                <a:spcPts val="1200"/>
-              </a:spcBef>
-              <a:spcAft>
-                <a:spcPts val="800"/>
-              </a:spcAft>
-              <a:buSzPts val="1100"/>
-              <a:buNone/>
-            </a:pPr>
-            <a:endParaRPr sz="1200">
-              <a:latin typeface="Calibri" panose="020F0502020204030204"/>
-              <a:ea typeface="Calibri" panose="020F0502020204030204"/>
-              <a:cs typeface="Calibri" panose="020F0502020204030204"/>
-              <a:sym typeface="Calibri" panose="020F0502020204030204"/>
-            </a:endParaRPr>
-          </a:p>
-        </p:txBody>
-      </p:sp>
       <p:pic>
         <p:nvPicPr>
           <p:cNvPr id="195" name="Google Shape;195;p8"/>
@@ -17542,6 +15721,123 @@
               <a:t>8</a:t>
             </a:r>
             <a:endParaRPr sz="1100">
+              <a:latin typeface="Calibri" panose="020F0502020204030204"/>
+              <a:ea typeface="Calibri" panose="020F0502020204030204"/>
+              <a:cs typeface="Calibri" panose="020F0502020204030204"/>
+              <a:sym typeface="Calibri" panose="020F0502020204030204"/>
+            </a:endParaRPr>
+          </a:p>
+        </p:txBody>
+      </p:sp>
+      <p:pic>
+        <p:nvPicPr>
+          <p:cNvPr id="3" name="Picture 2"/>
+          <p:cNvPicPr>
+            <a:picLocks noChangeAspect="1"/>
+          </p:cNvPicPr>
+          <p:nvPr/>
+        </p:nvPicPr>
+        <p:blipFill>
+          <a:blip r:embed="rId6"/>
+          <a:srcRect t="-3010"/>
+          <a:stretch>
+            <a:fillRect/>
+          </a:stretch>
+        </p:blipFill>
+        <p:spPr>
+          <a:xfrm>
+            <a:off x="6172835" y="1496060"/>
+            <a:ext cx="4957445" cy="3866515"/>
+          </a:xfrm>
+          <a:prstGeom prst="rect">
+            <a:avLst/>
+          </a:prstGeom>
+        </p:spPr>
+      </p:pic>
+      <p:sp>
+        <p:nvSpPr>
+          <p:cNvPr id="133" name="Google Shape;133;p2"/>
+          <p:cNvSpPr txBox="1"/>
+          <p:nvPr>
+            <p:ph type="title"/>
+          </p:nvPr>
+        </p:nvSpPr>
+        <p:spPr>
+          <a:xfrm>
+            <a:off x="852678" y="1495805"/>
+            <a:ext cx="644400" cy="751800"/>
+          </a:xfrm>
+          <a:prstGeom prst="rect">
+            <a:avLst/>
+          </a:prstGeom>
+          <a:noFill/>
+          <a:ln>
+            <a:noFill/>
+          </a:ln>
+        </p:spPr>
+        <p:txBody>
+          <a:bodyPr spcFirstLastPara="1" wrap="square" lIns="0" tIns="12700" rIns="0" bIns="0" anchor="t" anchorCtr="0">
+            <a:spAutoFit/>
+          </a:bodyPr>
+          <a:p>
+            <a:pPr marL="12700" lvl="0" indent="0" algn="l" rtl="0">
+              <a:spcBef>
+                <a:spcPts val="0"/>
+              </a:spcBef>
+              <a:spcAft>
+                <a:spcPts val="0"/>
+              </a:spcAft>
+              <a:buClr>
+                <a:schemeClr val="dk1"/>
+              </a:buClr>
+              <a:buFont typeface="Arial" panose="020B0604020202020204"/>
+              <a:buNone/>
+            </a:pPr>
+            <a:r>
+              <a:rPr lang="en-US"/>
+              <a:t>01</a:t>
+            </a:r>
+            <a:endParaRPr lang="en-US"/>
+          </a:p>
+        </p:txBody>
+      </p:sp>
+      <p:sp>
+        <p:nvSpPr>
+          <p:cNvPr id="131" name="Google Shape;131;p2"/>
+          <p:cNvSpPr txBox="1"/>
+          <p:nvPr/>
+        </p:nvSpPr>
+        <p:spPr>
+          <a:xfrm>
+            <a:off x="1710055" y="1769745"/>
+            <a:ext cx="2536190" cy="320040"/>
+          </a:xfrm>
+          <a:prstGeom prst="rect">
+            <a:avLst/>
+          </a:prstGeom>
+          <a:noFill/>
+          <a:ln>
+            <a:noFill/>
+          </a:ln>
+        </p:spPr>
+        <p:txBody>
+          <a:bodyPr spcFirstLastPara="1" wrap="square" lIns="0" tIns="12700" rIns="0" bIns="0" anchor="t" anchorCtr="0">
+            <a:spAutoFit/>
+          </a:bodyPr>
+          <a:p>
+            <a:pPr marL="12700" indent="0">
+              <a:buNone/>
+            </a:pPr>
+            <a:r>
+              <a:rPr lang="ru-RU" sz="2000">
+                <a:latin typeface="Calibri" panose="020F0502020204030204"/>
+                <a:ea typeface="Calibri" panose="020F0502020204030204"/>
+                <a:cs typeface="Calibri" panose="020F0502020204030204"/>
+                <a:sym typeface="Calibri" panose="020F0502020204030204"/>
+              </a:rPr>
+              <a:t>Метрики</a:t>
+            </a:r>
+            <a:endParaRPr lang="ru-RU" sz="2000">
               <a:latin typeface="Calibri" panose="020F0502020204030204"/>
               <a:ea typeface="Calibri" panose="020F0502020204030204"/>
               <a:cs typeface="Calibri" panose="020F0502020204030204"/>
@@ -17650,7 +15946,7 @@
         <p:spPr>
           <a:xfrm>
             <a:off x="805070" y="193375"/>
-            <a:ext cx="10485300" cy="705600"/>
+            <a:ext cx="10485300" cy="704850"/>
           </a:xfrm>
           <a:prstGeom prst="rect">
             <a:avLst/>
@@ -17679,10 +15975,10 @@
               <a:buNone/>
             </a:pPr>
             <a:r>
-              <a:rPr lang="en-US" sz="4500"/>
-              <a:t>Пользовательский интерфейс</a:t>
+              <a:rPr lang="ru-RU" altLang="en-US" sz="4500"/>
+              <a:t>График убывания функции потерь</a:t>
             </a:r>
-            <a:endParaRPr sz="4500"/>
+            <a:endParaRPr lang="ru-RU" altLang="en-US" sz="4500"/>
           </a:p>
         </p:txBody>
       </p:sp>
@@ -18226,340 +16522,6 @@
       </p:pic>
       <p:sp>
         <p:nvSpPr>
-          <p:cNvPr id="236" name="Google Shape;236;g254ebee31e4_0_0"/>
-          <p:cNvSpPr txBox="1"/>
-          <p:nvPr/>
-        </p:nvSpPr>
-        <p:spPr>
-          <a:xfrm>
-            <a:off x="805077" y="1023375"/>
-            <a:ext cx="4845000" cy="5066100"/>
-          </a:xfrm>
-          <a:prstGeom prst="rect">
-            <a:avLst/>
-          </a:prstGeom>
-          <a:noFill/>
-          <a:ln>
-            <a:noFill/>
-          </a:ln>
-        </p:spPr>
-        <p:txBody>
-          <a:bodyPr spcFirstLastPara="1" wrap="square" lIns="0" tIns="12050" rIns="0" bIns="0" anchor="t" anchorCtr="0">
-            <a:spAutoFit/>
-          </a:bodyPr>
-          <a:lstStyle/>
-          <a:p>
-            <a:pPr marL="12700" lvl="0" indent="0" algn="l" rtl="0">
-              <a:spcBef>
-                <a:spcPts val="0"/>
-              </a:spcBef>
-              <a:spcAft>
-                <a:spcPts val="0"/>
-              </a:spcAft>
-              <a:buNone/>
-            </a:pPr>
-            <a:r>
-              <a:rPr lang="en-US" sz="4800" b="1">
-                <a:solidFill>
-                  <a:srgbClr val="01FF2F"/>
-                </a:solidFill>
-                <a:latin typeface="Calibri" panose="020F0502020204030204"/>
-                <a:ea typeface="Calibri" panose="020F0502020204030204"/>
-                <a:cs typeface="Calibri" panose="020F0502020204030204"/>
-                <a:sym typeface="Calibri" panose="020F0502020204030204"/>
-              </a:rPr>
-              <a:t>01</a:t>
-            </a:r>
-            <a:r>
-              <a:rPr lang="en-US" sz="4800" b="1">
-                <a:solidFill>
-                  <a:schemeClr val="lt1"/>
-                </a:solidFill>
-                <a:latin typeface="Calibri" panose="020F0502020204030204"/>
-                <a:ea typeface="Calibri" panose="020F0502020204030204"/>
-                <a:cs typeface="Calibri" panose="020F0502020204030204"/>
-                <a:sym typeface="Calibri" panose="020F0502020204030204"/>
-              </a:rPr>
-              <a:t> </a:t>
-            </a:r>
-            <a:r>
-              <a:rPr lang="en-US" sz="2000" b="1">
-                <a:solidFill>
-                  <a:schemeClr val="lt1"/>
-                </a:solidFill>
-                <a:latin typeface="Calibri" panose="020F0502020204030204"/>
-                <a:ea typeface="Calibri" panose="020F0502020204030204"/>
-                <a:cs typeface="Calibri" panose="020F0502020204030204"/>
-                <a:sym typeface="Calibri" panose="020F0502020204030204"/>
-              </a:rPr>
-              <a:t>ОПИСАНИЕ ПРИЛОЖЕНИЯ:</a:t>
-            </a:r>
-            <a:endParaRPr sz="2000" b="1">
-              <a:solidFill>
-                <a:schemeClr val="lt1"/>
-              </a:solidFill>
-              <a:latin typeface="Calibri" panose="020F0502020204030204"/>
-              <a:ea typeface="Calibri" panose="020F0502020204030204"/>
-              <a:cs typeface="Calibri" panose="020F0502020204030204"/>
-              <a:sym typeface="Calibri" panose="020F0502020204030204"/>
-            </a:endParaRPr>
-          </a:p>
-          <a:p>
-            <a:pPr marL="0" lvl="0" indent="0" algn="l" rtl="0">
-              <a:spcBef>
-                <a:spcPts val="0"/>
-              </a:spcBef>
-              <a:spcAft>
-                <a:spcPts val="0"/>
-              </a:spcAft>
-              <a:buNone/>
-            </a:pPr>
-            <a:endParaRPr sz="2000" b="1">
-              <a:solidFill>
-                <a:srgbClr val="FFFFFF"/>
-              </a:solidFill>
-              <a:latin typeface="Calibri" panose="020F0502020204030204"/>
-              <a:ea typeface="Calibri" panose="020F0502020204030204"/>
-              <a:cs typeface="Calibri" panose="020F0502020204030204"/>
-              <a:sym typeface="Calibri" panose="020F0502020204030204"/>
-            </a:endParaRPr>
-          </a:p>
-          <a:p>
-            <a:pPr marL="457200" marR="0" lvl="0" indent="0" algn="l" rtl="0">
-              <a:lnSpc>
-                <a:spcPct val="100000"/>
-              </a:lnSpc>
-              <a:spcBef>
-                <a:spcPts val="5"/>
-              </a:spcBef>
-              <a:spcAft>
-                <a:spcPts val="0"/>
-              </a:spcAft>
-              <a:buNone/>
-            </a:pPr>
-            <a:r>
-              <a:rPr lang="en-US" sz="1700">
-                <a:solidFill>
-                  <a:srgbClr val="FFFFFF"/>
-                </a:solidFill>
-                <a:latin typeface="Calibri" panose="020F0502020204030204"/>
-                <a:ea typeface="Calibri" panose="020F0502020204030204"/>
-                <a:cs typeface="Calibri" panose="020F0502020204030204"/>
-                <a:sym typeface="Calibri" panose="020F0502020204030204"/>
-              </a:rPr>
-              <a:t>Пользователь может выбирать регион и в нем будет отображаться список растений.</a:t>
-            </a:r>
-            <a:endParaRPr sz="1700">
-              <a:solidFill>
-                <a:srgbClr val="FFFFFF"/>
-              </a:solidFill>
-              <a:latin typeface="Calibri" panose="020F0502020204030204"/>
-              <a:ea typeface="Calibri" panose="020F0502020204030204"/>
-              <a:cs typeface="Calibri" panose="020F0502020204030204"/>
-              <a:sym typeface="Calibri" panose="020F0502020204030204"/>
-            </a:endParaRPr>
-          </a:p>
-          <a:p>
-            <a:pPr marL="457200" marR="0" lvl="0" indent="0" algn="l" rtl="0">
-              <a:lnSpc>
-                <a:spcPct val="100000"/>
-              </a:lnSpc>
-              <a:spcBef>
-                <a:spcPts val="5"/>
-              </a:spcBef>
-              <a:spcAft>
-                <a:spcPts val="0"/>
-              </a:spcAft>
-              <a:buNone/>
-            </a:pPr>
-            <a:endParaRPr sz="1700">
-              <a:solidFill>
-                <a:srgbClr val="FFFFFF"/>
-              </a:solidFill>
-              <a:latin typeface="Calibri" panose="020F0502020204030204"/>
-              <a:ea typeface="Calibri" panose="020F0502020204030204"/>
-              <a:cs typeface="Calibri" panose="020F0502020204030204"/>
-              <a:sym typeface="Calibri" panose="020F0502020204030204"/>
-            </a:endParaRPr>
-          </a:p>
-          <a:p>
-            <a:pPr marL="457200" marR="0" lvl="0" indent="0" algn="l" rtl="0">
-              <a:lnSpc>
-                <a:spcPct val="100000"/>
-              </a:lnSpc>
-              <a:spcBef>
-                <a:spcPts val="5"/>
-              </a:spcBef>
-              <a:spcAft>
-                <a:spcPts val="0"/>
-              </a:spcAft>
-              <a:buNone/>
-            </a:pPr>
-            <a:r>
-              <a:rPr lang="en-US" sz="1700">
-                <a:solidFill>
-                  <a:srgbClr val="FFFFFF"/>
-                </a:solidFill>
-                <a:latin typeface="Calibri" panose="020F0502020204030204"/>
-                <a:ea typeface="Calibri" panose="020F0502020204030204"/>
-                <a:cs typeface="Calibri" panose="020F0502020204030204"/>
-                <a:sym typeface="Calibri" panose="020F0502020204030204"/>
-              </a:rPr>
-              <a:t>Информацию со списком растений в регионе можно перелистывать вперед и назад. Есть возможность фильтровать данные. Исключать колонки. Производить группировку данных в файл</a:t>
-            </a:r>
-            <a:endParaRPr sz="1700">
-              <a:solidFill>
-                <a:srgbClr val="FFFFFF"/>
-              </a:solidFill>
-              <a:latin typeface="Calibri" panose="020F0502020204030204"/>
-              <a:ea typeface="Calibri" panose="020F0502020204030204"/>
-              <a:cs typeface="Calibri" panose="020F0502020204030204"/>
-              <a:sym typeface="Calibri" panose="020F0502020204030204"/>
-            </a:endParaRPr>
-          </a:p>
-          <a:p>
-            <a:pPr marL="457200" marR="0" lvl="0" indent="0" algn="l" rtl="0">
-              <a:lnSpc>
-                <a:spcPct val="100000"/>
-              </a:lnSpc>
-              <a:spcBef>
-                <a:spcPts val="5"/>
-              </a:spcBef>
-              <a:spcAft>
-                <a:spcPts val="0"/>
-              </a:spcAft>
-              <a:buNone/>
-            </a:pPr>
-            <a:endParaRPr sz="1700">
-              <a:solidFill>
-                <a:srgbClr val="FFFFFF"/>
-              </a:solidFill>
-              <a:latin typeface="Calibri" panose="020F0502020204030204"/>
-              <a:ea typeface="Calibri" panose="020F0502020204030204"/>
-              <a:cs typeface="Calibri" panose="020F0502020204030204"/>
-              <a:sym typeface="Calibri" panose="020F0502020204030204"/>
-            </a:endParaRPr>
-          </a:p>
-          <a:p>
-            <a:pPr marL="457200" marR="0" lvl="0" indent="0" algn="l" rtl="0">
-              <a:lnSpc>
-                <a:spcPct val="100000"/>
-              </a:lnSpc>
-              <a:spcBef>
-                <a:spcPts val="5"/>
-              </a:spcBef>
-              <a:spcAft>
-                <a:spcPts val="0"/>
-              </a:spcAft>
-              <a:buNone/>
-            </a:pPr>
-            <a:r>
-              <a:rPr lang="en-US" sz="1700">
-                <a:solidFill>
-                  <a:srgbClr val="FFFFFF"/>
-                </a:solidFill>
-                <a:latin typeface="Calibri" panose="020F0502020204030204"/>
-                <a:ea typeface="Calibri" panose="020F0502020204030204"/>
-                <a:cs typeface="Calibri" panose="020F0502020204030204"/>
-                <a:sym typeface="Calibri" panose="020F0502020204030204"/>
-              </a:rPr>
-              <a:t>При выборе региона и фильтрации данных реализован предиктивный поиск без учета регистра.</a:t>
-            </a:r>
-            <a:endParaRPr sz="1700">
-              <a:solidFill>
-                <a:srgbClr val="FFFFFF"/>
-              </a:solidFill>
-              <a:latin typeface="Calibri" panose="020F0502020204030204"/>
-              <a:ea typeface="Calibri" panose="020F0502020204030204"/>
-              <a:cs typeface="Calibri" panose="020F0502020204030204"/>
-              <a:sym typeface="Calibri" panose="020F0502020204030204"/>
-            </a:endParaRPr>
-          </a:p>
-          <a:p>
-            <a:pPr marL="457200" marR="0" lvl="0" indent="0" algn="l" rtl="0">
-              <a:lnSpc>
-                <a:spcPct val="100000"/>
-              </a:lnSpc>
-              <a:spcBef>
-                <a:spcPts val="5"/>
-              </a:spcBef>
-              <a:spcAft>
-                <a:spcPts val="0"/>
-              </a:spcAft>
-              <a:buNone/>
-            </a:pPr>
-            <a:endParaRPr sz="1700">
-              <a:solidFill>
-                <a:srgbClr val="FFFFFF"/>
-              </a:solidFill>
-              <a:latin typeface="Calibri" panose="020F0502020204030204"/>
-              <a:ea typeface="Calibri" panose="020F0502020204030204"/>
-              <a:cs typeface="Calibri" panose="020F0502020204030204"/>
-              <a:sym typeface="Calibri" panose="020F0502020204030204"/>
-            </a:endParaRPr>
-          </a:p>
-          <a:p>
-            <a:pPr marL="457200" marR="0" lvl="0" indent="0" algn="l" rtl="0">
-              <a:lnSpc>
-                <a:spcPct val="100000"/>
-              </a:lnSpc>
-              <a:spcBef>
-                <a:spcPts val="5"/>
-              </a:spcBef>
-              <a:spcAft>
-                <a:spcPts val="0"/>
-              </a:spcAft>
-              <a:buNone/>
-            </a:pPr>
-            <a:r>
-              <a:rPr lang="en-US" sz="1700">
-                <a:solidFill>
-                  <a:srgbClr val="FFFFFF"/>
-                </a:solidFill>
-                <a:latin typeface="Calibri" panose="020F0502020204030204"/>
-                <a:ea typeface="Calibri" panose="020F0502020204030204"/>
-                <a:cs typeface="Calibri" panose="020F0502020204030204"/>
-                <a:sym typeface="Calibri" panose="020F0502020204030204"/>
-              </a:rPr>
-              <a:t>Списки растений можно выгружать в файл</a:t>
-            </a:r>
-            <a:endParaRPr sz="1700">
-              <a:solidFill>
-                <a:srgbClr val="FFFFFF"/>
-              </a:solidFill>
-              <a:latin typeface="Calibri" panose="020F0502020204030204"/>
-              <a:ea typeface="Calibri" panose="020F0502020204030204"/>
-              <a:cs typeface="Calibri" panose="020F0502020204030204"/>
-              <a:sym typeface="Calibri" panose="020F0502020204030204"/>
-            </a:endParaRPr>
-          </a:p>
-          <a:p>
-            <a:pPr marL="457200" marR="0" lvl="0" indent="0" algn="l" rtl="0">
-              <a:lnSpc>
-                <a:spcPct val="100000"/>
-              </a:lnSpc>
-              <a:spcBef>
-                <a:spcPts val="5"/>
-              </a:spcBef>
-              <a:spcAft>
-                <a:spcPts val="0"/>
-              </a:spcAft>
-              <a:buNone/>
-            </a:pPr>
-            <a:endParaRPr sz="2200">
-              <a:solidFill>
-                <a:srgbClr val="FFFFFF"/>
-              </a:solidFill>
-              <a:latin typeface="Calibri" panose="020F0502020204030204"/>
-              <a:ea typeface="Calibri" panose="020F0502020204030204"/>
-              <a:cs typeface="Calibri" panose="020F0502020204030204"/>
-              <a:sym typeface="Calibri" panose="020F0502020204030204"/>
-            </a:endParaRPr>
-          </a:p>
-        </p:txBody>
-      </p:sp>
-      <p:sp>
-        <p:nvSpPr>
           <p:cNvPr id="237" name="Google Shape;237;g254ebee31e4_0_0"/>
           <p:cNvSpPr txBox="1"/>
           <p:nvPr>
@@ -18612,8 +16574,8 @@
         </p:nvSpPr>
         <p:spPr>
           <a:xfrm>
-            <a:off x="6596277" y="947175"/>
-            <a:ext cx="4845000" cy="750900"/>
+            <a:off x="269772" y="1081795"/>
+            <a:ext cx="4845000" cy="749935"/>
           </a:xfrm>
           <a:prstGeom prst="rect">
             <a:avLst/>
@@ -18648,7 +16610,19 @@
                 <a:cs typeface="Calibri" panose="020F0502020204030204"/>
                 <a:sym typeface="Calibri" panose="020F0502020204030204"/>
               </a:rPr>
-              <a:t>02</a:t>
+              <a:t>0</a:t>
+            </a:r>
+            <a:r>
+              <a:rPr lang="ru-RU" altLang="en-US" sz="4800" b="1">
+                <a:solidFill>
+                  <a:srgbClr val="01FF2F"/>
+                </a:solidFill>
+                <a:latin typeface="Calibri" panose="020F0502020204030204"/>
+                <a:ea typeface="Calibri" panose="020F0502020204030204"/>
+                <a:cs typeface="Calibri" panose="020F0502020204030204"/>
+                <a:sym typeface="Calibri" panose="020F0502020204030204"/>
+              </a:rPr>
+              <a:t>1</a:t>
             </a:r>
             <a:r>
               <a:rPr lang="en-US" sz="2200">
@@ -18672,9 +16646,24 @@
                 <a:cs typeface="Calibri" panose="020F0502020204030204"/>
                 <a:sym typeface="Calibri" panose="020F0502020204030204"/>
               </a:rPr>
-              <a:t> СКРИН ПРИЛОЖЕНИЯ</a:t>
+              <a:t> LOSS </a:t>
             </a:r>
-            <a:endParaRPr sz="2000" b="1">
+            <a:r>
+              <a:rPr lang="ru-RU" altLang="en-US" sz="2000" b="1">
+                <a:solidFill>
+                  <a:srgbClr val="FFFFFF"/>
+                </a:solidFill>
+                <a:latin typeface="Calibri" panose="020F0502020204030204"/>
+                <a:ea typeface="Calibri" panose="020F0502020204030204"/>
+                <a:cs typeface="Calibri" panose="020F0502020204030204"/>
+                <a:sym typeface="Calibri" panose="020F0502020204030204"/>
+              </a:rPr>
+              <a:t>ФУНКЦИЯ</a:t>
+            </a:r>
+            <a:endParaRPr lang="ru-RU" altLang="en-US" sz="2000" b="1">
+              <a:solidFill>
+                <a:srgbClr val="FFFFFF"/>
+              </a:solidFill>
               <a:latin typeface="Calibri" panose="020F0502020204030204"/>
               <a:ea typeface="Calibri" panose="020F0502020204030204"/>
               <a:cs typeface="Calibri" panose="020F0502020204030204"/>
@@ -18683,23 +16672,182 @@
           </a:p>
         </p:txBody>
       </p:sp>
+      <p:sp>
+        <p:nvSpPr>
+          <p:cNvPr id="188" name="Google Shape;188;p8"/>
+          <p:cNvSpPr/>
+          <p:nvPr/>
+        </p:nvSpPr>
+        <p:spPr>
+          <a:xfrm>
+            <a:off x="568950" y="3837311"/>
+            <a:ext cx="2228215" cy="1836619"/>
+          </a:xfrm>
+          <a:custGeom>
+            <a:avLst/>
+            <a:gdLst/>
+            <a:ahLst/>
+            <a:cxnLst/>
+            <a:rect l="l" t="t" r="r" b="b"/>
+            <a:pathLst>
+              <a:path w="2228215" h="2246629" extrusionOk="0">
+                <a:moveTo>
+                  <a:pt x="1998345" y="0"/>
+                </a:moveTo>
+                <a:lnTo>
+                  <a:pt x="229743" y="0"/>
+                </a:lnTo>
+                <a:lnTo>
+                  <a:pt x="183441" y="4667"/>
+                </a:lnTo>
+                <a:lnTo>
+                  <a:pt x="140315" y="18055"/>
+                </a:lnTo>
+                <a:lnTo>
+                  <a:pt x="101290" y="39239"/>
+                </a:lnTo>
+                <a:lnTo>
+                  <a:pt x="67289" y="67294"/>
+                </a:lnTo>
+                <a:lnTo>
+                  <a:pt x="39235" y="101296"/>
+                </a:lnTo>
+                <a:lnTo>
+                  <a:pt x="18054" y="140321"/>
+                </a:lnTo>
+                <a:lnTo>
+                  <a:pt x="4667" y="183444"/>
+                </a:lnTo>
+                <a:lnTo>
+                  <a:pt x="0" y="229743"/>
+                </a:lnTo>
+                <a:lnTo>
+                  <a:pt x="0" y="2016633"/>
+                </a:lnTo>
+                <a:lnTo>
+                  <a:pt x="4667" y="2062931"/>
+                </a:lnTo>
+                <a:lnTo>
+                  <a:pt x="18054" y="2106054"/>
+                </a:lnTo>
+                <a:lnTo>
+                  <a:pt x="39235" y="2145079"/>
+                </a:lnTo>
+                <a:lnTo>
+                  <a:pt x="67289" y="2179081"/>
+                </a:lnTo>
+                <a:lnTo>
+                  <a:pt x="101290" y="2207136"/>
+                </a:lnTo>
+                <a:lnTo>
+                  <a:pt x="140315" y="2228320"/>
+                </a:lnTo>
+                <a:lnTo>
+                  <a:pt x="183441" y="2241708"/>
+                </a:lnTo>
+                <a:lnTo>
+                  <a:pt x="229743" y="2246376"/>
+                </a:lnTo>
+                <a:lnTo>
+                  <a:pt x="1998345" y="2246376"/>
+                </a:lnTo>
+                <a:lnTo>
+                  <a:pt x="2044643" y="2241708"/>
+                </a:lnTo>
+                <a:lnTo>
+                  <a:pt x="2087766" y="2228320"/>
+                </a:lnTo>
+                <a:lnTo>
+                  <a:pt x="2126791" y="2207136"/>
+                </a:lnTo>
+                <a:lnTo>
+                  <a:pt x="2160793" y="2179081"/>
+                </a:lnTo>
+                <a:lnTo>
+                  <a:pt x="2188848" y="2145079"/>
+                </a:lnTo>
+                <a:lnTo>
+                  <a:pt x="2210032" y="2106054"/>
+                </a:lnTo>
+                <a:lnTo>
+                  <a:pt x="2223420" y="2062931"/>
+                </a:lnTo>
+                <a:lnTo>
+                  <a:pt x="2228088" y="2016633"/>
+                </a:lnTo>
+                <a:lnTo>
+                  <a:pt x="2228088" y="229743"/>
+                </a:lnTo>
+                <a:lnTo>
+                  <a:pt x="2223420" y="183444"/>
+                </a:lnTo>
+                <a:lnTo>
+                  <a:pt x="2210032" y="140321"/>
+                </a:lnTo>
+                <a:lnTo>
+                  <a:pt x="2188848" y="101296"/>
+                </a:lnTo>
+                <a:lnTo>
+                  <a:pt x="2160793" y="67294"/>
+                </a:lnTo>
+                <a:lnTo>
+                  <a:pt x="2126791" y="39239"/>
+                </a:lnTo>
+                <a:lnTo>
+                  <a:pt x="2087766" y="18055"/>
+                </a:lnTo>
+                <a:lnTo>
+                  <a:pt x="2044643" y="4667"/>
+                </a:lnTo>
+                <a:lnTo>
+                  <a:pt x="1998345" y="0"/>
+                </a:lnTo>
+                <a:close/>
+              </a:path>
+            </a:pathLst>
+          </a:custGeom>
+          <a:solidFill>
+            <a:srgbClr val="F1F1F1"/>
+          </a:solidFill>
+          <a:ln>
+            <a:noFill/>
+          </a:ln>
+        </p:spPr>
+        <p:txBody>
+          <a:bodyPr spcFirstLastPara="1" wrap="square" lIns="0" tIns="0" rIns="0" bIns="0" anchor="t" anchorCtr="0">
+            <a:noAutofit/>
+          </a:bodyPr>
+          <a:p>
+            <a:pPr marL="0" marR="0" lvl="0" indent="0" algn="l" rtl="0">
+              <a:spcBef>
+                <a:spcPts val="0"/>
+              </a:spcBef>
+              <a:spcAft>
+                <a:spcPts val="0"/>
+              </a:spcAft>
+              <a:buNone/>
+            </a:pPr>
+            <a:endParaRPr sz="1800"/>
+          </a:p>
+        </p:txBody>
+      </p:sp>
       <p:pic>
         <p:nvPicPr>
-          <p:cNvPr id="239" name="Google Shape;239;g254ebee31e4_0_0"/>
+          <p:cNvPr id="195" name="Google Shape;195;p8"/>
           <p:cNvPicPr preferRelativeResize="0"/>
           <p:nvPr/>
         </p:nvPicPr>
         <p:blipFill rotWithShape="1">
           <a:blip r:embed="rId5"/>
-          <a:srcRect r="33914"/>
+          <a:srcRect/>
           <a:stretch>
             <a:fillRect/>
           </a:stretch>
         </p:blipFill>
         <p:spPr>
           <a:xfrm>
-            <a:off x="6058650" y="1746275"/>
-            <a:ext cx="5805674" cy="4073551"/>
+            <a:off x="568876" y="4476288"/>
+            <a:ext cx="2103363" cy="746461"/>
           </a:xfrm>
           <a:prstGeom prst="rect">
             <a:avLst/>
@@ -18708,6 +16856,30 @@
           <a:ln>
             <a:noFill/>
           </a:ln>
+        </p:spPr>
+      </p:pic>
+      <p:pic>
+        <p:nvPicPr>
+          <p:cNvPr id="1" name="Picture 0"/>
+          <p:cNvPicPr>
+            <a:picLocks noChangeAspect="1"/>
+          </p:cNvPicPr>
+          <p:nvPr/>
+        </p:nvPicPr>
+        <p:blipFill>
+          <a:blip r:embed="rId6"/>
+          <a:stretch>
+            <a:fillRect/>
+          </a:stretch>
+        </p:blipFill>
+        <p:spPr>
+          <a:xfrm>
+            <a:off x="4265930" y="949325"/>
+            <a:ext cx="7024370" cy="5173345"/>
+          </a:xfrm>
+          <a:prstGeom prst="rect">
+            <a:avLst/>
+          </a:prstGeom>
         </p:spPr>
       </p:pic>
     </p:spTree>
@@ -18852,7 +17024,7 @@
         <p:spPr>
           <a:xfrm>
             <a:off x="309450" y="77850"/>
-            <a:ext cx="5859900" cy="719400"/>
+            <a:ext cx="5859900" cy="1190625"/>
           </a:xfrm>
           <a:prstGeom prst="rect">
             <a:avLst/>
@@ -18882,200 +17054,13 @@
             </a:pPr>
             <a:r>
               <a:rPr lang="en-US" sz="4500"/>
-              <a:t>01 КНИГИ</a:t>
+              <a:t>01 </a:t>
             </a:r>
-            <a:endParaRPr sz="4500"/>
-          </a:p>
-        </p:txBody>
-      </p:sp>
-      <p:sp>
-        <p:nvSpPr>
-          <p:cNvPr id="246" name="Google Shape;246;g247f382fd86_0_76"/>
-          <p:cNvSpPr txBox="1"/>
-          <p:nvPr/>
-        </p:nvSpPr>
-        <p:spPr>
-          <a:xfrm>
-            <a:off x="462175" y="1782325"/>
-            <a:ext cx="5447400" cy="2394000"/>
-          </a:xfrm>
-          <a:prstGeom prst="rect">
-            <a:avLst/>
-          </a:prstGeom>
-          <a:noFill/>
-          <a:ln>
-            <a:noFill/>
-          </a:ln>
-        </p:spPr>
-        <p:txBody>
-          <a:bodyPr spcFirstLastPara="1" wrap="square" lIns="0" tIns="12050" rIns="0" bIns="0" anchor="t" anchorCtr="0">
-            <a:spAutoFit/>
-          </a:bodyPr>
-          <a:lstStyle/>
-          <a:p>
-            <a:pPr marL="269875" lvl="0" indent="-184150" algn="l" rtl="0">
-              <a:lnSpc>
-                <a:spcPct val="115000"/>
-              </a:lnSpc>
-              <a:spcBef>
-                <a:spcPts val="1200"/>
-              </a:spcBef>
-              <a:spcAft>
-                <a:spcPts val="0"/>
-              </a:spcAft>
-              <a:buClr>
-                <a:schemeClr val="lt1"/>
-              </a:buClr>
-              <a:buSzPts val="1400"/>
-              <a:buAutoNum type="arabicPeriod"/>
-            </a:pPr>
             <a:r>
-              <a:rPr lang="en-US" sz="1700">
-                <a:solidFill>
-                  <a:schemeClr val="lt1"/>
-                </a:solidFill>
-                <a:latin typeface="Times New Roman" panose="02020603050405020304"/>
-                <a:ea typeface="Times New Roman" panose="02020603050405020304"/>
-                <a:cs typeface="Times New Roman" panose="02020603050405020304"/>
-                <a:sym typeface="Times New Roman" panose="02020603050405020304"/>
-              </a:rPr>
-              <a:t>Основной источник информации – Атлас 2021</a:t>
+              <a:rPr lang="ru-RU" sz="4500"/>
+              <a:t>Метрика на лидерборде</a:t>
             </a:r>
-            <a:endParaRPr sz="1700">
-              <a:solidFill>
-                <a:schemeClr val="lt1"/>
-              </a:solidFill>
-              <a:latin typeface="Times New Roman" panose="02020603050405020304"/>
-              <a:ea typeface="Times New Roman" panose="02020603050405020304"/>
-              <a:cs typeface="Times New Roman" panose="02020603050405020304"/>
-              <a:sym typeface="Times New Roman" panose="02020603050405020304"/>
-            </a:endParaRPr>
-          </a:p>
-          <a:p>
-            <a:pPr marL="457200" lvl="0" indent="0" algn="l" rtl="0">
-              <a:lnSpc>
-                <a:spcPct val="115000"/>
-              </a:lnSpc>
-              <a:spcBef>
-                <a:spcPts val="1200"/>
-              </a:spcBef>
-              <a:spcAft>
-                <a:spcPts val="0"/>
-              </a:spcAft>
-              <a:buNone/>
-            </a:pPr>
-            <a:endParaRPr sz="1700">
-              <a:solidFill>
-                <a:schemeClr val="lt1"/>
-              </a:solidFill>
-              <a:latin typeface="Times New Roman" panose="02020603050405020304"/>
-              <a:ea typeface="Times New Roman" panose="02020603050405020304"/>
-              <a:cs typeface="Times New Roman" panose="02020603050405020304"/>
-              <a:sym typeface="Times New Roman" panose="02020603050405020304"/>
-            </a:endParaRPr>
-          </a:p>
-          <a:p>
-            <a:pPr marL="269875" lvl="0" indent="-184150" algn="l" rtl="0">
-              <a:lnSpc>
-                <a:spcPct val="115000"/>
-              </a:lnSpc>
-              <a:spcBef>
-                <a:spcPts val="1200"/>
-              </a:spcBef>
-              <a:spcAft>
-                <a:spcPts val="0"/>
-              </a:spcAft>
-              <a:buClr>
-                <a:schemeClr val="lt1"/>
-              </a:buClr>
-              <a:buSzPts val="1400"/>
-              <a:buFont typeface="Times New Roman" panose="02020603050405020304"/>
-              <a:buAutoNum type="arabicPeriod"/>
-            </a:pPr>
-            <a:r>
-              <a:rPr lang="en-US" sz="1700">
-                <a:solidFill>
-                  <a:schemeClr val="lt1"/>
-                </a:solidFill>
-                <a:latin typeface="Times New Roman" panose="02020603050405020304"/>
-                <a:ea typeface="Times New Roman" panose="02020603050405020304"/>
-                <a:cs typeface="Times New Roman" panose="02020603050405020304"/>
-                <a:sym typeface="Times New Roman" panose="02020603050405020304"/>
-              </a:rPr>
-              <a:t>Дикорастущие лекарственные растения СССР</a:t>
-            </a:r>
-            <a:endParaRPr sz="1700">
-              <a:solidFill>
-                <a:schemeClr val="lt1"/>
-              </a:solidFill>
-              <a:latin typeface="Times New Roman" panose="02020603050405020304"/>
-              <a:ea typeface="Times New Roman" panose="02020603050405020304"/>
-              <a:cs typeface="Times New Roman" panose="02020603050405020304"/>
-              <a:sym typeface="Times New Roman" panose="02020603050405020304"/>
-            </a:endParaRPr>
-          </a:p>
-          <a:p>
-            <a:pPr marL="457200" lvl="0" indent="0" algn="l" rtl="0">
-              <a:lnSpc>
-                <a:spcPct val="115000"/>
-              </a:lnSpc>
-              <a:spcBef>
-                <a:spcPts val="1200"/>
-              </a:spcBef>
-              <a:spcAft>
-                <a:spcPts val="0"/>
-              </a:spcAft>
-              <a:buNone/>
-            </a:pPr>
-            <a:endParaRPr sz="1700">
-              <a:solidFill>
-                <a:schemeClr val="lt1"/>
-              </a:solidFill>
-              <a:latin typeface="Times New Roman" panose="02020603050405020304"/>
-              <a:ea typeface="Times New Roman" panose="02020603050405020304"/>
-              <a:cs typeface="Times New Roman" panose="02020603050405020304"/>
-              <a:sym typeface="Times New Roman" panose="02020603050405020304"/>
-            </a:endParaRPr>
-          </a:p>
-          <a:p>
-            <a:pPr marL="269875" lvl="0" indent="-184150" algn="l" rtl="0">
-              <a:lnSpc>
-                <a:spcPct val="115000"/>
-              </a:lnSpc>
-              <a:spcBef>
-                <a:spcPts val="1200"/>
-              </a:spcBef>
-              <a:spcAft>
-                <a:spcPts val="0"/>
-              </a:spcAft>
-              <a:buClr>
-                <a:schemeClr val="lt1"/>
-              </a:buClr>
-              <a:buSzPts val="1400"/>
-              <a:buFont typeface="Times New Roman" panose="02020603050405020304"/>
-              <a:buAutoNum type="arabicPeriod"/>
-            </a:pPr>
-            <a:r>
-              <a:rPr lang="en-US" sz="1700">
-                <a:solidFill>
-                  <a:schemeClr val="lt1"/>
-                </a:solidFill>
-                <a:latin typeface="Times New Roman" panose="02020603050405020304"/>
-                <a:ea typeface="Times New Roman" panose="02020603050405020304"/>
-                <a:cs typeface="Times New Roman" panose="02020603050405020304"/>
-                <a:sym typeface="Times New Roman" panose="02020603050405020304"/>
-              </a:rPr>
-              <a:t>Лекарственные и эфирномасличные растения Маланкина Е, Цицилин А</a:t>
-            </a:r>
-            <a:endParaRPr sz="2000" b="1">
-              <a:solidFill>
-                <a:schemeClr val="lt1"/>
-              </a:solidFill>
-              <a:latin typeface="Calibri" panose="020F0502020204030204"/>
-              <a:ea typeface="Calibri" panose="020F0502020204030204"/>
-              <a:cs typeface="Calibri" panose="020F0502020204030204"/>
-              <a:sym typeface="Calibri" panose="020F0502020204030204"/>
-            </a:endParaRPr>
+            <a:endParaRPr lang="ru-RU" sz="4500"/>
           </a:p>
         </p:txBody>
       </p:sp>
@@ -19736,22 +17721,175 @@
           </a:p>
         </p:txBody>
       </p:sp>
-      <p:pic>
-        <p:nvPicPr>
-          <p:cNvPr id="267" name="Google Shape;267;g247f382fd86_0_76"/>
-          <p:cNvPicPr preferRelativeResize="0"/>
+      <p:sp>
+        <p:nvSpPr>
+          <p:cNvPr id="190" name="Google Shape;190;p8"/>
+          <p:cNvSpPr/>
           <p:nvPr/>
-        </p:nvPicPr>
-        <p:blipFill>
-          <a:blip r:embed="rId5"/>
-          <a:stretch>
-            <a:fillRect/>
-          </a:stretch>
-        </p:blipFill>
-        <p:spPr>
-          <a:xfrm rot="-875635">
-            <a:off x="5577563" y="507737"/>
-            <a:ext cx="2634425" cy="3723976"/>
+        </p:nvSpPr>
+        <p:spPr>
+          <a:xfrm>
+            <a:off x="3685350" y="1996700"/>
+            <a:ext cx="4393914" cy="2864453"/>
+          </a:xfrm>
+          <a:custGeom>
+            <a:avLst/>
+            <a:gdLst/>
+            <a:ahLst/>
+            <a:cxnLst/>
+            <a:rect l="l" t="t" r="r" b="b"/>
+            <a:pathLst>
+              <a:path w="3473450" h="2246630" extrusionOk="0">
+                <a:moveTo>
+                  <a:pt x="3241547" y="0"/>
+                </a:moveTo>
+                <a:lnTo>
+                  <a:pt x="231647" y="0"/>
+                </a:lnTo>
+                <a:lnTo>
+                  <a:pt x="184976" y="4708"/>
+                </a:lnTo>
+                <a:lnTo>
+                  <a:pt x="141499" y="18210"/>
+                </a:lnTo>
+                <a:lnTo>
+                  <a:pt x="102151" y="39574"/>
+                </a:lnTo>
+                <a:lnTo>
+                  <a:pt x="67865" y="67865"/>
+                </a:lnTo>
+                <a:lnTo>
+                  <a:pt x="39574" y="102151"/>
+                </a:lnTo>
+                <a:lnTo>
+                  <a:pt x="18210" y="141499"/>
+                </a:lnTo>
+                <a:lnTo>
+                  <a:pt x="4708" y="184976"/>
+                </a:lnTo>
+                <a:lnTo>
+                  <a:pt x="0" y="231647"/>
+                </a:lnTo>
+                <a:lnTo>
+                  <a:pt x="0" y="2014727"/>
+                </a:lnTo>
+                <a:lnTo>
+                  <a:pt x="4708" y="2061399"/>
+                </a:lnTo>
+                <a:lnTo>
+                  <a:pt x="18210" y="2104876"/>
+                </a:lnTo>
+                <a:lnTo>
+                  <a:pt x="39574" y="2144224"/>
+                </a:lnTo>
+                <a:lnTo>
+                  <a:pt x="67865" y="2178510"/>
+                </a:lnTo>
+                <a:lnTo>
+                  <a:pt x="102151" y="2206801"/>
+                </a:lnTo>
+                <a:lnTo>
+                  <a:pt x="141499" y="2228165"/>
+                </a:lnTo>
+                <a:lnTo>
+                  <a:pt x="184976" y="2241667"/>
+                </a:lnTo>
+                <a:lnTo>
+                  <a:pt x="231647" y="2246376"/>
+                </a:lnTo>
+                <a:lnTo>
+                  <a:pt x="3241547" y="2246376"/>
+                </a:lnTo>
+                <a:lnTo>
+                  <a:pt x="3288219" y="2241667"/>
+                </a:lnTo>
+                <a:lnTo>
+                  <a:pt x="3331696" y="2228165"/>
+                </a:lnTo>
+                <a:lnTo>
+                  <a:pt x="3371044" y="2206801"/>
+                </a:lnTo>
+                <a:lnTo>
+                  <a:pt x="3405330" y="2178510"/>
+                </a:lnTo>
+                <a:lnTo>
+                  <a:pt x="3433621" y="2144224"/>
+                </a:lnTo>
+                <a:lnTo>
+                  <a:pt x="3454985" y="2104876"/>
+                </a:lnTo>
+                <a:lnTo>
+                  <a:pt x="3468487" y="2061399"/>
+                </a:lnTo>
+                <a:lnTo>
+                  <a:pt x="3473195" y="2014727"/>
+                </a:lnTo>
+                <a:lnTo>
+                  <a:pt x="3473195" y="231647"/>
+                </a:lnTo>
+                <a:lnTo>
+                  <a:pt x="3468487" y="184976"/>
+                </a:lnTo>
+                <a:lnTo>
+                  <a:pt x="3454985" y="141499"/>
+                </a:lnTo>
+                <a:lnTo>
+                  <a:pt x="3433621" y="102151"/>
+                </a:lnTo>
+                <a:lnTo>
+                  <a:pt x="3405330" y="67865"/>
+                </a:lnTo>
+                <a:lnTo>
+                  <a:pt x="3371044" y="39574"/>
+                </a:lnTo>
+                <a:lnTo>
+                  <a:pt x="3331696" y="18210"/>
+                </a:lnTo>
+                <a:lnTo>
+                  <a:pt x="3288219" y="4708"/>
+                </a:lnTo>
+                <a:lnTo>
+                  <a:pt x="3241547" y="0"/>
+                </a:lnTo>
+                <a:close/>
+              </a:path>
+            </a:pathLst>
+          </a:custGeom>
+          <a:solidFill>
+            <a:srgbClr val="F1F1F1"/>
+          </a:solidFill>
+          <a:ln>
+            <a:noFill/>
+          </a:ln>
+        </p:spPr>
+        <p:txBody>
+          <a:bodyPr spcFirstLastPara="1" wrap="square" lIns="0" tIns="0" rIns="0" bIns="0" anchor="t" anchorCtr="0">
+            <a:noAutofit/>
+          </a:bodyPr>
+          <a:p>
+            <a:pPr marL="0" marR="0" lvl="0" indent="0" algn="l" rtl="0">
+              <a:spcBef>
+                <a:spcPts val="0"/>
+              </a:spcBef>
+              <a:spcAft>
+                <a:spcPts val="0"/>
+              </a:spcAft>
+              <a:buNone/>
+            </a:pPr>
+            <a:endParaRPr sz="1800"/>
+          </a:p>
+        </p:txBody>
+      </p:sp>
+      <p:sp>
+        <p:nvSpPr>
+          <p:cNvPr id="131" name="Google Shape;131;p2"/>
+          <p:cNvSpPr txBox="1"/>
+          <p:nvPr/>
+        </p:nvSpPr>
+        <p:spPr>
+          <a:xfrm>
+            <a:off x="4352290" y="3230880"/>
+            <a:ext cx="3483610" cy="566420"/>
           </a:xfrm>
           <a:prstGeom prst="rect">
             <a:avLst/>
@@ -19761,59 +17899,32 @@
             <a:noFill/>
           </a:ln>
         </p:spPr>
-      </p:pic>
-      <p:pic>
-        <p:nvPicPr>
-          <p:cNvPr id="268" name="Google Shape;268;g247f382fd86_0_76"/>
-          <p:cNvPicPr preferRelativeResize="0"/>
-          <p:nvPr/>
-        </p:nvPicPr>
-        <p:blipFill>
-          <a:blip r:embed="rId6"/>
-          <a:stretch>
-            <a:fillRect/>
-          </a:stretch>
-        </p:blipFill>
-        <p:spPr>
-          <a:xfrm rot="1179273">
-            <a:off x="8912937" y="423577"/>
-            <a:ext cx="2672651" cy="3505000"/>
-          </a:xfrm>
-          <a:prstGeom prst="rect">
-            <a:avLst/>
-          </a:prstGeom>
-          <a:noFill/>
-          <a:ln>
-            <a:noFill/>
-          </a:ln>
-        </p:spPr>
-      </p:pic>
-      <p:pic>
-        <p:nvPicPr>
-          <p:cNvPr id="269" name="Google Shape;269;g247f382fd86_0_76"/>
-          <p:cNvPicPr preferRelativeResize="0"/>
-          <p:nvPr/>
-        </p:nvPicPr>
-        <p:blipFill>
-          <a:blip r:embed="rId7"/>
-          <a:stretch>
-            <a:fillRect/>
-          </a:stretch>
-        </p:blipFill>
-        <p:spPr>
-          <a:xfrm rot="3">
-            <a:off x="7897662" y="3326680"/>
-            <a:ext cx="1823028" cy="2762443"/>
-          </a:xfrm>
-          <a:prstGeom prst="rect">
-            <a:avLst/>
-          </a:prstGeom>
-          <a:noFill/>
-          <a:ln>
-            <a:noFill/>
-          </a:ln>
-        </p:spPr>
-      </p:pic>
+        <p:txBody>
+          <a:bodyPr spcFirstLastPara="1" wrap="square" lIns="0" tIns="12700" rIns="0" bIns="0" anchor="t" anchorCtr="0">
+            <a:spAutoFit/>
+          </a:bodyPr>
+          <a:p>
+            <a:pPr marL="12700" indent="0">
+              <a:buNone/>
+            </a:pPr>
+            <a:r>
+              <a:rPr lang="en-US" sz="3600">
+                <a:latin typeface="Calibri" panose="020F0502020204030204"/>
+                <a:ea typeface="Calibri" panose="020F0502020204030204"/>
+                <a:cs typeface="Calibri" panose="020F0502020204030204"/>
+                <a:sym typeface="Calibri" panose="020F0502020204030204"/>
+              </a:rPr>
+              <a:t>Score: 0.563674</a:t>
+            </a:r>
+            <a:endParaRPr lang="en-US" sz="3600">
+              <a:latin typeface="Calibri" panose="020F0502020204030204"/>
+              <a:ea typeface="Calibri" panose="020F0502020204030204"/>
+              <a:cs typeface="Calibri" panose="020F0502020204030204"/>
+              <a:sym typeface="Calibri" panose="020F0502020204030204"/>
+            </a:endParaRPr>
+          </a:p>
+        </p:txBody>
+      </p:sp>
     </p:spTree>
   </p:cSld>
   <p:clrMapOvr>
@@ -19827,7 +17938,7 @@
   <p:cSld>
     <p:spTree>
       <p:nvGrpSpPr>
-        <p:cNvPr id="273" name="Shape 273"/>
+        <p:cNvPr id="303" name="Shape 303"/>
         <p:cNvGrpSpPr/>
         <p:nvPr/>
       </p:nvGrpSpPr>
@@ -19839,124 +17950,23 @@
           <a:chExt cx="0" cy="0"/>
         </a:xfrm>
       </p:grpSpPr>
-      <p:sp>
-        <p:nvSpPr>
-          <p:cNvPr id="274" name="Google Shape;274;g247f382fd86_0_106"/>
-          <p:cNvSpPr/>
+      <p:pic>
+        <p:nvPicPr>
+          <p:cNvPr id="304" name="Google Shape;304;p10"/>
+          <p:cNvPicPr preferRelativeResize="0"/>
           <p:nvPr/>
-        </p:nvSpPr>
-        <p:spPr>
-          <a:xfrm>
-            <a:off x="0" y="0"/>
-            <a:ext cx="6309312" cy="6858000"/>
-          </a:xfrm>
-          <a:custGeom>
-            <a:avLst/>
-            <a:gdLst/>
-            <a:ahLst/>
-            <a:cxnLst/>
-            <a:rect l="l" t="t" r="r" b="b"/>
-            <a:pathLst>
-              <a:path w="6140450" h="6858000" extrusionOk="0">
-                <a:moveTo>
-                  <a:pt x="6140196" y="0"/>
-                </a:moveTo>
-                <a:lnTo>
-                  <a:pt x="0" y="0"/>
-                </a:lnTo>
-                <a:lnTo>
-                  <a:pt x="0" y="6857996"/>
-                </a:lnTo>
-                <a:lnTo>
-                  <a:pt x="5822831" y="6857996"/>
-                </a:lnTo>
-                <a:lnTo>
-                  <a:pt x="5854799" y="6842088"/>
-                </a:lnTo>
-                <a:lnTo>
-                  <a:pt x="5893056" y="6818979"/>
-                </a:lnTo>
-                <a:lnTo>
-                  <a:pt x="5929200" y="6792933"/>
-                </a:lnTo>
-                <a:lnTo>
-                  <a:pt x="5963068" y="6764115"/>
-                </a:lnTo>
-                <a:lnTo>
-                  <a:pt x="5994493" y="6732689"/>
-                </a:lnTo>
-                <a:lnTo>
-                  <a:pt x="6023312" y="6698822"/>
-                </a:lnTo>
-                <a:lnTo>
-                  <a:pt x="6049358" y="6662679"/>
-                </a:lnTo>
-                <a:lnTo>
-                  <a:pt x="6072467" y="6624423"/>
-                </a:lnTo>
-                <a:lnTo>
-                  <a:pt x="6092474" y="6584221"/>
-                </a:lnTo>
-                <a:lnTo>
-                  <a:pt x="6109214" y="6542238"/>
-                </a:lnTo>
-                <a:lnTo>
-                  <a:pt x="6122521" y="6498638"/>
-                </a:lnTo>
-                <a:lnTo>
-                  <a:pt x="6132230" y="6453587"/>
-                </a:lnTo>
-                <a:lnTo>
-                  <a:pt x="6138177" y="6407250"/>
-                </a:lnTo>
-                <a:lnTo>
-                  <a:pt x="6140196" y="6359791"/>
-                </a:lnTo>
-                <a:lnTo>
-                  <a:pt x="6140196" y="0"/>
-                </a:lnTo>
-                <a:close/>
-              </a:path>
-            </a:pathLst>
-          </a:custGeom>
-          <a:solidFill>
-            <a:srgbClr val="000000"/>
-          </a:solidFill>
-          <a:ln>
-            <a:noFill/>
-          </a:ln>
-        </p:spPr>
-        <p:txBody>
-          <a:bodyPr spcFirstLastPara="1" wrap="square" lIns="0" tIns="0" rIns="0" bIns="0" anchor="t" anchorCtr="0">
-            <a:noAutofit/>
-          </a:bodyPr>
-          <a:lstStyle/>
-          <a:p>
-            <a:pPr marL="0" marR="0" lvl="0" indent="0" algn="l" rtl="0">
-              <a:spcBef>
-                <a:spcPts val="0"/>
-              </a:spcBef>
-              <a:spcAft>
-                <a:spcPts val="0"/>
-              </a:spcAft>
-              <a:buNone/>
-            </a:pPr>
-            <a:endParaRPr sz="1800"/>
-          </a:p>
-        </p:txBody>
-      </p:sp>
-      <p:sp>
-        <p:nvSpPr>
-          <p:cNvPr id="275" name="Google Shape;275;g247f382fd86_0_106"/>
-          <p:cNvSpPr txBox="1"/>
-          <p:nvPr>
-            <p:ph type="title"/>
-          </p:nvPr>
-        </p:nvSpPr>
-        <p:spPr>
-          <a:xfrm>
-            <a:off x="309450" y="77850"/>
-            <a:ext cx="5859900" cy="719400"/>
+        </p:nvPicPr>
+        <p:blipFill rotWithShape="1">
+          <a:blip r:embed="rId1"/>
+          <a:srcRect/>
+          <a:stretch>
+            <a:fillRect/>
+          </a:stretch>
+        </p:blipFill>
+        <p:spPr>
+          <a:xfrm>
+            <a:off x="8528304" y="5666232"/>
+            <a:ext cx="734568" cy="804672"/>
           </a:xfrm>
           <a:prstGeom prst="rect">
             <a:avLst/>
@@ -19966,15 +17976,295 @@
             <a:noFill/>
           </a:ln>
         </p:spPr>
+      </p:pic>
+      <p:pic>
+        <p:nvPicPr>
+          <p:cNvPr id="305" name="Google Shape;305;p10"/>
+          <p:cNvPicPr preferRelativeResize="0"/>
+          <p:nvPr/>
+        </p:nvPicPr>
+        <p:blipFill rotWithShape="1">
+          <a:blip r:embed="rId2"/>
+          <a:srcRect/>
+          <a:stretch>
+            <a:fillRect/>
+          </a:stretch>
+        </p:blipFill>
+        <p:spPr>
+          <a:xfrm>
+            <a:off x="4538104" y="258098"/>
+            <a:ext cx="3215640" cy="1944624"/>
+          </a:xfrm>
+          <a:prstGeom prst="rect">
+            <a:avLst/>
+          </a:prstGeom>
+          <a:noFill/>
+          <a:ln>
+            <a:noFill/>
+          </a:ln>
+        </p:spPr>
+      </p:pic>
+      <p:pic>
+        <p:nvPicPr>
+          <p:cNvPr id="306" name="Google Shape;306;p10"/>
+          <p:cNvPicPr preferRelativeResize="0"/>
+          <p:nvPr/>
+        </p:nvPicPr>
+        <p:blipFill rotWithShape="1">
+          <a:blip r:embed="rId1"/>
+          <a:srcRect/>
+          <a:stretch>
+            <a:fillRect/>
+          </a:stretch>
+        </p:blipFill>
+        <p:spPr>
+          <a:xfrm>
+            <a:off x="2813304" y="5666232"/>
+            <a:ext cx="736092" cy="804672"/>
+          </a:xfrm>
+          <a:prstGeom prst="rect">
+            <a:avLst/>
+          </a:prstGeom>
+          <a:noFill/>
+          <a:ln>
+            <a:noFill/>
+          </a:ln>
+        </p:spPr>
+      </p:pic>
+      <p:pic>
+        <p:nvPicPr>
+          <p:cNvPr id="307" name="Google Shape;307;p10"/>
+          <p:cNvPicPr preferRelativeResize="0"/>
+          <p:nvPr/>
+        </p:nvPicPr>
+        <p:blipFill rotWithShape="1">
+          <a:blip r:embed="rId1"/>
+          <a:srcRect/>
+          <a:stretch>
+            <a:fillRect/>
+          </a:stretch>
+        </p:blipFill>
+        <p:spPr>
+          <a:xfrm>
+            <a:off x="1865376" y="5666232"/>
+            <a:ext cx="734568" cy="804672"/>
+          </a:xfrm>
+          <a:prstGeom prst="rect">
+            <a:avLst/>
+          </a:prstGeom>
+          <a:noFill/>
+          <a:ln>
+            <a:noFill/>
+          </a:ln>
+        </p:spPr>
+      </p:pic>
+      <p:pic>
+        <p:nvPicPr>
+          <p:cNvPr id="308" name="Google Shape;308;p10"/>
+          <p:cNvPicPr preferRelativeResize="0"/>
+          <p:nvPr/>
+        </p:nvPicPr>
+        <p:blipFill rotWithShape="1">
+          <a:blip r:embed="rId3"/>
+          <a:srcRect/>
+          <a:stretch>
+            <a:fillRect/>
+          </a:stretch>
+        </p:blipFill>
+        <p:spPr>
+          <a:xfrm>
+            <a:off x="9473183" y="5745479"/>
+            <a:ext cx="539496" cy="556260"/>
+          </a:xfrm>
+          <a:prstGeom prst="rect">
+            <a:avLst/>
+          </a:prstGeom>
+          <a:noFill/>
+          <a:ln>
+            <a:noFill/>
+          </a:ln>
+        </p:spPr>
+      </p:pic>
+      <p:pic>
+        <p:nvPicPr>
+          <p:cNvPr id="309" name="Google Shape;309;p10"/>
+          <p:cNvPicPr preferRelativeResize="0"/>
+          <p:nvPr/>
+        </p:nvPicPr>
+        <p:blipFill rotWithShape="1">
+          <a:blip r:embed="rId3"/>
+          <a:srcRect/>
+          <a:stretch>
+            <a:fillRect/>
+          </a:stretch>
+        </p:blipFill>
+        <p:spPr>
+          <a:xfrm>
+            <a:off x="10143743" y="5745479"/>
+            <a:ext cx="539496" cy="556260"/>
+          </a:xfrm>
+          <a:prstGeom prst="rect">
+            <a:avLst/>
+          </a:prstGeom>
+          <a:noFill/>
+          <a:ln>
+            <a:noFill/>
+          </a:ln>
+        </p:spPr>
+      </p:pic>
+      <p:pic>
+        <p:nvPicPr>
+          <p:cNvPr id="310" name="Google Shape;310;p10"/>
+          <p:cNvPicPr preferRelativeResize="0"/>
+          <p:nvPr/>
+        </p:nvPicPr>
+        <p:blipFill rotWithShape="1">
+          <a:blip r:embed="rId3"/>
+          <a:srcRect/>
+          <a:stretch>
+            <a:fillRect/>
+          </a:stretch>
+        </p:blipFill>
+        <p:spPr>
+          <a:xfrm>
+            <a:off x="1130808" y="5745479"/>
+            <a:ext cx="539496" cy="556260"/>
+          </a:xfrm>
+          <a:prstGeom prst="rect">
+            <a:avLst/>
+          </a:prstGeom>
+          <a:noFill/>
+          <a:ln>
+            <a:noFill/>
+          </a:ln>
+        </p:spPr>
+      </p:pic>
+      <p:pic>
+        <p:nvPicPr>
+          <p:cNvPr id="311" name="Google Shape;311;p10"/>
+          <p:cNvPicPr preferRelativeResize="0"/>
+          <p:nvPr/>
+        </p:nvPicPr>
+        <p:blipFill rotWithShape="1">
+          <a:blip r:embed="rId4"/>
+          <a:srcRect/>
+          <a:stretch>
+            <a:fillRect/>
+          </a:stretch>
+        </p:blipFill>
+        <p:spPr>
+          <a:xfrm>
+            <a:off x="6376415" y="5673852"/>
+            <a:ext cx="1751076" cy="769620"/>
+          </a:xfrm>
+          <a:prstGeom prst="rect">
+            <a:avLst/>
+          </a:prstGeom>
+          <a:noFill/>
+          <a:ln>
+            <a:noFill/>
+          </a:ln>
+        </p:spPr>
+      </p:pic>
+      <p:pic>
+        <p:nvPicPr>
+          <p:cNvPr id="312" name="Google Shape;312;p10"/>
+          <p:cNvPicPr preferRelativeResize="0"/>
+          <p:nvPr/>
+        </p:nvPicPr>
+        <p:blipFill rotWithShape="1">
+          <a:blip r:embed="rId5"/>
+          <a:srcRect/>
+          <a:stretch>
+            <a:fillRect/>
+          </a:stretch>
+        </p:blipFill>
+        <p:spPr>
+          <a:xfrm>
+            <a:off x="4114800" y="5672328"/>
+            <a:ext cx="2033016" cy="719328"/>
+          </a:xfrm>
+          <a:prstGeom prst="rect">
+            <a:avLst/>
+          </a:prstGeom>
+          <a:noFill/>
+          <a:ln>
+            <a:noFill/>
+          </a:ln>
+        </p:spPr>
+      </p:pic>
+      <p:sp>
+        <p:nvSpPr>
+          <p:cNvPr id="313" name="Google Shape;313;p10"/>
+          <p:cNvSpPr txBox="1"/>
+          <p:nvPr>
+            <p:ph type="title" idx="4294967295"/>
+          </p:nvPr>
+        </p:nvSpPr>
+        <p:spPr>
+          <a:xfrm>
+            <a:off x="1537300" y="2955100"/>
+            <a:ext cx="9323700" cy="2089785"/>
+          </a:xfrm>
+          <a:prstGeom prst="rect">
+            <a:avLst/>
+          </a:prstGeom>
+          <a:noFill/>
+          <a:ln>
+            <a:noFill/>
+          </a:ln>
+        </p:spPr>
         <p:txBody>
-          <a:bodyPr spcFirstLastPara="1" wrap="square" lIns="0" tIns="236200" rIns="0" bIns="0" anchor="t" anchorCtr="0">
+          <a:bodyPr spcFirstLastPara="1" wrap="square" lIns="0" tIns="12700" rIns="0" bIns="0" anchor="t" anchorCtr="0">
             <a:spAutoFit/>
           </a:bodyPr>
           <a:lstStyle/>
           <a:p>
-            <a:pPr marL="12700" marR="5080" lvl="0" indent="0" algn="l" rtl="0">
+            <a:pPr marL="12700" lvl="0" indent="0" algn="ctr" rtl="0">
               <a:lnSpc>
-                <a:spcPct val="69000"/>
+                <a:spcPct val="100000"/>
+              </a:lnSpc>
+              <a:spcBef>
+                <a:spcPts val="0"/>
+              </a:spcBef>
+              <a:spcAft>
+                <a:spcPts val="0"/>
+              </a:spcAft>
+              <a:buNone/>
+            </a:pPr>
+            <a:r>
+              <a:rPr lang="en-US" sz="4500">
+                <a:solidFill>
+                  <a:schemeClr val="lt1"/>
+                </a:solidFill>
+              </a:rPr>
+              <a:t>СПАСИБО ЗА ВНИМАНИЕ!</a:t>
+            </a:r>
+            <a:endParaRPr sz="4500">
+              <a:solidFill>
+                <a:schemeClr val="lt1"/>
+              </a:solidFill>
+            </a:endParaRPr>
+          </a:p>
+          <a:p>
+            <a:pPr marL="12700" lvl="0" indent="0" algn="ctr" rtl="0">
+              <a:lnSpc>
+                <a:spcPct val="100000"/>
+              </a:lnSpc>
+              <a:spcBef>
+                <a:spcPts val="0"/>
+              </a:spcBef>
+              <a:spcAft>
+                <a:spcPts val="0"/>
+              </a:spcAft>
+              <a:buNone/>
+            </a:pPr>
+            <a:endParaRPr sz="4500"/>
+          </a:p>
+          <a:p>
+            <a:pPr marL="12700" lvl="0" indent="0" algn="ctr" rtl="0">
+              <a:lnSpc>
+                <a:spcPct val="100000"/>
               </a:lnSpc>
               <a:spcBef>
                 <a:spcPts val="0"/>
@@ -19986,1236 +18276,20 @@
             </a:pPr>
             <a:r>
               <a:rPr lang="en-US" sz="4500"/>
-              <a:t>02 САЙТЫ</a:t>
+              <a:t>DS</a:t>
             </a:r>
-            <a:endParaRPr sz="4500"/>
+            <a:r>
+              <a:rPr lang="ru-RU" altLang="en-US" sz="4500"/>
+              <a:t>_</a:t>
+            </a:r>
+            <a:r>
+              <a:rPr lang="en-US" altLang="en-US" sz="4500"/>
+              <a:t>KDS</a:t>
+            </a:r>
+            <a:endParaRPr lang="en-US" altLang="en-US" sz="4500"/>
           </a:p>
         </p:txBody>
       </p:sp>
-      <p:sp>
-        <p:nvSpPr>
-          <p:cNvPr id="276" name="Google Shape;276;g247f382fd86_0_106"/>
-          <p:cNvSpPr txBox="1"/>
-          <p:nvPr/>
-        </p:nvSpPr>
-        <p:spPr>
-          <a:xfrm>
-            <a:off x="462175" y="1172725"/>
-            <a:ext cx="5447400" cy="4795500"/>
-          </a:xfrm>
-          <a:prstGeom prst="rect">
-            <a:avLst/>
-          </a:prstGeom>
-          <a:noFill/>
-          <a:ln>
-            <a:noFill/>
-          </a:ln>
-        </p:spPr>
-        <p:txBody>
-          <a:bodyPr spcFirstLastPara="1" wrap="square" lIns="0" tIns="12050" rIns="0" bIns="0" anchor="t" anchorCtr="0">
-            <a:spAutoFit/>
-          </a:bodyPr>
-          <a:lstStyle/>
-          <a:p>
-            <a:pPr marL="12700" lvl="0" indent="0" algn="l" rtl="0">
-              <a:spcBef>
-                <a:spcPts val="0"/>
-              </a:spcBef>
-              <a:spcAft>
-                <a:spcPts val="0"/>
-              </a:spcAft>
-              <a:buNone/>
-            </a:pPr>
-            <a:endParaRPr sz="1700">
-              <a:solidFill>
-                <a:schemeClr val="lt1"/>
-              </a:solidFill>
-              <a:latin typeface="Times New Roman" panose="02020603050405020304"/>
-              <a:ea typeface="Times New Roman" panose="02020603050405020304"/>
-              <a:cs typeface="Times New Roman" panose="02020603050405020304"/>
-              <a:sym typeface="Times New Roman" panose="02020603050405020304"/>
-            </a:endParaRPr>
-          </a:p>
-          <a:p>
-            <a:pPr marL="457200" lvl="0" indent="-336550" algn="l" rtl="0">
-              <a:spcBef>
-                <a:spcPts val="0"/>
-              </a:spcBef>
-              <a:spcAft>
-                <a:spcPts val="0"/>
-              </a:spcAft>
-              <a:buClr>
-                <a:schemeClr val="lt1"/>
-              </a:buClr>
-              <a:buSzPts val="1700"/>
-              <a:buFont typeface="Times New Roman" panose="02020603050405020304"/>
-              <a:buAutoNum type="arabicPeriod"/>
-            </a:pPr>
-            <a:r>
-              <a:rPr lang="en-US" sz="1700">
-                <a:solidFill>
-                  <a:schemeClr val="lt1"/>
-                </a:solidFill>
-                <a:latin typeface="Times New Roman" panose="02020603050405020304"/>
-                <a:ea typeface="Times New Roman" panose="02020603050405020304"/>
-                <a:cs typeface="Times New Roman" panose="02020603050405020304"/>
-                <a:sym typeface="Times New Roman" panose="02020603050405020304"/>
-              </a:rPr>
-              <a:t>Долгота дня и кол-во световых дней: </a:t>
-            </a:r>
-            <a:endParaRPr sz="1700">
-              <a:solidFill>
-                <a:schemeClr val="lt1"/>
-              </a:solidFill>
-              <a:latin typeface="Times New Roman" panose="02020603050405020304"/>
-              <a:ea typeface="Times New Roman" panose="02020603050405020304"/>
-              <a:cs typeface="Times New Roman" panose="02020603050405020304"/>
-              <a:sym typeface="Times New Roman" panose="02020603050405020304"/>
-            </a:endParaRPr>
-          </a:p>
-          <a:p>
-            <a:pPr marL="457200" lvl="0" indent="0" algn="l" rtl="0">
-              <a:spcBef>
-                <a:spcPts val="0"/>
-              </a:spcBef>
-              <a:spcAft>
-                <a:spcPts val="0"/>
-              </a:spcAft>
-              <a:buNone/>
-            </a:pPr>
-            <a:endParaRPr sz="1200">
-              <a:solidFill>
-                <a:schemeClr val="lt1"/>
-              </a:solidFill>
-              <a:latin typeface="Times New Roman" panose="02020603050405020304"/>
-              <a:ea typeface="Times New Roman" panose="02020603050405020304"/>
-              <a:cs typeface="Times New Roman" panose="02020603050405020304"/>
-              <a:sym typeface="Times New Roman" panose="02020603050405020304"/>
-            </a:endParaRPr>
-          </a:p>
-          <a:p>
-            <a:pPr marL="457200" lvl="0" indent="0" algn="l" rtl="0">
-              <a:spcBef>
-                <a:spcPts val="0"/>
-              </a:spcBef>
-              <a:spcAft>
-                <a:spcPts val="0"/>
-              </a:spcAft>
-              <a:buNone/>
-            </a:pPr>
-            <a:r>
-              <a:rPr lang="en-US" sz="1700">
-                <a:solidFill>
-                  <a:schemeClr val="lt1"/>
-                </a:solidFill>
-                <a:latin typeface="Times New Roman" panose="02020603050405020304"/>
-                <a:ea typeface="Times New Roman" panose="02020603050405020304"/>
-                <a:cs typeface="Times New Roman" panose="02020603050405020304"/>
-                <a:sym typeface="Times New Roman" panose="02020603050405020304"/>
-              </a:rPr>
-              <a:t>https://dateandtime.info/</a:t>
-            </a:r>
-            <a:endParaRPr sz="1700">
-              <a:solidFill>
-                <a:schemeClr val="lt1"/>
-              </a:solidFill>
-              <a:latin typeface="Times New Roman" panose="02020603050405020304"/>
-              <a:ea typeface="Times New Roman" panose="02020603050405020304"/>
-              <a:cs typeface="Times New Roman" panose="02020603050405020304"/>
-              <a:sym typeface="Times New Roman" panose="02020603050405020304"/>
-            </a:endParaRPr>
-          </a:p>
-          <a:p>
-            <a:pPr marL="12700" lvl="0" indent="0" algn="l" rtl="0">
-              <a:spcBef>
-                <a:spcPts val="0"/>
-              </a:spcBef>
-              <a:spcAft>
-                <a:spcPts val="0"/>
-              </a:spcAft>
-              <a:buClr>
-                <a:schemeClr val="dk1"/>
-              </a:buClr>
-              <a:buFont typeface="Arial" panose="020B0604020202020204"/>
-              <a:buNone/>
-            </a:pPr>
-            <a:endParaRPr sz="1700">
-              <a:solidFill>
-                <a:schemeClr val="lt1"/>
-              </a:solidFill>
-              <a:latin typeface="Times New Roman" panose="02020603050405020304"/>
-              <a:ea typeface="Times New Roman" panose="02020603050405020304"/>
-              <a:cs typeface="Times New Roman" panose="02020603050405020304"/>
-              <a:sym typeface="Times New Roman" panose="02020603050405020304"/>
-            </a:endParaRPr>
-          </a:p>
-          <a:p>
-            <a:pPr marL="457200" lvl="0" indent="-336550" algn="l" rtl="0">
-              <a:lnSpc>
-                <a:spcPct val="10000"/>
-              </a:lnSpc>
-              <a:spcBef>
-                <a:spcPts val="1200"/>
-              </a:spcBef>
-              <a:spcAft>
-                <a:spcPts val="0"/>
-              </a:spcAft>
-              <a:buClr>
-                <a:schemeClr val="lt1"/>
-              </a:buClr>
-              <a:buSzPts val="1700"/>
-              <a:buFont typeface="Times New Roman" panose="02020603050405020304"/>
-              <a:buAutoNum type="arabicPeriod"/>
-            </a:pPr>
-            <a:r>
-              <a:rPr lang="en-US" sz="1700">
-                <a:solidFill>
-                  <a:schemeClr val="lt1"/>
-                </a:solidFill>
-                <a:latin typeface="Times New Roman" panose="02020603050405020304"/>
-                <a:ea typeface="Times New Roman" panose="02020603050405020304"/>
-                <a:cs typeface="Times New Roman" panose="02020603050405020304"/>
-                <a:sym typeface="Times New Roman" panose="02020603050405020304"/>
-              </a:rPr>
-              <a:t>Красная книга: </a:t>
-            </a:r>
-            <a:endParaRPr sz="1700">
-              <a:solidFill>
-                <a:schemeClr val="lt1"/>
-              </a:solidFill>
-              <a:latin typeface="Times New Roman" panose="02020603050405020304"/>
-              <a:ea typeface="Times New Roman" panose="02020603050405020304"/>
-              <a:cs typeface="Times New Roman" panose="02020603050405020304"/>
-              <a:sym typeface="Times New Roman" panose="02020603050405020304"/>
-            </a:endParaRPr>
-          </a:p>
-          <a:p>
-            <a:pPr marL="457200" lvl="0" indent="0" algn="l" rtl="0">
-              <a:lnSpc>
-                <a:spcPct val="10000"/>
-              </a:lnSpc>
-              <a:spcBef>
-                <a:spcPts val="1200"/>
-              </a:spcBef>
-              <a:spcAft>
-                <a:spcPts val="0"/>
-              </a:spcAft>
-              <a:buNone/>
-            </a:pPr>
-            <a:endParaRPr sz="200">
-              <a:solidFill>
-                <a:schemeClr val="lt1"/>
-              </a:solidFill>
-              <a:latin typeface="Times New Roman" panose="02020603050405020304"/>
-              <a:ea typeface="Times New Roman" panose="02020603050405020304"/>
-              <a:cs typeface="Times New Roman" panose="02020603050405020304"/>
-              <a:sym typeface="Times New Roman" panose="02020603050405020304"/>
-            </a:endParaRPr>
-          </a:p>
-          <a:p>
-            <a:pPr marL="457200" lvl="0" indent="0" algn="l" rtl="0">
-              <a:lnSpc>
-                <a:spcPct val="10000"/>
-              </a:lnSpc>
-              <a:spcBef>
-                <a:spcPts val="1200"/>
-              </a:spcBef>
-              <a:spcAft>
-                <a:spcPts val="0"/>
-              </a:spcAft>
-              <a:buNone/>
-            </a:pPr>
-            <a:r>
-              <a:rPr lang="en-US" sz="1700">
-                <a:solidFill>
-                  <a:schemeClr val="lt1"/>
-                </a:solidFill>
-                <a:latin typeface="Times New Roman" panose="02020603050405020304"/>
-                <a:ea typeface="Times New Roman" panose="02020603050405020304"/>
-                <a:cs typeface="Times New Roman" panose="02020603050405020304"/>
-                <a:sym typeface="Times New Roman" panose="02020603050405020304"/>
-              </a:rPr>
-              <a:t>https://www.plantarium.ru/</a:t>
-            </a:r>
-            <a:endParaRPr sz="1700">
-              <a:solidFill>
-                <a:schemeClr val="lt1"/>
-              </a:solidFill>
-              <a:latin typeface="Times New Roman" panose="02020603050405020304"/>
-              <a:ea typeface="Times New Roman" panose="02020603050405020304"/>
-              <a:cs typeface="Times New Roman" panose="02020603050405020304"/>
-              <a:sym typeface="Times New Roman" panose="02020603050405020304"/>
-            </a:endParaRPr>
-          </a:p>
-          <a:p>
-            <a:pPr marL="457200" lvl="0" indent="0" algn="l" rtl="0">
-              <a:lnSpc>
-                <a:spcPct val="10000"/>
-              </a:lnSpc>
-              <a:spcBef>
-                <a:spcPts val="1200"/>
-              </a:spcBef>
-              <a:spcAft>
-                <a:spcPts val="0"/>
-              </a:spcAft>
-              <a:buNone/>
-            </a:pPr>
-            <a:endParaRPr sz="200">
-              <a:solidFill>
-                <a:schemeClr val="lt1"/>
-              </a:solidFill>
-              <a:latin typeface="Times New Roman" panose="02020603050405020304"/>
-              <a:ea typeface="Times New Roman" panose="02020603050405020304"/>
-              <a:cs typeface="Times New Roman" panose="02020603050405020304"/>
-              <a:sym typeface="Times New Roman" panose="02020603050405020304"/>
-            </a:endParaRPr>
-          </a:p>
-          <a:p>
-            <a:pPr marL="0" lvl="0" indent="0" algn="l" rtl="0">
-              <a:lnSpc>
-                <a:spcPct val="10000"/>
-              </a:lnSpc>
-              <a:spcBef>
-                <a:spcPts val="1200"/>
-              </a:spcBef>
-              <a:spcAft>
-                <a:spcPts val="0"/>
-              </a:spcAft>
-              <a:buClr>
-                <a:schemeClr val="dk1"/>
-              </a:buClr>
-              <a:buSzPts val="1100"/>
-              <a:buFont typeface="Arial" panose="020B0604020202020204"/>
-              <a:buNone/>
-            </a:pPr>
-            <a:endParaRPr sz="900">
-              <a:solidFill>
-                <a:schemeClr val="lt1"/>
-              </a:solidFill>
-              <a:latin typeface="Times New Roman" panose="02020603050405020304"/>
-              <a:ea typeface="Times New Roman" panose="02020603050405020304"/>
-              <a:cs typeface="Times New Roman" panose="02020603050405020304"/>
-              <a:sym typeface="Times New Roman" panose="02020603050405020304"/>
-            </a:endParaRPr>
-          </a:p>
-          <a:p>
-            <a:pPr marL="457200" lvl="0" indent="-336550" algn="l" rtl="0">
-              <a:lnSpc>
-                <a:spcPct val="10000"/>
-              </a:lnSpc>
-              <a:spcBef>
-                <a:spcPts val="1200"/>
-              </a:spcBef>
-              <a:spcAft>
-                <a:spcPts val="0"/>
-              </a:spcAft>
-              <a:buClr>
-                <a:schemeClr val="lt1"/>
-              </a:buClr>
-              <a:buSzPts val="1700"/>
-              <a:buFont typeface="Times New Roman" panose="02020603050405020304"/>
-              <a:buAutoNum type="arabicPeriod"/>
-            </a:pPr>
-            <a:r>
-              <a:rPr lang="en-US" sz="1700">
-                <a:solidFill>
-                  <a:schemeClr val="lt1"/>
-                </a:solidFill>
-                <a:latin typeface="Times New Roman" panose="02020603050405020304"/>
-                <a:ea typeface="Times New Roman" panose="02020603050405020304"/>
-                <a:cs typeface="Times New Roman" panose="02020603050405020304"/>
-                <a:sym typeface="Times New Roman" panose="02020603050405020304"/>
-              </a:rPr>
-              <a:t>Медицинские препараты:</a:t>
-            </a:r>
-            <a:endParaRPr sz="1700">
-              <a:solidFill>
-                <a:schemeClr val="lt1"/>
-              </a:solidFill>
-              <a:latin typeface="Times New Roman" panose="02020603050405020304"/>
-              <a:ea typeface="Times New Roman" panose="02020603050405020304"/>
-              <a:cs typeface="Times New Roman" panose="02020603050405020304"/>
-              <a:sym typeface="Times New Roman" panose="02020603050405020304"/>
-            </a:endParaRPr>
-          </a:p>
-          <a:p>
-            <a:pPr marL="457200" lvl="0" indent="0" algn="l" rtl="0">
-              <a:lnSpc>
-                <a:spcPct val="10000"/>
-              </a:lnSpc>
-              <a:spcBef>
-                <a:spcPts val="1200"/>
-              </a:spcBef>
-              <a:spcAft>
-                <a:spcPts val="0"/>
-              </a:spcAft>
-              <a:buNone/>
-            </a:pPr>
-            <a:endParaRPr sz="100">
-              <a:solidFill>
-                <a:schemeClr val="lt1"/>
-              </a:solidFill>
-              <a:latin typeface="Times New Roman" panose="02020603050405020304"/>
-              <a:ea typeface="Times New Roman" panose="02020603050405020304"/>
-              <a:cs typeface="Times New Roman" panose="02020603050405020304"/>
-              <a:sym typeface="Times New Roman" panose="02020603050405020304"/>
-            </a:endParaRPr>
-          </a:p>
-          <a:p>
-            <a:pPr marL="457200" lvl="0" indent="0" algn="l" rtl="0">
-              <a:lnSpc>
-                <a:spcPct val="10000"/>
-              </a:lnSpc>
-              <a:spcBef>
-                <a:spcPts val="1200"/>
-              </a:spcBef>
-              <a:spcAft>
-                <a:spcPts val="0"/>
-              </a:spcAft>
-              <a:buNone/>
-            </a:pPr>
-            <a:r>
-              <a:rPr lang="en-US" sz="1700">
-                <a:solidFill>
-                  <a:schemeClr val="lt1"/>
-                </a:solidFill>
-                <a:latin typeface="Times New Roman" panose="02020603050405020304"/>
-                <a:ea typeface="Times New Roman" panose="02020603050405020304"/>
-                <a:cs typeface="Times New Roman" panose="02020603050405020304"/>
-                <a:sym typeface="Times New Roman" panose="02020603050405020304"/>
-              </a:rPr>
-              <a:t>https://www.vidal.ru</a:t>
-            </a:r>
-            <a:endParaRPr sz="1700">
-              <a:solidFill>
-                <a:schemeClr val="lt1"/>
-              </a:solidFill>
-              <a:latin typeface="Times New Roman" panose="02020603050405020304"/>
-              <a:ea typeface="Times New Roman" panose="02020603050405020304"/>
-              <a:cs typeface="Times New Roman" panose="02020603050405020304"/>
-              <a:sym typeface="Times New Roman" panose="02020603050405020304"/>
-            </a:endParaRPr>
-          </a:p>
-          <a:p>
-            <a:pPr marL="457200" lvl="0" indent="0" algn="l" rtl="0">
-              <a:lnSpc>
-                <a:spcPct val="10000"/>
-              </a:lnSpc>
-              <a:spcBef>
-                <a:spcPts val="1200"/>
-              </a:spcBef>
-              <a:spcAft>
-                <a:spcPts val="0"/>
-              </a:spcAft>
-              <a:buNone/>
-            </a:pPr>
-            <a:endParaRPr sz="300">
-              <a:solidFill>
-                <a:schemeClr val="lt1"/>
-              </a:solidFill>
-              <a:latin typeface="Times New Roman" panose="02020603050405020304"/>
-              <a:ea typeface="Times New Roman" panose="02020603050405020304"/>
-              <a:cs typeface="Times New Roman" panose="02020603050405020304"/>
-              <a:sym typeface="Times New Roman" panose="02020603050405020304"/>
-            </a:endParaRPr>
-          </a:p>
-          <a:p>
-            <a:pPr marL="457200" lvl="0" indent="0" algn="l" rtl="0">
-              <a:lnSpc>
-                <a:spcPct val="10000"/>
-              </a:lnSpc>
-              <a:spcBef>
-                <a:spcPts val="1200"/>
-              </a:spcBef>
-              <a:spcAft>
-                <a:spcPts val="0"/>
-              </a:spcAft>
-              <a:buNone/>
-            </a:pPr>
-            <a:r>
-              <a:rPr lang="en-US" sz="1700">
-                <a:solidFill>
-                  <a:schemeClr val="lt1"/>
-                </a:solidFill>
-                <a:latin typeface="Times New Roman" panose="02020603050405020304"/>
-                <a:ea typeface="Times New Roman" panose="02020603050405020304"/>
-                <a:cs typeface="Times New Roman" panose="02020603050405020304"/>
-                <a:sym typeface="Times New Roman" panose="02020603050405020304"/>
-              </a:rPr>
-              <a:t>https://grls.rosminzdrav.ru/</a:t>
-            </a:r>
-            <a:endParaRPr sz="1700">
-              <a:solidFill>
-                <a:schemeClr val="lt1"/>
-              </a:solidFill>
-              <a:latin typeface="Times New Roman" panose="02020603050405020304"/>
-              <a:ea typeface="Times New Roman" panose="02020603050405020304"/>
-              <a:cs typeface="Times New Roman" panose="02020603050405020304"/>
-              <a:sym typeface="Times New Roman" panose="02020603050405020304"/>
-            </a:endParaRPr>
-          </a:p>
-          <a:p>
-            <a:pPr marL="457200" lvl="0" indent="0" algn="l" rtl="0">
-              <a:lnSpc>
-                <a:spcPct val="10000"/>
-              </a:lnSpc>
-              <a:spcBef>
-                <a:spcPts val="1200"/>
-              </a:spcBef>
-              <a:spcAft>
-                <a:spcPts val="800"/>
-              </a:spcAft>
-              <a:buNone/>
-            </a:pPr>
-            <a:endParaRPr sz="1700">
-              <a:solidFill>
-                <a:schemeClr val="lt1"/>
-              </a:solidFill>
-              <a:latin typeface="Times New Roman" panose="02020603050405020304"/>
-              <a:ea typeface="Times New Roman" panose="02020603050405020304"/>
-              <a:cs typeface="Times New Roman" panose="02020603050405020304"/>
-              <a:sym typeface="Times New Roman" panose="02020603050405020304"/>
-            </a:endParaRPr>
-          </a:p>
-        </p:txBody>
-      </p:sp>
-      <p:grpSp>
-        <p:nvGrpSpPr>
-          <p:cNvPr id="277" name="Google Shape;277;g247f382fd86_0_106"/>
-          <p:cNvGrpSpPr/>
-          <p:nvPr/>
-        </p:nvGrpSpPr>
-        <p:grpSpPr>
-          <a:xfrm>
-            <a:off x="489204" y="6152388"/>
-            <a:ext cx="11384786" cy="501395"/>
-            <a:chOff x="489204" y="6152388"/>
-            <a:chExt cx="11384786" cy="501395"/>
-          </a:xfrm>
-        </p:grpSpPr>
-        <p:pic>
-          <p:nvPicPr>
-            <p:cNvPr id="278" name="Google Shape;278;g247f382fd86_0_106"/>
-            <p:cNvPicPr preferRelativeResize="0"/>
-            <p:nvPr/>
-          </p:nvPicPr>
-          <p:blipFill rotWithShape="1">
-            <a:blip r:embed="rId1"/>
-            <a:srcRect/>
-            <a:stretch>
-              <a:fillRect/>
-            </a:stretch>
-          </p:blipFill>
-          <p:spPr>
-            <a:xfrm>
-              <a:off x="3204971" y="6173724"/>
-              <a:ext cx="2837688" cy="480059"/>
-            </a:xfrm>
-            <a:prstGeom prst="rect">
-              <a:avLst/>
-            </a:prstGeom>
-            <a:noFill/>
-            <a:ln>
-              <a:noFill/>
-            </a:ln>
-          </p:spPr>
-        </p:pic>
-        <p:pic>
-          <p:nvPicPr>
-            <p:cNvPr id="279" name="Google Shape;279;g247f382fd86_0_106"/>
-            <p:cNvPicPr preferRelativeResize="0"/>
-            <p:nvPr/>
-          </p:nvPicPr>
-          <p:blipFill rotWithShape="1">
-            <a:blip r:embed="rId2"/>
-            <a:srcRect/>
-            <a:stretch>
-              <a:fillRect/>
-            </a:stretch>
-          </p:blipFill>
-          <p:spPr>
-            <a:xfrm>
-              <a:off x="1894331" y="6181344"/>
-              <a:ext cx="1007363" cy="443484"/>
-            </a:xfrm>
-            <a:prstGeom prst="rect">
-              <a:avLst/>
-            </a:prstGeom>
-            <a:noFill/>
-            <a:ln>
-              <a:noFill/>
-            </a:ln>
-          </p:spPr>
-        </p:pic>
-        <p:pic>
-          <p:nvPicPr>
-            <p:cNvPr id="280" name="Google Shape;280;g247f382fd86_0_106"/>
-            <p:cNvPicPr preferRelativeResize="0"/>
-            <p:nvPr/>
-          </p:nvPicPr>
-          <p:blipFill rotWithShape="1">
-            <a:blip r:embed="rId3"/>
-            <a:srcRect/>
-            <a:stretch>
-              <a:fillRect/>
-            </a:stretch>
-          </p:blipFill>
-          <p:spPr>
-            <a:xfrm>
-              <a:off x="489204" y="6152388"/>
-              <a:ext cx="1168908" cy="414528"/>
-            </a:xfrm>
-            <a:prstGeom prst="rect">
-              <a:avLst/>
-            </a:prstGeom>
-            <a:noFill/>
-            <a:ln>
-              <a:noFill/>
-            </a:ln>
-          </p:spPr>
-        </p:pic>
-        <p:pic>
-          <p:nvPicPr>
-            <p:cNvPr id="281" name="Google Shape;281;g247f382fd86_0_106"/>
-            <p:cNvPicPr preferRelativeResize="0"/>
-            <p:nvPr/>
-          </p:nvPicPr>
-          <p:blipFill rotWithShape="1">
-            <a:blip r:embed="rId4"/>
-            <a:srcRect/>
-            <a:stretch>
-              <a:fillRect/>
-            </a:stretch>
-          </p:blipFill>
-          <p:spPr>
-            <a:xfrm>
-              <a:off x="6373368" y="6230112"/>
-              <a:ext cx="278891" cy="286512"/>
-            </a:xfrm>
-            <a:prstGeom prst="rect">
-              <a:avLst/>
-            </a:prstGeom>
-            <a:noFill/>
-            <a:ln>
-              <a:noFill/>
-            </a:ln>
-          </p:spPr>
-        </p:pic>
-        <p:pic>
-          <p:nvPicPr>
-            <p:cNvPr id="282" name="Google Shape;282;g247f382fd86_0_106"/>
-            <p:cNvPicPr preferRelativeResize="0"/>
-            <p:nvPr/>
-          </p:nvPicPr>
-          <p:blipFill rotWithShape="1">
-            <a:blip r:embed="rId4"/>
-            <a:srcRect/>
-            <a:stretch>
-              <a:fillRect/>
-            </a:stretch>
-          </p:blipFill>
-          <p:spPr>
-            <a:xfrm>
-              <a:off x="6746748" y="6230112"/>
-              <a:ext cx="278892" cy="286512"/>
-            </a:xfrm>
-            <a:prstGeom prst="rect">
-              <a:avLst/>
-            </a:prstGeom>
-            <a:noFill/>
-            <a:ln>
-              <a:noFill/>
-            </a:ln>
-          </p:spPr>
-        </p:pic>
-        <p:pic>
-          <p:nvPicPr>
-            <p:cNvPr id="283" name="Google Shape;283;g247f382fd86_0_106"/>
-            <p:cNvPicPr preferRelativeResize="0"/>
-            <p:nvPr/>
-          </p:nvPicPr>
-          <p:blipFill rotWithShape="1">
-            <a:blip r:embed="rId4"/>
-            <a:srcRect/>
-            <a:stretch>
-              <a:fillRect/>
-            </a:stretch>
-          </p:blipFill>
-          <p:spPr>
-            <a:xfrm>
-              <a:off x="7120127" y="6230112"/>
-              <a:ext cx="278892" cy="286512"/>
-            </a:xfrm>
-            <a:prstGeom prst="rect">
-              <a:avLst/>
-            </a:prstGeom>
-            <a:noFill/>
-            <a:ln>
-              <a:noFill/>
-            </a:ln>
-          </p:spPr>
-        </p:pic>
-        <p:pic>
-          <p:nvPicPr>
-            <p:cNvPr id="284" name="Google Shape;284;g247f382fd86_0_106"/>
-            <p:cNvPicPr preferRelativeResize="0"/>
-            <p:nvPr/>
-          </p:nvPicPr>
-          <p:blipFill rotWithShape="1">
-            <a:blip r:embed="rId4"/>
-            <a:srcRect/>
-            <a:stretch>
-              <a:fillRect/>
-            </a:stretch>
-          </p:blipFill>
-          <p:spPr>
-            <a:xfrm>
-              <a:off x="7493508" y="6230112"/>
-              <a:ext cx="280416" cy="286512"/>
-            </a:xfrm>
-            <a:prstGeom prst="rect">
-              <a:avLst/>
-            </a:prstGeom>
-            <a:noFill/>
-            <a:ln>
-              <a:noFill/>
-            </a:ln>
-          </p:spPr>
-        </p:pic>
-        <p:pic>
-          <p:nvPicPr>
-            <p:cNvPr id="285" name="Google Shape;285;g247f382fd86_0_106"/>
-            <p:cNvPicPr preferRelativeResize="0"/>
-            <p:nvPr/>
-          </p:nvPicPr>
-          <p:blipFill rotWithShape="1">
-            <a:blip r:embed="rId4"/>
-            <a:srcRect/>
-            <a:stretch>
-              <a:fillRect/>
-            </a:stretch>
-          </p:blipFill>
-          <p:spPr>
-            <a:xfrm>
-              <a:off x="7868411" y="6230112"/>
-              <a:ext cx="278892" cy="286512"/>
-            </a:xfrm>
-            <a:prstGeom prst="rect">
-              <a:avLst/>
-            </a:prstGeom>
-            <a:noFill/>
-            <a:ln>
-              <a:noFill/>
-            </a:ln>
-          </p:spPr>
-        </p:pic>
-        <p:pic>
-          <p:nvPicPr>
-            <p:cNvPr id="286" name="Google Shape;286;g247f382fd86_0_106"/>
-            <p:cNvPicPr preferRelativeResize="0"/>
-            <p:nvPr/>
-          </p:nvPicPr>
-          <p:blipFill rotWithShape="1">
-            <a:blip r:embed="rId4"/>
-            <a:srcRect/>
-            <a:stretch>
-              <a:fillRect/>
-            </a:stretch>
-          </p:blipFill>
-          <p:spPr>
-            <a:xfrm>
-              <a:off x="8241792" y="6230112"/>
-              <a:ext cx="278892" cy="286512"/>
-            </a:xfrm>
-            <a:prstGeom prst="rect">
-              <a:avLst/>
-            </a:prstGeom>
-            <a:noFill/>
-            <a:ln>
-              <a:noFill/>
-            </a:ln>
-          </p:spPr>
-        </p:pic>
-        <p:pic>
-          <p:nvPicPr>
-            <p:cNvPr id="287" name="Google Shape;287;g247f382fd86_0_106"/>
-            <p:cNvPicPr preferRelativeResize="0"/>
-            <p:nvPr/>
-          </p:nvPicPr>
-          <p:blipFill rotWithShape="1">
-            <a:blip r:embed="rId4"/>
-            <a:srcRect/>
-            <a:stretch>
-              <a:fillRect/>
-            </a:stretch>
-          </p:blipFill>
-          <p:spPr>
-            <a:xfrm>
-              <a:off x="8615172" y="6230112"/>
-              <a:ext cx="278892" cy="286512"/>
-            </a:xfrm>
-            <a:prstGeom prst="rect">
-              <a:avLst/>
-            </a:prstGeom>
-            <a:noFill/>
-            <a:ln>
-              <a:noFill/>
-            </a:ln>
-          </p:spPr>
-        </p:pic>
-        <p:pic>
-          <p:nvPicPr>
-            <p:cNvPr id="288" name="Google Shape;288;g247f382fd86_0_106"/>
-            <p:cNvPicPr preferRelativeResize="0"/>
-            <p:nvPr/>
-          </p:nvPicPr>
-          <p:blipFill rotWithShape="1">
-            <a:blip r:embed="rId4"/>
-            <a:srcRect/>
-            <a:stretch>
-              <a:fillRect/>
-            </a:stretch>
-          </p:blipFill>
-          <p:spPr>
-            <a:xfrm>
-              <a:off x="8990075" y="6230112"/>
-              <a:ext cx="278892" cy="286512"/>
-            </a:xfrm>
-            <a:prstGeom prst="rect">
-              <a:avLst/>
-            </a:prstGeom>
-            <a:noFill/>
-            <a:ln>
-              <a:noFill/>
-            </a:ln>
-          </p:spPr>
-        </p:pic>
-        <p:pic>
-          <p:nvPicPr>
-            <p:cNvPr id="289" name="Google Shape;289;g247f382fd86_0_106"/>
-            <p:cNvPicPr preferRelativeResize="0"/>
-            <p:nvPr/>
-          </p:nvPicPr>
-          <p:blipFill rotWithShape="1">
-            <a:blip r:embed="rId4"/>
-            <a:srcRect/>
-            <a:stretch>
-              <a:fillRect/>
-            </a:stretch>
-          </p:blipFill>
-          <p:spPr>
-            <a:xfrm>
-              <a:off x="9363456" y="6230112"/>
-              <a:ext cx="278892" cy="286512"/>
-            </a:xfrm>
-            <a:prstGeom prst="rect">
-              <a:avLst/>
-            </a:prstGeom>
-            <a:noFill/>
-            <a:ln>
-              <a:noFill/>
-            </a:ln>
-          </p:spPr>
-        </p:pic>
-        <p:pic>
-          <p:nvPicPr>
-            <p:cNvPr id="290" name="Google Shape;290;g247f382fd86_0_106"/>
-            <p:cNvPicPr preferRelativeResize="0"/>
-            <p:nvPr/>
-          </p:nvPicPr>
-          <p:blipFill rotWithShape="1">
-            <a:blip r:embed="rId4"/>
-            <a:srcRect/>
-            <a:stretch>
-              <a:fillRect/>
-            </a:stretch>
-          </p:blipFill>
-          <p:spPr>
-            <a:xfrm>
-              <a:off x="9736835" y="6230112"/>
-              <a:ext cx="278892" cy="286512"/>
-            </a:xfrm>
-            <a:prstGeom prst="rect">
-              <a:avLst/>
-            </a:prstGeom>
-            <a:noFill/>
-            <a:ln>
-              <a:noFill/>
-            </a:ln>
-          </p:spPr>
-        </p:pic>
-        <p:pic>
-          <p:nvPicPr>
-            <p:cNvPr id="291" name="Google Shape;291;g247f382fd86_0_106"/>
-            <p:cNvPicPr preferRelativeResize="0"/>
-            <p:nvPr/>
-          </p:nvPicPr>
-          <p:blipFill rotWithShape="1">
-            <a:blip r:embed="rId4"/>
-            <a:srcRect/>
-            <a:stretch>
-              <a:fillRect/>
-            </a:stretch>
-          </p:blipFill>
-          <p:spPr>
-            <a:xfrm>
-              <a:off x="10110215" y="6230112"/>
-              <a:ext cx="278892" cy="286512"/>
-            </a:xfrm>
-            <a:prstGeom prst="rect">
-              <a:avLst/>
-            </a:prstGeom>
-            <a:noFill/>
-            <a:ln>
-              <a:noFill/>
-            </a:ln>
-          </p:spPr>
-        </p:pic>
-        <p:pic>
-          <p:nvPicPr>
-            <p:cNvPr id="292" name="Google Shape;292;g247f382fd86_0_106"/>
-            <p:cNvPicPr preferRelativeResize="0"/>
-            <p:nvPr/>
-          </p:nvPicPr>
-          <p:blipFill rotWithShape="1">
-            <a:blip r:embed="rId4"/>
-            <a:srcRect/>
-            <a:stretch>
-              <a:fillRect/>
-            </a:stretch>
-          </p:blipFill>
-          <p:spPr>
-            <a:xfrm>
-              <a:off x="10485120" y="6230112"/>
-              <a:ext cx="278892" cy="286512"/>
-            </a:xfrm>
-            <a:prstGeom prst="rect">
-              <a:avLst/>
-            </a:prstGeom>
-            <a:noFill/>
-            <a:ln>
-              <a:noFill/>
-            </a:ln>
-          </p:spPr>
-        </p:pic>
-        <p:pic>
-          <p:nvPicPr>
-            <p:cNvPr id="293" name="Google Shape;293;g247f382fd86_0_106"/>
-            <p:cNvPicPr preferRelativeResize="0"/>
-            <p:nvPr/>
-          </p:nvPicPr>
-          <p:blipFill rotWithShape="1">
-            <a:blip r:embed="rId4"/>
-            <a:srcRect/>
-            <a:stretch>
-              <a:fillRect/>
-            </a:stretch>
-          </p:blipFill>
-          <p:spPr>
-            <a:xfrm>
-              <a:off x="10858499" y="6230112"/>
-              <a:ext cx="278892" cy="286512"/>
-            </a:xfrm>
-            <a:prstGeom prst="rect">
-              <a:avLst/>
-            </a:prstGeom>
-            <a:noFill/>
-            <a:ln>
-              <a:noFill/>
-            </a:ln>
-          </p:spPr>
-        </p:pic>
-        <p:sp>
-          <p:nvSpPr>
-            <p:cNvPr id="294" name="Google Shape;294;g247f382fd86_0_106"/>
-            <p:cNvSpPr/>
-            <p:nvPr/>
-          </p:nvSpPr>
-          <p:spPr>
-            <a:xfrm>
-              <a:off x="11449811" y="6240780"/>
-              <a:ext cx="424179" cy="254635"/>
-            </a:xfrm>
-            <a:custGeom>
-              <a:avLst/>
-              <a:gdLst/>
-              <a:ahLst/>
-              <a:cxnLst/>
-              <a:rect l="l" t="t" r="r" b="b"/>
-              <a:pathLst>
-                <a:path w="424179" h="254635" extrusionOk="0">
-                  <a:moveTo>
-                    <a:pt x="296418" y="0"/>
-                  </a:moveTo>
-                  <a:lnTo>
-                    <a:pt x="127254" y="0"/>
-                  </a:lnTo>
-                  <a:lnTo>
-                    <a:pt x="77741" y="10000"/>
-                  </a:lnTo>
-                  <a:lnTo>
-                    <a:pt x="37290" y="37271"/>
-                  </a:lnTo>
-                  <a:lnTo>
-                    <a:pt x="10007" y="77720"/>
-                  </a:lnTo>
-                  <a:lnTo>
-                    <a:pt x="0" y="127254"/>
-                  </a:lnTo>
-                  <a:lnTo>
-                    <a:pt x="10007" y="176787"/>
-                  </a:lnTo>
-                  <a:lnTo>
-                    <a:pt x="37290" y="217236"/>
-                  </a:lnTo>
-                  <a:lnTo>
-                    <a:pt x="77741" y="244507"/>
-                  </a:lnTo>
-                  <a:lnTo>
-                    <a:pt x="127254" y="254508"/>
-                  </a:lnTo>
-                  <a:lnTo>
-                    <a:pt x="296418" y="254508"/>
-                  </a:lnTo>
-                  <a:lnTo>
-                    <a:pt x="345930" y="244507"/>
-                  </a:lnTo>
-                  <a:lnTo>
-                    <a:pt x="386381" y="217236"/>
-                  </a:lnTo>
-                  <a:lnTo>
-                    <a:pt x="413664" y="176787"/>
-                  </a:lnTo>
-                  <a:lnTo>
-                    <a:pt x="423672" y="127254"/>
-                  </a:lnTo>
-                  <a:lnTo>
-                    <a:pt x="413664" y="77720"/>
-                  </a:lnTo>
-                  <a:lnTo>
-                    <a:pt x="386381" y="37271"/>
-                  </a:lnTo>
-                  <a:lnTo>
-                    <a:pt x="345930" y="10000"/>
-                  </a:lnTo>
-                  <a:lnTo>
-                    <a:pt x="296418" y="0"/>
-                  </a:lnTo>
-                  <a:close/>
-                </a:path>
-              </a:pathLst>
-            </a:custGeom>
-            <a:solidFill>
-              <a:srgbClr val="01FF2F"/>
-            </a:solidFill>
-            <a:ln>
-              <a:noFill/>
-            </a:ln>
-          </p:spPr>
-          <p:txBody>
-            <a:bodyPr spcFirstLastPara="1" wrap="square" lIns="0" tIns="0" rIns="0" bIns="0" anchor="t" anchorCtr="0">
-              <a:noAutofit/>
-            </a:bodyPr>
-            <a:lstStyle/>
-            <a:p>
-              <a:pPr marL="0" marR="0" lvl="0" indent="0" algn="l" rtl="0">
-                <a:spcBef>
-                  <a:spcPts val="0"/>
-                </a:spcBef>
-                <a:spcAft>
-                  <a:spcPts val="0"/>
-                </a:spcAft>
-                <a:buNone/>
-              </a:pPr>
-              <a:endParaRPr sz="1800"/>
-            </a:p>
-          </p:txBody>
-        </p:sp>
-      </p:grpSp>
-      <p:sp>
-        <p:nvSpPr>
-          <p:cNvPr id="295" name="Google Shape;295;g247f382fd86_0_106"/>
-          <p:cNvSpPr txBox="1"/>
-          <p:nvPr/>
-        </p:nvSpPr>
-        <p:spPr>
-          <a:xfrm>
-            <a:off x="11611356" y="6311493"/>
-            <a:ext cx="71100" cy="161700"/>
-          </a:xfrm>
-          <a:prstGeom prst="rect">
-            <a:avLst/>
-          </a:prstGeom>
-          <a:noFill/>
-          <a:ln>
-            <a:noFill/>
-          </a:ln>
-        </p:spPr>
-        <p:txBody>
-          <a:bodyPr spcFirstLastPara="1" wrap="square" lIns="0" tIns="0" rIns="0" bIns="0" anchor="t" anchorCtr="0">
-            <a:spAutoFit/>
-          </a:bodyPr>
-          <a:lstStyle/>
-          <a:p>
-            <a:pPr marL="0" marR="0" lvl="0" indent="0" algn="l" rtl="0">
-              <a:lnSpc>
-                <a:spcPct val="95000"/>
-              </a:lnSpc>
-              <a:spcBef>
-                <a:spcPts val="0"/>
-              </a:spcBef>
-              <a:spcAft>
-                <a:spcPts val="0"/>
-              </a:spcAft>
-              <a:buNone/>
-            </a:pPr>
-            <a:r>
-              <a:rPr lang="en-US" sz="1100" b="1">
-                <a:solidFill>
-                  <a:srgbClr val="252525"/>
-                </a:solidFill>
-                <a:latin typeface="Calibri" panose="020F0502020204030204"/>
-                <a:ea typeface="Calibri" panose="020F0502020204030204"/>
-                <a:cs typeface="Calibri" panose="020F0502020204030204"/>
-                <a:sym typeface="Calibri" panose="020F0502020204030204"/>
-              </a:rPr>
-              <a:t>3</a:t>
-            </a:r>
-            <a:endParaRPr sz="1100">
-              <a:latin typeface="Calibri" panose="020F0502020204030204"/>
-              <a:ea typeface="Calibri" panose="020F0502020204030204"/>
-              <a:cs typeface="Calibri" panose="020F0502020204030204"/>
-              <a:sym typeface="Calibri" panose="020F0502020204030204"/>
-            </a:endParaRPr>
-          </a:p>
-        </p:txBody>
-      </p:sp>
-      <p:sp>
-        <p:nvSpPr>
-          <p:cNvPr id="296" name="Google Shape;296;g247f382fd86_0_106"/>
-          <p:cNvSpPr txBox="1"/>
-          <p:nvPr>
-            <p:ph type="sldNum" idx="12"/>
-          </p:nvPr>
-        </p:nvSpPr>
-        <p:spPr>
-          <a:xfrm>
-            <a:off x="11573256" y="6298793"/>
-            <a:ext cx="147300" cy="169200"/>
-          </a:xfrm>
-          <a:prstGeom prst="rect">
-            <a:avLst/>
-          </a:prstGeom>
-          <a:noFill/>
-          <a:ln>
-            <a:noFill/>
-          </a:ln>
-        </p:spPr>
-        <p:txBody>
-          <a:bodyPr spcFirstLastPara="1" wrap="square" lIns="0" tIns="0" rIns="0" bIns="0" anchor="t" anchorCtr="0">
-            <a:spAutoFit/>
-          </a:bodyPr>
-          <a:lstStyle/>
-          <a:p>
-            <a:pPr marL="38100" lvl="0" indent="0" algn="l" rtl="0">
-              <a:lnSpc>
-                <a:spcPct val="105000"/>
-              </a:lnSpc>
-              <a:spcBef>
-                <a:spcPts val="0"/>
-              </a:spcBef>
-              <a:spcAft>
-                <a:spcPts val="0"/>
-              </a:spcAft>
-              <a:buNone/>
-            </a:pPr>
-            <a:fld id="{00000000-1234-1234-1234-123412341234}" type="slidenum">
-              <a:rPr lang="en-US"/>
-            </a:fld>
-            <a:endParaRPr lang="en-US"/>
-          </a:p>
-        </p:txBody>
-      </p:sp>
-      <p:pic>
-        <p:nvPicPr>
-          <p:cNvPr id="297" name="Google Shape;297;g247f382fd86_0_106"/>
-          <p:cNvPicPr preferRelativeResize="0"/>
-          <p:nvPr/>
-        </p:nvPicPr>
-        <p:blipFill>
-          <a:blip r:embed="rId5"/>
-          <a:stretch>
-            <a:fillRect/>
-          </a:stretch>
-        </p:blipFill>
-        <p:spPr>
-          <a:xfrm>
-            <a:off x="6309312" y="152400"/>
-            <a:ext cx="5577888" cy="3259872"/>
-          </a:xfrm>
-          <a:prstGeom prst="rect">
-            <a:avLst/>
-          </a:prstGeom>
-          <a:noFill/>
-          <a:ln>
-            <a:noFill/>
-          </a:ln>
-        </p:spPr>
-      </p:pic>
-      <p:pic>
-        <p:nvPicPr>
-          <p:cNvPr id="298" name="Google Shape;298;g247f382fd86_0_106"/>
-          <p:cNvPicPr preferRelativeResize="0"/>
-          <p:nvPr/>
-        </p:nvPicPr>
-        <p:blipFill rotWithShape="1">
-          <a:blip r:embed="rId6"/>
-          <a:srcRect r="19549"/>
-          <a:stretch>
-            <a:fillRect/>
-          </a:stretch>
-        </p:blipFill>
-        <p:spPr>
-          <a:xfrm>
-            <a:off x="6385500" y="3733800"/>
-            <a:ext cx="2411474" cy="2082180"/>
-          </a:xfrm>
-          <a:prstGeom prst="rect">
-            <a:avLst/>
-          </a:prstGeom>
-          <a:noFill/>
-          <a:ln>
-            <a:noFill/>
-          </a:ln>
-        </p:spPr>
-      </p:pic>
-      <p:pic>
-        <p:nvPicPr>
-          <p:cNvPr id="299" name="Google Shape;299;g247f382fd86_0_106"/>
-          <p:cNvPicPr preferRelativeResize="0"/>
-          <p:nvPr/>
-        </p:nvPicPr>
-        <p:blipFill rotWithShape="1">
-          <a:blip r:embed="rId7"/>
-          <a:srcRect r="43753"/>
-          <a:stretch>
-            <a:fillRect/>
-          </a:stretch>
-        </p:blipFill>
-        <p:spPr>
-          <a:xfrm>
-            <a:off x="8857175" y="3717841"/>
-            <a:ext cx="3188075" cy="2275397"/>
-          </a:xfrm>
-          <a:prstGeom prst="rect">
-            <a:avLst/>
-          </a:prstGeom>
-          <a:noFill/>
-          <a:ln>
-            <a:noFill/>
-          </a:ln>
-        </p:spPr>
-      </p:pic>
     </p:spTree>
   </p:cSld>
   <p:clrMapOvr>
